--- a/高等演算法報告.pptx
+++ b/高等演算法報告.pptx
@@ -5,16 +5,12 @@
     <p:sldMasterId id="2147483648" r:id="rId1"/>
   </p:sldMasterIdLst>
   <p:sldIdLst>
-    <p:sldId id="256" r:id="rId2"/>
-    <p:sldId id="259" r:id="rId3"/>
-    <p:sldId id="260" r:id="rId4"/>
-    <p:sldId id="258" r:id="rId5"/>
-    <p:sldId id="257" r:id="rId6"/>
-    <p:sldId id="263" r:id="rId7"/>
-    <p:sldId id="261" r:id="rId8"/>
-    <p:sldId id="262" r:id="rId9"/>
-    <p:sldId id="264" r:id="rId10"/>
-    <p:sldId id="265" r:id="rId11"/>
+    <p:sldId id="257" r:id="rId2"/>
+    <p:sldId id="263" r:id="rId3"/>
+    <p:sldId id="261" r:id="rId4"/>
+    <p:sldId id="266" r:id="rId5"/>
+    <p:sldId id="264" r:id="rId6"/>
+    <p:sldId id="265" r:id="rId7"/>
   </p:sldIdLst>
   <p:sldSz cx="12192000" cy="6858000"/>
   <p:notesSz cx="6858000" cy="9144000"/>
@@ -113,7 +109,216 @@
       </a:defRPr>
     </a:lvl9pPr>
   </p:defaultTextStyle>
+  <p:extLst>
+    <p:ext uri="{EFAFB233-063F-42B5-8137-9DF3F51BA10A}">
+      <p15:sldGuideLst xmlns:p15="http://schemas.microsoft.com/office/powerpoint/2012/main"/>
+    </p:ext>
+  </p:extLst>
 </p:presentation>
+</file>
+
+<file path=ppt/changesInfos/changesInfo1.xml><?xml version="1.0" encoding="utf-8"?>
+<pc:chgInfo xmlns:a="http://schemas.openxmlformats.org/drawingml/2006/main" xmlns:r="http://schemas.openxmlformats.org/officeDocument/2006/relationships" xmlns:ac="http://schemas.microsoft.com/office/drawing/2013/main/command" xmlns:pc="http://schemas.microsoft.com/office/powerpoint/2013/main/command">
+  <pc:docChgLst>
+    <pc:chgData name="M11302149" userId="8216dd93-2662-4fcb-b25f-19201f4a478b" providerId="ADAL" clId="{6DD3EB06-16A2-41E0-814F-83096F6D58AF}"/>
+    <pc:docChg chg="undo custSel addSld delSld modSld">
+      <pc:chgData name="M11302149" userId="8216dd93-2662-4fcb-b25f-19201f4a478b" providerId="ADAL" clId="{6DD3EB06-16A2-41E0-814F-83096F6D58AF}" dt="2024-11-25T13:04:25.479" v="687" actId="14100"/>
+      <pc:docMkLst>
+        <pc:docMk/>
+      </pc:docMkLst>
+      <pc:sldChg chg="del">
+        <pc:chgData name="M11302149" userId="8216dd93-2662-4fcb-b25f-19201f4a478b" providerId="ADAL" clId="{6DD3EB06-16A2-41E0-814F-83096F6D58AF}" dt="2024-11-25T12:26:45.310" v="676" actId="47"/>
+        <pc:sldMkLst>
+          <pc:docMk/>
+          <pc:sldMk cId="1089651072" sldId="256"/>
+        </pc:sldMkLst>
+      </pc:sldChg>
+      <pc:sldChg chg="addSp modSp mod">
+        <pc:chgData name="M11302149" userId="8216dd93-2662-4fcb-b25f-19201f4a478b" providerId="ADAL" clId="{6DD3EB06-16A2-41E0-814F-83096F6D58AF}" dt="2024-11-25T04:46:25.834" v="62" actId="1076"/>
+        <pc:sldMkLst>
+          <pc:docMk/>
+          <pc:sldMk cId="2638221137" sldId="257"/>
+        </pc:sldMkLst>
+        <pc:spChg chg="mod">
+          <ac:chgData name="M11302149" userId="8216dd93-2662-4fcb-b25f-19201f4a478b" providerId="ADAL" clId="{6DD3EB06-16A2-41E0-814F-83096F6D58AF}" dt="2024-11-25T04:46:16.349" v="60" actId="20577"/>
+          <ac:spMkLst>
+            <pc:docMk/>
+            <pc:sldMk cId="2638221137" sldId="257"/>
+            <ac:spMk id="3" creationId="{D30900F2-D1CE-4C6B-9389-86710234E896}"/>
+          </ac:spMkLst>
+        </pc:spChg>
+        <pc:picChg chg="add mod">
+          <ac:chgData name="M11302149" userId="8216dd93-2662-4fcb-b25f-19201f4a478b" providerId="ADAL" clId="{6DD3EB06-16A2-41E0-814F-83096F6D58AF}" dt="2024-11-25T04:46:25.834" v="62" actId="1076"/>
+          <ac:picMkLst>
+            <pc:docMk/>
+            <pc:sldMk cId="2638221137" sldId="257"/>
+            <ac:picMk id="4" creationId="{64690503-D347-4B1C-8A9D-F42A47DABCC9}"/>
+          </ac:picMkLst>
+        </pc:picChg>
+        <pc:picChg chg="add mod">
+          <ac:chgData name="M11302149" userId="8216dd93-2662-4fcb-b25f-19201f4a478b" providerId="ADAL" clId="{6DD3EB06-16A2-41E0-814F-83096F6D58AF}" dt="2024-11-25T04:46:21.271" v="61" actId="1076"/>
+          <ac:picMkLst>
+            <pc:docMk/>
+            <pc:sldMk cId="2638221137" sldId="257"/>
+            <ac:picMk id="1026" creationId="{17ECD93A-1C1A-404F-9A50-66A87B370312}"/>
+          </ac:picMkLst>
+        </pc:picChg>
+      </pc:sldChg>
+      <pc:sldChg chg="del">
+        <pc:chgData name="M11302149" userId="8216dd93-2662-4fcb-b25f-19201f4a478b" providerId="ADAL" clId="{6DD3EB06-16A2-41E0-814F-83096F6D58AF}" dt="2024-11-25T12:26:46.713" v="679" actId="47"/>
+        <pc:sldMkLst>
+          <pc:docMk/>
+          <pc:sldMk cId="1709399412" sldId="258"/>
+        </pc:sldMkLst>
+      </pc:sldChg>
+      <pc:sldChg chg="del">
+        <pc:chgData name="M11302149" userId="8216dd93-2662-4fcb-b25f-19201f4a478b" providerId="ADAL" clId="{6DD3EB06-16A2-41E0-814F-83096F6D58AF}" dt="2024-11-25T12:26:45.753" v="677" actId="47"/>
+        <pc:sldMkLst>
+          <pc:docMk/>
+          <pc:sldMk cId="2395717429" sldId="259"/>
+        </pc:sldMkLst>
+      </pc:sldChg>
+      <pc:sldChg chg="del">
+        <pc:chgData name="M11302149" userId="8216dd93-2662-4fcb-b25f-19201f4a478b" providerId="ADAL" clId="{6DD3EB06-16A2-41E0-814F-83096F6D58AF}" dt="2024-11-25T12:26:46.125" v="678" actId="47"/>
+        <pc:sldMkLst>
+          <pc:docMk/>
+          <pc:sldMk cId="2705870515" sldId="260"/>
+        </pc:sldMkLst>
+      </pc:sldChg>
+      <pc:sldChg chg="del">
+        <pc:chgData name="M11302149" userId="8216dd93-2662-4fcb-b25f-19201f4a478b" providerId="ADAL" clId="{6DD3EB06-16A2-41E0-814F-83096F6D58AF}" dt="2024-11-25T05:10:38.933" v="527" actId="47"/>
+        <pc:sldMkLst>
+          <pc:docMk/>
+          <pc:sldMk cId="1257359293" sldId="262"/>
+        </pc:sldMkLst>
+      </pc:sldChg>
+      <pc:sldChg chg="modSp mod">
+        <pc:chgData name="M11302149" userId="8216dd93-2662-4fcb-b25f-19201f4a478b" providerId="ADAL" clId="{6DD3EB06-16A2-41E0-814F-83096F6D58AF}" dt="2024-11-25T06:53:52.697" v="614" actId="20577"/>
+        <pc:sldMkLst>
+          <pc:docMk/>
+          <pc:sldMk cId="484302824" sldId="263"/>
+        </pc:sldMkLst>
+        <pc:spChg chg="mod">
+          <ac:chgData name="M11302149" userId="8216dd93-2662-4fcb-b25f-19201f4a478b" providerId="ADAL" clId="{6DD3EB06-16A2-41E0-814F-83096F6D58AF}" dt="2024-11-25T06:53:52.697" v="614" actId="20577"/>
+          <ac:spMkLst>
+            <pc:docMk/>
+            <pc:sldMk cId="484302824" sldId="263"/>
+            <ac:spMk id="5" creationId="{694F714B-CC21-4C85-9C26-5B12E28B689B}"/>
+          </ac:spMkLst>
+        </pc:spChg>
+      </pc:sldChg>
+      <pc:sldChg chg="addSp delSp modSp mod">
+        <pc:chgData name="M11302149" userId="8216dd93-2662-4fcb-b25f-19201f4a478b" providerId="ADAL" clId="{6DD3EB06-16A2-41E0-814F-83096F6D58AF}" dt="2024-11-25T13:04:25.479" v="687" actId="14100"/>
+        <pc:sldMkLst>
+          <pc:docMk/>
+          <pc:sldMk cId="1262246082" sldId="264"/>
+        </pc:sldMkLst>
+        <pc:spChg chg="mod">
+          <ac:chgData name="M11302149" userId="8216dd93-2662-4fcb-b25f-19201f4a478b" providerId="ADAL" clId="{6DD3EB06-16A2-41E0-814F-83096F6D58AF}" dt="2024-11-25T12:24:31.862" v="674" actId="113"/>
+          <ac:spMkLst>
+            <pc:docMk/>
+            <pc:sldMk cId="1262246082" sldId="264"/>
+            <ac:spMk id="2" creationId="{2278CC2D-D3D1-4482-BB0E-8434BF7C4D3C}"/>
+          </ac:spMkLst>
+        </pc:spChg>
+        <pc:spChg chg="add del">
+          <ac:chgData name="M11302149" userId="8216dd93-2662-4fcb-b25f-19201f4a478b" providerId="ADAL" clId="{6DD3EB06-16A2-41E0-814F-83096F6D58AF}" dt="2024-11-25T12:36:19.643" v="680" actId="931"/>
+          <ac:spMkLst>
+            <pc:docMk/>
+            <pc:sldMk cId="1262246082" sldId="264"/>
+            <ac:spMk id="3" creationId="{D30900F2-D1CE-4C6B-9389-86710234E896}"/>
+          </ac:spMkLst>
+        </pc:spChg>
+        <pc:picChg chg="add del mod ord">
+          <ac:chgData name="M11302149" userId="8216dd93-2662-4fcb-b25f-19201f4a478b" providerId="ADAL" clId="{6DD3EB06-16A2-41E0-814F-83096F6D58AF}" dt="2024-11-25T06:51:49.882" v="599" actId="22"/>
+          <ac:picMkLst>
+            <pc:docMk/>
+            <pc:sldMk cId="1262246082" sldId="264"/>
+            <ac:picMk id="5" creationId="{27FDB108-98A7-455F-BAD3-06C00AED814C}"/>
+          </ac:picMkLst>
+        </pc:picChg>
+        <pc:picChg chg="add del mod">
+          <ac:chgData name="M11302149" userId="8216dd93-2662-4fcb-b25f-19201f4a478b" providerId="ADAL" clId="{6DD3EB06-16A2-41E0-814F-83096F6D58AF}" dt="2024-11-25T13:04:16.971" v="684" actId="478"/>
+          <ac:picMkLst>
+            <pc:docMk/>
+            <pc:sldMk cId="1262246082" sldId="264"/>
+            <ac:picMk id="7" creationId="{C1FAB28A-9126-4D6D-A442-50CCB01D6950}"/>
+          </ac:picMkLst>
+        </pc:picChg>
+        <pc:picChg chg="add mod">
+          <ac:chgData name="M11302149" userId="8216dd93-2662-4fcb-b25f-19201f4a478b" providerId="ADAL" clId="{6DD3EB06-16A2-41E0-814F-83096F6D58AF}" dt="2024-11-25T12:36:27.898" v="683" actId="1076"/>
+          <ac:picMkLst>
+            <pc:docMk/>
+            <pc:sldMk cId="1262246082" sldId="264"/>
+            <ac:picMk id="9" creationId="{9C975B7E-368B-405C-A6A3-1DA2128945A2}"/>
+          </ac:picMkLst>
+        </pc:picChg>
+        <pc:picChg chg="add mod">
+          <ac:chgData name="M11302149" userId="8216dd93-2662-4fcb-b25f-19201f4a478b" providerId="ADAL" clId="{6DD3EB06-16A2-41E0-814F-83096F6D58AF}" dt="2024-11-25T13:04:25.479" v="687" actId="14100"/>
+          <ac:picMkLst>
+            <pc:docMk/>
+            <pc:sldMk cId="1262246082" sldId="264"/>
+            <ac:picMk id="11" creationId="{8E1F4920-C05A-4F0A-8686-F75EA906BA4D}"/>
+          </ac:picMkLst>
+        </pc:picChg>
+      </pc:sldChg>
+      <pc:sldChg chg="modSp mod">
+        <pc:chgData name="M11302149" userId="8216dd93-2662-4fcb-b25f-19201f4a478b" providerId="ADAL" clId="{6DD3EB06-16A2-41E0-814F-83096F6D58AF}" dt="2024-11-25T11:54:52.045" v="618"/>
+        <pc:sldMkLst>
+          <pc:docMk/>
+          <pc:sldMk cId="4067465942" sldId="265"/>
+        </pc:sldMkLst>
+        <pc:spChg chg="mod">
+          <ac:chgData name="M11302149" userId="8216dd93-2662-4fcb-b25f-19201f4a478b" providerId="ADAL" clId="{6DD3EB06-16A2-41E0-814F-83096F6D58AF}" dt="2024-11-25T11:54:52.045" v="618"/>
+          <ac:spMkLst>
+            <pc:docMk/>
+            <pc:sldMk cId="4067465942" sldId="265"/>
+            <ac:spMk id="3" creationId="{D30900F2-D1CE-4C6B-9389-86710234E896}"/>
+          </ac:spMkLst>
+        </pc:spChg>
+      </pc:sldChg>
+      <pc:sldChg chg="addSp delSp modSp new mod">
+        <pc:chgData name="M11302149" userId="8216dd93-2662-4fcb-b25f-19201f4a478b" providerId="ADAL" clId="{6DD3EB06-16A2-41E0-814F-83096F6D58AF}" dt="2024-11-25T12:19:37.240" v="650" actId="1076"/>
+        <pc:sldMkLst>
+          <pc:docMk/>
+          <pc:sldMk cId="1566281743" sldId="266"/>
+        </pc:sldMkLst>
+        <pc:spChg chg="mod">
+          <ac:chgData name="M11302149" userId="8216dd93-2662-4fcb-b25f-19201f4a478b" providerId="ADAL" clId="{6DD3EB06-16A2-41E0-814F-83096F6D58AF}" dt="2024-11-25T12:09:30.362" v="620" actId="1076"/>
+          <ac:spMkLst>
+            <pc:docMk/>
+            <pc:sldMk cId="1566281743" sldId="266"/>
+            <ac:spMk id="2" creationId="{6D7FBE38-9A20-4BE7-99EF-2D61C9C04EE2}"/>
+          </ac:spMkLst>
+        </pc:spChg>
+        <pc:spChg chg="mod">
+          <ac:chgData name="M11302149" userId="8216dd93-2662-4fcb-b25f-19201f4a478b" providerId="ADAL" clId="{6DD3EB06-16A2-41E0-814F-83096F6D58AF}" dt="2024-11-25T12:17:03.690" v="641" actId="20577"/>
+          <ac:spMkLst>
+            <pc:docMk/>
+            <pc:sldMk cId="1566281743" sldId="266"/>
+            <ac:spMk id="3" creationId="{10002C90-86D5-4C0A-8A31-D887C8B8D26D}"/>
+          </ac:spMkLst>
+        </pc:spChg>
+        <pc:picChg chg="add del mod">
+          <ac:chgData name="M11302149" userId="8216dd93-2662-4fcb-b25f-19201f4a478b" providerId="ADAL" clId="{6DD3EB06-16A2-41E0-814F-83096F6D58AF}" dt="2024-11-25T12:19:11.265" v="642" actId="478"/>
+          <ac:picMkLst>
+            <pc:docMk/>
+            <pc:sldMk cId="1566281743" sldId="266"/>
+            <ac:picMk id="5" creationId="{8D0DDDA2-13AD-4D3C-BA4B-582D06728F72}"/>
+          </ac:picMkLst>
+        </pc:picChg>
+        <pc:picChg chg="add mod">
+          <ac:chgData name="M11302149" userId="8216dd93-2662-4fcb-b25f-19201f4a478b" providerId="ADAL" clId="{6DD3EB06-16A2-41E0-814F-83096F6D58AF}" dt="2024-11-25T12:19:37.240" v="650" actId="1076"/>
+          <ac:picMkLst>
+            <pc:docMk/>
+            <pc:sldMk cId="1566281743" sldId="266"/>
+            <ac:picMk id="7" creationId="{7DEC4C58-36F0-4F32-B424-322523808B86}"/>
+          </ac:picMkLst>
+        </pc:picChg>
+      </pc:sldChg>
+    </pc:docChg>
+  </pc:docChgLst>
+</pc:chgInfo>
 </file>
 
 <file path=ppt/slideLayouts/slideLayout1.xml><?xml version="1.0" encoding="utf-8"?>
@@ -263,7 +468,7 @@
           <a:p>
             <a:fld id="{64FC9679-BD23-4B8A-9A5A-2990B7CDDDC8}" type="datetimeFigureOut">
               <a:rPr lang="zh-TW" altLang="en-US" smtClean="0"/>
-              <a:t>2024/11/12</a:t>
+              <a:t>2024/11/25</a:t>
             </a:fld>
             <a:endParaRPr lang="zh-TW" altLang="en-US"/>
           </a:p>
@@ -461,7 +666,7 @@
           <a:p>
             <a:fld id="{64FC9679-BD23-4B8A-9A5A-2990B7CDDDC8}" type="datetimeFigureOut">
               <a:rPr lang="zh-TW" altLang="en-US" smtClean="0"/>
-              <a:t>2024/11/12</a:t>
+              <a:t>2024/11/25</a:t>
             </a:fld>
             <a:endParaRPr lang="zh-TW" altLang="en-US"/>
           </a:p>
@@ -669,7 +874,7 @@
           <a:p>
             <a:fld id="{64FC9679-BD23-4B8A-9A5A-2990B7CDDDC8}" type="datetimeFigureOut">
               <a:rPr lang="zh-TW" altLang="en-US" smtClean="0"/>
-              <a:t>2024/11/12</a:t>
+              <a:t>2024/11/25</a:t>
             </a:fld>
             <a:endParaRPr lang="zh-TW" altLang="en-US"/>
           </a:p>
@@ -867,7 +1072,7 @@
           <a:p>
             <a:fld id="{64FC9679-BD23-4B8A-9A5A-2990B7CDDDC8}" type="datetimeFigureOut">
               <a:rPr lang="zh-TW" altLang="en-US" smtClean="0"/>
-              <a:t>2024/11/12</a:t>
+              <a:t>2024/11/25</a:t>
             </a:fld>
             <a:endParaRPr lang="zh-TW" altLang="en-US"/>
           </a:p>
@@ -1142,7 +1347,7 @@
           <a:p>
             <a:fld id="{64FC9679-BD23-4B8A-9A5A-2990B7CDDDC8}" type="datetimeFigureOut">
               <a:rPr lang="zh-TW" altLang="en-US" smtClean="0"/>
-              <a:t>2024/11/12</a:t>
+              <a:t>2024/11/25</a:t>
             </a:fld>
             <a:endParaRPr lang="zh-TW" altLang="en-US"/>
           </a:p>
@@ -1407,7 +1612,7 @@
           <a:p>
             <a:fld id="{64FC9679-BD23-4B8A-9A5A-2990B7CDDDC8}" type="datetimeFigureOut">
               <a:rPr lang="zh-TW" altLang="en-US" smtClean="0"/>
-              <a:t>2024/11/12</a:t>
+              <a:t>2024/11/25</a:t>
             </a:fld>
             <a:endParaRPr lang="zh-TW" altLang="en-US"/>
           </a:p>
@@ -1819,7 +2024,7 @@
           <a:p>
             <a:fld id="{64FC9679-BD23-4B8A-9A5A-2990B7CDDDC8}" type="datetimeFigureOut">
               <a:rPr lang="zh-TW" altLang="en-US" smtClean="0"/>
-              <a:t>2024/11/12</a:t>
+              <a:t>2024/11/25</a:t>
             </a:fld>
             <a:endParaRPr lang="zh-TW" altLang="en-US"/>
           </a:p>
@@ -1960,7 +2165,7 @@
           <a:p>
             <a:fld id="{64FC9679-BD23-4B8A-9A5A-2990B7CDDDC8}" type="datetimeFigureOut">
               <a:rPr lang="zh-TW" altLang="en-US" smtClean="0"/>
-              <a:t>2024/11/12</a:t>
+              <a:t>2024/11/25</a:t>
             </a:fld>
             <a:endParaRPr lang="zh-TW" altLang="en-US"/>
           </a:p>
@@ -2073,7 +2278,7 @@
           <a:p>
             <a:fld id="{64FC9679-BD23-4B8A-9A5A-2990B7CDDDC8}" type="datetimeFigureOut">
               <a:rPr lang="zh-TW" altLang="en-US" smtClean="0"/>
-              <a:t>2024/11/12</a:t>
+              <a:t>2024/11/25</a:t>
             </a:fld>
             <a:endParaRPr lang="zh-TW" altLang="en-US"/>
           </a:p>
@@ -2384,7 +2589,7 @@
           <a:p>
             <a:fld id="{64FC9679-BD23-4B8A-9A5A-2990B7CDDDC8}" type="datetimeFigureOut">
               <a:rPr lang="zh-TW" altLang="en-US" smtClean="0"/>
-              <a:t>2024/11/12</a:t>
+              <a:t>2024/11/25</a:t>
             </a:fld>
             <a:endParaRPr lang="zh-TW" altLang="en-US"/>
           </a:p>
@@ -2672,7 +2877,7 @@
           <a:p>
             <a:fld id="{64FC9679-BD23-4B8A-9A5A-2990B7CDDDC8}" type="datetimeFigureOut">
               <a:rPr lang="zh-TW" altLang="en-US" smtClean="0"/>
-              <a:t>2024/11/12</a:t>
+              <a:t>2024/11/25</a:t>
             </a:fld>
             <a:endParaRPr lang="zh-TW" altLang="en-US"/>
           </a:p>
@@ -2913,7 +3118,7 @@
           <a:p>
             <a:fld id="{64FC9679-BD23-4B8A-9A5A-2990B7CDDDC8}" type="datetimeFigureOut">
               <a:rPr lang="zh-TW" altLang="en-US" smtClean="0"/>
-              <a:t>2024/11/12</a:t>
+              <a:t>2024/11/25</a:t>
             </a:fld>
             <a:endParaRPr lang="zh-TW" altLang="en-US"/>
           </a:p>
@@ -3335,15 +3540,15 @@
           <p:cNvPr id="2" name="標題 1">
             <a:extLst>
               <a:ext uri="{FF2B5EF4-FFF2-40B4-BE49-F238E27FC236}">
-                <a16:creationId xmlns:a16="http://schemas.microsoft.com/office/drawing/2014/main" id="{BD9C1A52-0FDA-45C2-B113-7C5380EAAE73}"/>
-              </a:ext>
-            </a:extLst>
-          </p:cNvPr>
-          <p:cNvSpPr>
-            <a:spLocks noGrp="1"/>
-          </p:cNvSpPr>
-          <p:nvPr>
-            <p:ph type="ctrTitle"/>
+                <a16:creationId xmlns:a16="http://schemas.microsoft.com/office/drawing/2014/main" id="{2278CC2D-D3D1-4482-BB0E-8434BF7C4D3C}"/>
+              </a:ext>
+            </a:extLst>
+          </p:cNvPr>
+          <p:cNvSpPr>
+            <a:spLocks noGrp="1"/>
+          </p:cNvSpPr>
+          <p:nvPr>
+            <p:ph type="title"/>
           </p:nvPr>
         </p:nvSpPr>
         <p:spPr/>
@@ -3353,25 +3558,25 @@
           <a:p>
             <a:r>
               <a:rPr lang="zh-TW" altLang="en-US" dirty="0"/>
-              <a:t>高等演算法報告</a:t>
-            </a:r>
-          </a:p>
-        </p:txBody>
-      </p:sp>
-      <p:sp>
-        <p:nvSpPr>
-          <p:cNvPr id="3" name="副標題 2">
-            <a:extLst>
-              <a:ext uri="{FF2B5EF4-FFF2-40B4-BE49-F238E27FC236}">
-                <a16:creationId xmlns:a16="http://schemas.microsoft.com/office/drawing/2014/main" id="{52F50214-000E-45C8-9EAB-637150288F1D}"/>
-              </a:ext>
-            </a:extLst>
-          </p:cNvPr>
-          <p:cNvSpPr>
-            <a:spLocks noGrp="1"/>
-          </p:cNvSpPr>
-          <p:nvPr>
-            <p:ph type="subTitle" idx="1"/>
+              <a:t>概念</a:t>
+            </a:r>
+          </a:p>
+        </p:txBody>
+      </p:sp>
+      <p:sp>
+        <p:nvSpPr>
+          <p:cNvPr id="3" name="內容版面配置區 2">
+            <a:extLst>
+              <a:ext uri="{FF2B5EF4-FFF2-40B4-BE49-F238E27FC236}">
+                <a16:creationId xmlns:a16="http://schemas.microsoft.com/office/drawing/2014/main" id="{D30900F2-D1CE-4C6B-9389-86710234E896}"/>
+              </a:ext>
+            </a:extLst>
+          </p:cNvPr>
+          <p:cNvSpPr>
+            <a:spLocks noGrp="1"/>
+          </p:cNvSpPr>
+          <p:nvPr>
+            <p:ph idx="1"/>
           </p:nvPr>
         </p:nvSpPr>
         <p:spPr/>
@@ -3380,461 +3585,97 @@
           <a:lstStyle/>
           <a:p>
             <a:r>
-              <a:rPr lang="en-US" altLang="zh-TW" dirty="0"/>
-              <a:t>M1130</a:t>
-            </a:r>
-            <a:r>
               <a:rPr lang="zh-TW" altLang="en-US" dirty="0"/>
-              <a:t> 黃子睿</a:t>
+              <a:t>通過多個「人工蜜蜂」的協同搜索來找到問題的最佳解。</a:t>
             </a:r>
             <a:endParaRPr lang="en-US" altLang="zh-TW" dirty="0"/>
           </a:p>
           <a:p>
             <a:r>
-              <a:rPr lang="en-US" altLang="zh-TW" dirty="0"/>
-              <a:t>M11302149</a:t>
-            </a:r>
-            <a:r>
               <a:rPr lang="zh-TW" altLang="en-US" dirty="0"/>
-              <a:t> 電子碩 趙孟哲</a:t>
-            </a:r>
-          </a:p>
-        </p:txBody>
-      </p:sp>
-    </p:spTree>
-    <p:extLst>
-      <p:ext uri="{BB962C8B-B14F-4D97-AF65-F5344CB8AC3E}">
-        <p14:creationId xmlns:p14="http://schemas.microsoft.com/office/powerpoint/2010/main" val="1089651072"/>
-      </p:ext>
-    </p:extLst>
-  </p:cSld>
-  <p:clrMapOvr>
-    <a:masterClrMapping/>
-  </p:clrMapOvr>
-</p:sld>
-</file>
-
-<file path=ppt/slides/slide10.xml><?xml version="1.0" encoding="utf-8"?>
-<p:sld xmlns:a="http://schemas.openxmlformats.org/drawingml/2006/main" xmlns:r="http://schemas.openxmlformats.org/officeDocument/2006/relationships" xmlns:p="http://schemas.openxmlformats.org/presentationml/2006/main">
-  <p:cSld>
-    <p:spTree>
-      <p:nvGrpSpPr>
-        <p:cNvPr id="1" name=""/>
-        <p:cNvGrpSpPr/>
-        <p:nvPr/>
-      </p:nvGrpSpPr>
-      <p:grpSpPr>
-        <a:xfrm>
-          <a:off x="0" y="0"/>
-          <a:ext cx="0" cy="0"/>
-          <a:chOff x="0" y="0"/>
-          <a:chExt cx="0" cy="0"/>
-        </a:xfrm>
-      </p:grpSpPr>
-      <p:sp>
-        <p:nvSpPr>
-          <p:cNvPr id="2" name="標題 1">
-            <a:extLst>
-              <a:ext uri="{FF2B5EF4-FFF2-40B4-BE49-F238E27FC236}">
-                <a16:creationId xmlns:a16="http://schemas.microsoft.com/office/drawing/2014/main" id="{2278CC2D-D3D1-4482-BB0E-8434BF7C4D3C}"/>
-              </a:ext>
-            </a:extLst>
-          </p:cNvPr>
-          <p:cNvSpPr>
-            <a:spLocks noGrp="1"/>
-          </p:cNvSpPr>
-          <p:nvPr>
-            <p:ph type="title"/>
-          </p:nvPr>
-        </p:nvSpPr>
-        <p:spPr/>
-        <p:txBody>
-          <a:bodyPr/>
-          <a:lstStyle/>
-          <a:p>
-            <a:r>
-              <a:rPr lang="zh-TW" altLang="en-US" dirty="0"/>
-              <a:t>實作</a:t>
-            </a:r>
-            <a:r>
-              <a:rPr lang="en-US" altLang="zh-TW"/>
-              <a:t>:TSP</a:t>
-            </a:r>
-            <a:endParaRPr lang="zh-TW" altLang="en-US" dirty="0"/>
-          </a:p>
-        </p:txBody>
-      </p:sp>
-      <p:sp>
-        <p:nvSpPr>
-          <p:cNvPr id="3" name="內容版面配置區 2">
-            <a:extLst>
-              <a:ext uri="{FF2B5EF4-FFF2-40B4-BE49-F238E27FC236}">
-                <a16:creationId xmlns:a16="http://schemas.microsoft.com/office/drawing/2014/main" id="{D30900F2-D1CE-4C6B-9389-86710234E896}"/>
-              </a:ext>
-            </a:extLst>
-          </p:cNvPr>
-          <p:cNvSpPr>
-            <a:spLocks noGrp="1"/>
-          </p:cNvSpPr>
-          <p:nvPr>
-            <p:ph idx="1"/>
-          </p:nvPr>
-        </p:nvSpPr>
+              <a:t>模擬蜜蜂在尋找食物過程中，根據位置的食物品質去選擇下一步行動，並且有隨機探索的步驟。</a:t>
+            </a:r>
+            <a:endParaRPr lang="en-US" altLang="zh-TW" dirty="0"/>
+          </a:p>
+        </p:txBody>
+      </p:sp>
+      <p:pic>
+        <p:nvPicPr>
+          <p:cNvPr id="1026" name="Picture 2" descr="蜜蜂八字舞 - Cindy's Bioworld">
+            <a:extLst>
+              <a:ext uri="{FF2B5EF4-FFF2-40B4-BE49-F238E27FC236}">
+                <a16:creationId xmlns:a16="http://schemas.microsoft.com/office/drawing/2014/main" id="{17ECD93A-1C1A-404F-9A50-66A87B370312}"/>
+              </a:ext>
+            </a:extLst>
+          </p:cNvPr>
+          <p:cNvPicPr>
+            <a:picLocks noChangeAspect="1" noChangeArrowheads="1"/>
+          </p:cNvPicPr>
+          <p:nvPr/>
+        </p:nvPicPr>
+        <p:blipFill>
+          <a:blip r:embed="rId2">
+            <a:extLst>
+              <a:ext uri="{28A0092B-C50C-407E-A947-70E740481C1C}">
+                <a14:useLocalDpi xmlns:a14="http://schemas.microsoft.com/office/drawing/2010/main" val="0"/>
+              </a:ext>
+            </a:extLst>
+          </a:blip>
+          <a:srcRect/>
+          <a:stretch>
+            <a:fillRect/>
+          </a:stretch>
+        </p:blipFill>
+        <p:spPr bwMode="auto">
+          <a:xfrm>
+            <a:off x="6633926" y="4001294"/>
+            <a:ext cx="3810000" cy="1485900"/>
+          </a:xfrm>
+          <a:prstGeom prst="rect">
+            <a:avLst/>
+          </a:prstGeom>
+          <a:noFill/>
+          <a:extLst>
+            <a:ext uri="{909E8E84-426E-40DD-AFC4-6F175D3DCCD1}">
+              <a14:hiddenFill xmlns:a14="http://schemas.microsoft.com/office/drawing/2010/main">
+                <a:solidFill>
+                  <a:srgbClr val="FFFFFF"/>
+                </a:solidFill>
+              </a14:hiddenFill>
+            </a:ext>
+          </a:extLst>
+        </p:spPr>
+      </p:pic>
+      <p:pic>
+        <p:nvPicPr>
+          <p:cNvPr id="4" name="圖片 3">
+            <a:extLst>
+              <a:ext uri="{FF2B5EF4-FFF2-40B4-BE49-F238E27FC236}">
+                <a16:creationId xmlns:a16="http://schemas.microsoft.com/office/drawing/2014/main" id="{64690503-D347-4B1C-8A9D-F42A47DABCC9}"/>
+              </a:ext>
+            </a:extLst>
+          </p:cNvPr>
+          <p:cNvPicPr>
+            <a:picLocks noChangeAspect="1"/>
+          </p:cNvPicPr>
+          <p:nvPr/>
+        </p:nvPicPr>
+        <p:blipFill>
+          <a:blip r:embed="rId3"/>
+          <a:stretch>
+            <a:fillRect/>
+          </a:stretch>
+        </p:blipFill>
         <p:spPr>
           <a:xfrm>
-            <a:off x="838200" y="1825624"/>
-            <a:ext cx="11353800" cy="4794983"/>
+            <a:off x="1502202" y="3582540"/>
+            <a:ext cx="3279002" cy="2323407"/>
           </a:xfrm>
+          <a:prstGeom prst="rect">
+            <a:avLst/>
+          </a:prstGeom>
         </p:spPr>
-        <p:txBody>
-          <a:bodyPr>
-            <a:normAutofit/>
-          </a:bodyPr>
-          <a:lstStyle/>
-          <a:p>
-            <a:pPr marL="0" indent="0">
-              <a:buNone/>
-            </a:pPr>
-            <a:endParaRPr lang="zh-TW" altLang="en-US" dirty="0"/>
-          </a:p>
-        </p:txBody>
-      </p:sp>
-    </p:spTree>
-    <p:extLst>
-      <p:ext uri="{BB962C8B-B14F-4D97-AF65-F5344CB8AC3E}">
-        <p14:creationId xmlns:p14="http://schemas.microsoft.com/office/powerpoint/2010/main" val="4067465942"/>
-      </p:ext>
-    </p:extLst>
-  </p:cSld>
-  <p:clrMapOvr>
-    <a:masterClrMapping/>
-  </p:clrMapOvr>
-</p:sld>
-</file>
-
-<file path=ppt/slides/slide2.xml><?xml version="1.0" encoding="utf-8"?>
-<p:sld xmlns:a="http://schemas.openxmlformats.org/drawingml/2006/main" xmlns:r="http://schemas.openxmlformats.org/officeDocument/2006/relationships" xmlns:p="http://schemas.openxmlformats.org/presentationml/2006/main">
-  <p:cSld>
-    <p:spTree>
-      <p:nvGrpSpPr>
-        <p:cNvPr id="1" name=""/>
-        <p:cNvGrpSpPr/>
-        <p:nvPr/>
-      </p:nvGrpSpPr>
-      <p:grpSpPr>
-        <a:xfrm>
-          <a:off x="0" y="0"/>
-          <a:ext cx="0" cy="0"/>
-          <a:chOff x="0" y="0"/>
-          <a:chExt cx="0" cy="0"/>
-        </a:xfrm>
-      </p:grpSpPr>
-      <p:sp>
-        <p:nvSpPr>
-          <p:cNvPr id="2" name="標題 1">
-            <a:extLst>
-              <a:ext uri="{FF2B5EF4-FFF2-40B4-BE49-F238E27FC236}">
-                <a16:creationId xmlns:a16="http://schemas.microsoft.com/office/drawing/2014/main" id="{0FF8BBC4-870E-44CD-84CA-76449BBFA71F}"/>
-              </a:ext>
-            </a:extLst>
-          </p:cNvPr>
-          <p:cNvSpPr>
-            <a:spLocks noGrp="1"/>
-          </p:cNvSpPr>
-          <p:nvPr>
-            <p:ph type="title"/>
-          </p:nvPr>
-        </p:nvSpPr>
-        <p:spPr/>
-        <p:txBody>
-          <a:bodyPr/>
-          <a:lstStyle/>
-          <a:p>
-            <a:r>
-              <a:rPr lang="zh-TW" altLang="en-US" dirty="0"/>
-              <a:t>基因演算法</a:t>
-            </a:r>
-          </a:p>
-        </p:txBody>
-      </p:sp>
-      <p:sp>
-        <p:nvSpPr>
-          <p:cNvPr id="3" name="文字版面配置區 2">
-            <a:extLst>
-              <a:ext uri="{FF2B5EF4-FFF2-40B4-BE49-F238E27FC236}">
-                <a16:creationId xmlns:a16="http://schemas.microsoft.com/office/drawing/2014/main" id="{50383171-8B2E-4861-9C13-E1D2F0E2F10C}"/>
-              </a:ext>
-            </a:extLst>
-          </p:cNvPr>
-          <p:cNvSpPr>
-            <a:spLocks noGrp="1"/>
-          </p:cNvSpPr>
-          <p:nvPr>
-            <p:ph type="body" idx="1"/>
-          </p:nvPr>
-        </p:nvSpPr>
-        <p:spPr/>
-        <p:txBody>
-          <a:bodyPr/>
-          <a:lstStyle/>
-          <a:p>
-            <a:endParaRPr lang="zh-TW" altLang="en-US" dirty="0"/>
-          </a:p>
-        </p:txBody>
-      </p:sp>
-    </p:spTree>
-    <p:extLst>
-      <p:ext uri="{BB962C8B-B14F-4D97-AF65-F5344CB8AC3E}">
-        <p14:creationId xmlns:p14="http://schemas.microsoft.com/office/powerpoint/2010/main" val="2395717429"/>
-      </p:ext>
-    </p:extLst>
-  </p:cSld>
-  <p:clrMapOvr>
-    <a:masterClrMapping/>
-  </p:clrMapOvr>
-</p:sld>
-</file>
-
-<file path=ppt/slides/slide3.xml><?xml version="1.0" encoding="utf-8"?>
-<p:sld xmlns:a="http://schemas.openxmlformats.org/drawingml/2006/main" xmlns:r="http://schemas.openxmlformats.org/officeDocument/2006/relationships" xmlns:p="http://schemas.openxmlformats.org/presentationml/2006/main">
-  <p:cSld>
-    <p:spTree>
-      <p:nvGrpSpPr>
-        <p:cNvPr id="1" name=""/>
-        <p:cNvGrpSpPr/>
-        <p:nvPr/>
-      </p:nvGrpSpPr>
-      <p:grpSpPr>
-        <a:xfrm>
-          <a:off x="0" y="0"/>
-          <a:ext cx="0" cy="0"/>
-          <a:chOff x="0" y="0"/>
-          <a:chExt cx="0" cy="0"/>
-        </a:xfrm>
-      </p:grpSpPr>
-      <p:sp>
-        <p:nvSpPr>
-          <p:cNvPr id="2" name="標題 1">
-            <a:extLst>
-              <a:ext uri="{FF2B5EF4-FFF2-40B4-BE49-F238E27FC236}">
-                <a16:creationId xmlns:a16="http://schemas.microsoft.com/office/drawing/2014/main" id="{3B42F0FD-56EE-46A8-8B6C-98437F8C4E1E}"/>
-              </a:ext>
-            </a:extLst>
-          </p:cNvPr>
-          <p:cNvSpPr>
-            <a:spLocks noGrp="1"/>
-          </p:cNvSpPr>
-          <p:nvPr>
-            <p:ph type="title"/>
-          </p:nvPr>
-        </p:nvSpPr>
-        <p:spPr/>
-        <p:txBody>
-          <a:bodyPr/>
-          <a:lstStyle/>
-          <a:p>
-            <a:endParaRPr lang="zh-TW" altLang="en-US"/>
-          </a:p>
-        </p:txBody>
-      </p:sp>
-      <p:sp>
-        <p:nvSpPr>
-          <p:cNvPr id="3" name="內容版面配置區 2">
-            <a:extLst>
-              <a:ext uri="{FF2B5EF4-FFF2-40B4-BE49-F238E27FC236}">
-                <a16:creationId xmlns:a16="http://schemas.microsoft.com/office/drawing/2014/main" id="{D8983CE9-E411-4D68-8B55-122CFE918989}"/>
-              </a:ext>
-            </a:extLst>
-          </p:cNvPr>
-          <p:cNvSpPr>
-            <a:spLocks noGrp="1"/>
-          </p:cNvSpPr>
-          <p:nvPr>
-            <p:ph idx="1"/>
-          </p:nvPr>
-        </p:nvSpPr>
-        <p:spPr/>
-        <p:txBody>
-          <a:bodyPr/>
-          <a:lstStyle/>
-          <a:p>
-            <a:endParaRPr lang="zh-TW" altLang="en-US"/>
-          </a:p>
-        </p:txBody>
-      </p:sp>
-    </p:spTree>
-    <p:extLst>
-      <p:ext uri="{BB962C8B-B14F-4D97-AF65-F5344CB8AC3E}">
-        <p14:creationId xmlns:p14="http://schemas.microsoft.com/office/powerpoint/2010/main" val="2705870515"/>
-      </p:ext>
-    </p:extLst>
-  </p:cSld>
-  <p:clrMapOvr>
-    <a:masterClrMapping/>
-  </p:clrMapOvr>
-</p:sld>
-</file>
-
-<file path=ppt/slides/slide4.xml><?xml version="1.0" encoding="utf-8"?>
-<p:sld xmlns:a="http://schemas.openxmlformats.org/drawingml/2006/main" xmlns:r="http://schemas.openxmlformats.org/officeDocument/2006/relationships" xmlns:p="http://schemas.openxmlformats.org/presentationml/2006/main">
-  <p:cSld>
-    <p:spTree>
-      <p:nvGrpSpPr>
-        <p:cNvPr id="1" name=""/>
-        <p:cNvGrpSpPr/>
-        <p:nvPr/>
-      </p:nvGrpSpPr>
-      <p:grpSpPr>
-        <a:xfrm>
-          <a:off x="0" y="0"/>
-          <a:ext cx="0" cy="0"/>
-          <a:chOff x="0" y="0"/>
-          <a:chExt cx="0" cy="0"/>
-        </a:xfrm>
-      </p:grpSpPr>
-      <p:sp>
-        <p:nvSpPr>
-          <p:cNvPr id="2" name="標題 1">
-            <a:extLst>
-              <a:ext uri="{FF2B5EF4-FFF2-40B4-BE49-F238E27FC236}">
-                <a16:creationId xmlns:a16="http://schemas.microsoft.com/office/drawing/2014/main" id="{0FF8BBC4-870E-44CD-84CA-76449BBFA71F}"/>
-              </a:ext>
-            </a:extLst>
-          </p:cNvPr>
-          <p:cNvSpPr>
-            <a:spLocks noGrp="1"/>
-          </p:cNvSpPr>
-          <p:nvPr>
-            <p:ph type="title"/>
-          </p:nvPr>
-        </p:nvSpPr>
-        <p:spPr/>
-        <p:txBody>
-          <a:bodyPr/>
-          <a:lstStyle/>
-          <a:p>
-            <a:r>
-              <a:rPr lang="zh-TW" altLang="en-US" dirty="0"/>
-              <a:t>蜂群演算法</a:t>
-            </a:r>
-          </a:p>
-        </p:txBody>
-      </p:sp>
-      <p:sp>
-        <p:nvSpPr>
-          <p:cNvPr id="3" name="文字版面配置區 2">
-            <a:extLst>
-              <a:ext uri="{FF2B5EF4-FFF2-40B4-BE49-F238E27FC236}">
-                <a16:creationId xmlns:a16="http://schemas.microsoft.com/office/drawing/2014/main" id="{50383171-8B2E-4861-9C13-E1D2F0E2F10C}"/>
-              </a:ext>
-            </a:extLst>
-          </p:cNvPr>
-          <p:cNvSpPr>
-            <a:spLocks noGrp="1"/>
-          </p:cNvSpPr>
-          <p:nvPr>
-            <p:ph type="body" idx="1"/>
-          </p:nvPr>
-        </p:nvSpPr>
-        <p:spPr/>
-        <p:txBody>
-          <a:bodyPr/>
-          <a:lstStyle/>
-          <a:p>
-            <a:endParaRPr lang="zh-TW" altLang="en-US" dirty="0"/>
-          </a:p>
-        </p:txBody>
-      </p:sp>
-    </p:spTree>
-    <p:extLst>
-      <p:ext uri="{BB962C8B-B14F-4D97-AF65-F5344CB8AC3E}">
-        <p14:creationId xmlns:p14="http://schemas.microsoft.com/office/powerpoint/2010/main" val="1709399412"/>
-      </p:ext>
-    </p:extLst>
-  </p:cSld>
-  <p:clrMapOvr>
-    <a:masterClrMapping/>
-  </p:clrMapOvr>
-</p:sld>
-</file>
-
-<file path=ppt/slides/slide5.xml><?xml version="1.0" encoding="utf-8"?>
-<p:sld xmlns:a="http://schemas.openxmlformats.org/drawingml/2006/main" xmlns:r="http://schemas.openxmlformats.org/officeDocument/2006/relationships" xmlns:p="http://schemas.openxmlformats.org/presentationml/2006/main">
-  <p:cSld>
-    <p:spTree>
-      <p:nvGrpSpPr>
-        <p:cNvPr id="1" name=""/>
-        <p:cNvGrpSpPr/>
-        <p:nvPr/>
-      </p:nvGrpSpPr>
-      <p:grpSpPr>
-        <a:xfrm>
-          <a:off x="0" y="0"/>
-          <a:ext cx="0" cy="0"/>
-          <a:chOff x="0" y="0"/>
-          <a:chExt cx="0" cy="0"/>
-        </a:xfrm>
-      </p:grpSpPr>
-      <p:sp>
-        <p:nvSpPr>
-          <p:cNvPr id="2" name="標題 1">
-            <a:extLst>
-              <a:ext uri="{FF2B5EF4-FFF2-40B4-BE49-F238E27FC236}">
-                <a16:creationId xmlns:a16="http://schemas.microsoft.com/office/drawing/2014/main" id="{2278CC2D-D3D1-4482-BB0E-8434BF7C4D3C}"/>
-              </a:ext>
-            </a:extLst>
-          </p:cNvPr>
-          <p:cNvSpPr>
-            <a:spLocks noGrp="1"/>
-          </p:cNvSpPr>
-          <p:nvPr>
-            <p:ph type="title"/>
-          </p:nvPr>
-        </p:nvSpPr>
-        <p:spPr/>
-        <p:txBody>
-          <a:bodyPr/>
-          <a:lstStyle/>
-          <a:p>
-            <a:r>
-              <a:rPr lang="zh-TW" altLang="en-US" dirty="0"/>
-              <a:t>概念</a:t>
-            </a:r>
-          </a:p>
-        </p:txBody>
-      </p:sp>
-      <p:sp>
-        <p:nvSpPr>
-          <p:cNvPr id="3" name="內容版面配置區 2">
-            <a:extLst>
-              <a:ext uri="{FF2B5EF4-FFF2-40B4-BE49-F238E27FC236}">
-                <a16:creationId xmlns:a16="http://schemas.microsoft.com/office/drawing/2014/main" id="{D30900F2-D1CE-4C6B-9389-86710234E896}"/>
-              </a:ext>
-            </a:extLst>
-          </p:cNvPr>
-          <p:cNvSpPr>
-            <a:spLocks noGrp="1"/>
-          </p:cNvSpPr>
-          <p:nvPr>
-            <p:ph idx="1"/>
-          </p:nvPr>
-        </p:nvSpPr>
-        <p:spPr/>
-        <p:txBody>
-          <a:bodyPr/>
-          <a:lstStyle/>
-          <a:p>
-            <a:r>
-              <a:rPr lang="zh-TW" altLang="en-US" dirty="0"/>
-              <a:t>通過多個「人工蜜蜂」的協同搜索來找到問題的最佳解。模擬蜜蜂在尋找食物過程中，根據位置的食物品質去選擇下一步行動，從而模擬出解空間的探索過程。</a:t>
-            </a:r>
-            <a:endParaRPr lang="en-US" altLang="zh-TW" dirty="0"/>
-          </a:p>
-          <a:p>
-            <a:endParaRPr lang="en-US" altLang="zh-TW" dirty="0"/>
-          </a:p>
-        </p:txBody>
-      </p:sp>
+      </p:pic>
     </p:spTree>
     <p:extLst>
       <p:ext uri="{BB962C8B-B14F-4D97-AF65-F5344CB8AC3E}">
@@ -3848,7 +3689,7 @@
 </p:sld>
 </file>
 
-<file path=ppt/slides/slide6.xml><?xml version="1.0" encoding="utf-8"?>
+<file path=ppt/slides/slide2.xml><?xml version="1.0" encoding="utf-8"?>
 <p:sld xmlns:a="http://schemas.openxmlformats.org/drawingml/2006/main" xmlns:r="http://schemas.openxmlformats.org/officeDocument/2006/relationships" xmlns:p="http://schemas.openxmlformats.org/presentationml/2006/main">
   <p:cSld>
     <p:spTree>
@@ -4315,7 +4156,28 @@
                 <a:latin typeface="新細明體" panose="02020500000000000000" pitchFamily="18" charset="-120"/>
                 <a:ea typeface="新細明體" panose="02020500000000000000" pitchFamily="18" charset="-120"/>
               </a:rPr>
-              <a:t>偵查蜂次數限制 limitlimitlimit 設定了每個食物源的最大容忍度。當某個食物源的適應度無法改善且次數達到 limitlimitlimit 時，該食物源將被偵查蜂放棄，重新生成新食物源。</a:t>
+              <a:t>偵查蜂次數限制 limit</a:t>
+            </a:r>
+            <a:r>
+              <a:rPr lang="zh-TW" altLang="en-US" sz="2000" dirty="0">
+                <a:latin typeface="新細明體" panose="02020500000000000000" pitchFamily="18" charset="-120"/>
+                <a:ea typeface="新細明體" panose="02020500000000000000" pitchFamily="18" charset="-120"/>
+              </a:rPr>
+              <a:t>，</a:t>
+            </a:r>
+            <a:r>
+              <a:rPr kumimoji="0" lang="zh-TW" altLang="zh-TW" sz="2000" b="0" i="0" u="none" strike="noStrike" cap="none" normalizeH="0" baseline="0" dirty="0">
+                <a:ln>
+                  <a:noFill/>
+                </a:ln>
+                <a:solidFill>
+                  <a:schemeClr val="tx1"/>
+                </a:solidFill>
+                <a:effectLst/>
+                <a:latin typeface="新細明體" panose="02020500000000000000" pitchFamily="18" charset="-120"/>
+                <a:ea typeface="新細明體" panose="02020500000000000000" pitchFamily="18" charset="-120"/>
+              </a:rPr>
+              <a:t> 設定了每個食物源的最大容忍度。當某個食物源的適應度無法改善且次數達到 limit時，該食物源將被偵查蜂放棄，重新生成新食物源。</a:t>
             </a:r>
           </a:p>
           <a:p>
@@ -4344,7 +4206,7 @@
                 <a:latin typeface="新細明體" panose="02020500000000000000" pitchFamily="18" charset="-120"/>
                 <a:ea typeface="新細明體" panose="02020500000000000000" pitchFamily="18" charset="-120"/>
               </a:rPr>
-              <a:t>较小的 limitlimitlimit 值會增加探索性，較大的值會加強局部搜索。</a:t>
+              <a:t>较小的 limit值會增加探索性，較大的值會加強局部搜索。</a:t>
             </a:r>
           </a:p>
           <a:p>
@@ -4391,7 +4253,7 @@
 </p:sld>
 </file>
 
-<file path=ppt/slides/slide7.xml><?xml version="1.0" encoding="utf-8"?>
+<file path=ppt/slides/slide3.xml><?xml version="1.0" encoding="utf-8"?>
 <p:sld xmlns:a="http://schemas.openxmlformats.org/drawingml/2006/main" xmlns:r="http://schemas.openxmlformats.org/officeDocument/2006/relationships" xmlns:p="http://schemas.openxmlformats.org/presentationml/2006/main">
   <p:cSld>
     <p:spTree>
@@ -4574,7 +4436,7 @@
 </p:sld>
 </file>
 
-<file path=ppt/slides/slide8.xml><?xml version="1.0" encoding="utf-8"?>
+<file path=ppt/slides/slide4.xml><?xml version="1.0" encoding="utf-8"?>
 <p:sld xmlns:a="http://schemas.openxmlformats.org/drawingml/2006/main" xmlns:r="http://schemas.openxmlformats.org/officeDocument/2006/relationships" xmlns:p="http://schemas.openxmlformats.org/presentationml/2006/main">
   <p:cSld>
     <p:spTree>
@@ -4596,7 +4458,7 @@
           <p:cNvPr id="2" name="標題 1">
             <a:extLst>
               <a:ext uri="{FF2B5EF4-FFF2-40B4-BE49-F238E27FC236}">
-                <a16:creationId xmlns:a16="http://schemas.microsoft.com/office/drawing/2014/main" id="{2278CC2D-D3D1-4482-BB0E-8434BF7C4D3C}"/>
+                <a16:creationId xmlns:a16="http://schemas.microsoft.com/office/drawing/2014/main" id="{6D7FBE38-9A20-4BE7-99EF-2D61C9C04EE2}"/>
               </a:ext>
             </a:extLst>
           </p:cNvPr>
@@ -4607,7 +4469,12 @@
             <p:ph type="title"/>
           </p:nvPr>
         </p:nvSpPr>
-        <p:spPr/>
+        <p:spPr>
+          <a:xfrm>
+            <a:off x="750276" y="127732"/>
+            <a:ext cx="10515600" cy="1325563"/>
+          </a:xfrm>
+        </p:spPr>
         <p:txBody>
           <a:bodyPr/>
           <a:lstStyle/>
@@ -4624,7 +4491,7 @@
           <p:cNvPr id="3" name="內容版面配置區 2">
             <a:extLst>
               <a:ext uri="{FF2B5EF4-FFF2-40B4-BE49-F238E27FC236}">
-                <a16:creationId xmlns:a16="http://schemas.microsoft.com/office/drawing/2014/main" id="{D30900F2-D1CE-4C6B-9389-86710234E896}"/>
+                <a16:creationId xmlns:a16="http://schemas.microsoft.com/office/drawing/2014/main" id="{10002C90-86D5-4C0A-8A31-D887C8B8D26D}"/>
               </a:ext>
             </a:extLst>
           </p:cNvPr>
@@ -4637,30 +4504,53 @@
         </p:nvSpPr>
         <p:spPr>
           <a:xfrm>
-            <a:off x="838200" y="1825624"/>
-            <a:ext cx="11353800" cy="4794983"/>
+            <a:off x="838200" y="1517895"/>
+            <a:ext cx="10515600" cy="3397006"/>
           </a:xfrm>
         </p:spPr>
         <p:txBody>
-          <a:bodyPr>
-            <a:normAutofit/>
-          </a:bodyPr>
+          <a:bodyPr/>
           <a:lstStyle/>
           <a:p>
             <a:pPr marL="0" indent="0">
               <a:buNone/>
             </a:pPr>
             <a:r>
-              <a:rPr lang="en-US" altLang="zh-TW" dirty="0"/>
-              <a:t>Initialize:</a:t>
-            </a:r>
-            <a:r>
-              <a:rPr lang="zh-TW" altLang="en-US" dirty="0"/>
+              <a:rPr lang="en-US" altLang="zh-TW" sz="2400" dirty="0"/>
+              <a:t>STEP1: Initialization (</a:t>
+            </a:r>
+            <a:r>
+              <a:rPr lang="zh-TW" altLang="en-US" sz="2400" dirty="0"/>
+              <a:t>初始蜜源</a:t>
+            </a:r>
+            <a:r>
+              <a:rPr lang="en-US" altLang="zh-TW" sz="2400" dirty="0"/>
+              <a:t>)</a:t>
+            </a:r>
+          </a:p>
+          <a:p>
+            <a:pPr marL="0" indent="0">
+              <a:buNone/>
+            </a:pPr>
+            <a:r>
+              <a:rPr lang="en-US" altLang="zh-TW" sz="2400" dirty="0"/>
+              <a:t>STEP2:</a:t>
+            </a:r>
+            <a:r>
+              <a:rPr lang="zh-TW" altLang="en-US" sz="2400" dirty="0"/>
               <a:t> </a:t>
             </a:r>
             <a:r>
-              <a:rPr lang="en-US" altLang="zh-TW" dirty="0"/>
-              <a:t>Generate random initial solutions (food sources) for the problem and evaluate their quality.</a:t>
+              <a:rPr lang="en-US" altLang="zh-TW" sz="2400" dirty="0"/>
+              <a:t>Employed bee (</a:t>
+            </a:r>
+            <a:r>
+              <a:rPr lang="zh-TW" altLang="en-US" sz="2400" dirty="0"/>
+              <a:t>雇傭蜂階段</a:t>
+            </a:r>
+            <a:r>
+              <a:rPr lang="en-US" altLang="zh-TW" sz="2400" dirty="0"/>
+              <a:t>)</a:t>
             </a:r>
           </a:p>
           <a:p>
@@ -4668,29 +4558,32 @@
               <a:buNone/>
             </a:pPr>
             <a:r>
-              <a:rPr lang="en-US" altLang="zh-TW" dirty="0"/>
-              <a:t>REPEAT:</a:t>
-            </a:r>
-          </a:p>
-          <a:p>
-            <a:pPr lvl="1"/>
-            <a:r>
-              <a:rPr lang="en-US" altLang="zh-TW" dirty="0"/>
-              <a:t>Each employed bee is assigned a food source (solution). It explores nearby solutions to find something better. If it finds a better solution, it updates its memory. </a:t>
-            </a:r>
-          </a:p>
-          <a:p>
-            <a:pPr lvl="1"/>
-            <a:r>
-              <a:rPr lang="en-US" altLang="zh-TW" dirty="0"/>
-              <a:t>Onlooker bees watch the employed bees and choose the best food sources to explore based on their quality. They focus on good solutions, trying to improve them further. </a:t>
-            </a:r>
-          </a:p>
-          <a:p>
-            <a:pPr lvl="1"/>
-            <a:r>
-              <a:rPr lang="en-US" altLang="zh-TW" dirty="0"/>
-              <a:t>If an employed bee can’t find a better solution after several tries, it turns into a scout bee. The scout bee abandons its current solution and randomly searches for a new one. </a:t>
+              <a:rPr lang="en-US" altLang="zh-TW" sz="2400" dirty="0"/>
+              <a:t>STEP3:</a:t>
+            </a:r>
+            <a:r>
+              <a:rPr lang="zh-TW" altLang="en-US" sz="2400" dirty="0"/>
+              <a:t> </a:t>
+            </a:r>
+            <a:r>
+              <a:rPr lang="en-US" altLang="zh-TW" sz="2400" dirty="0"/>
+              <a:t>Onlooker bee</a:t>
+            </a:r>
+            <a:r>
+              <a:rPr lang="zh-TW" altLang="en-US" sz="2400" dirty="0"/>
+              <a:t> </a:t>
+            </a:r>
+            <a:r>
+              <a:rPr lang="en-US" altLang="zh-TW" sz="2400" dirty="0"/>
+              <a:t>(</a:t>
+            </a:r>
+            <a:r>
+              <a:rPr lang="zh-TW" altLang="en-US" sz="2400" dirty="0"/>
+              <a:t>觀察蜂階段</a:t>
+            </a:r>
+            <a:r>
+              <a:rPr lang="en-US" altLang="zh-TW" sz="2400" dirty="0"/>
+              <a:t>)</a:t>
             </a:r>
           </a:p>
           <a:p>
@@ -4698,17 +4591,119 @@
               <a:buNone/>
             </a:pPr>
             <a:r>
-              <a:rPr lang="en-US" altLang="zh-TW" dirty="0"/>
-              <a:t>UNTIL(requirements are met).</a:t>
-            </a:r>
+              <a:rPr lang="en-US" altLang="zh-TW" sz="2400" dirty="0"/>
+              <a:t>STEP4:</a:t>
+            </a:r>
+            <a:r>
+              <a:rPr lang="zh-TW" altLang="en-US" sz="2400" dirty="0"/>
+              <a:t> </a:t>
+            </a:r>
+            <a:r>
+              <a:rPr lang="en-US" altLang="zh-TW" sz="2400" dirty="0"/>
+              <a:t>Scout bee</a:t>
+            </a:r>
+            <a:r>
+              <a:rPr lang="zh-TW" altLang="en-US" sz="2400" dirty="0"/>
+              <a:t> </a:t>
+            </a:r>
+            <a:r>
+              <a:rPr lang="en-US" altLang="zh-TW" sz="2400" dirty="0"/>
+              <a:t>(</a:t>
+            </a:r>
+            <a:r>
+              <a:rPr lang="zh-TW" altLang="en-US" sz="2400" dirty="0"/>
+              <a:t>偵查蜂階段</a:t>
+            </a:r>
+            <a:r>
+              <a:rPr lang="en-US" altLang="zh-TW" sz="2400" dirty="0"/>
+              <a:t>)</a:t>
+            </a:r>
+          </a:p>
+          <a:p>
+            <a:pPr marL="0" indent="0">
+              <a:buNone/>
+            </a:pPr>
+            <a:r>
+              <a:rPr lang="en-US" altLang="zh-TW" sz="2400" dirty="0"/>
+              <a:t>STEP5:</a:t>
+            </a:r>
+            <a:r>
+              <a:rPr lang="zh-TW" altLang="en-US" sz="2400" dirty="0"/>
+              <a:t>  </a:t>
+            </a:r>
+            <a:r>
+              <a:rPr lang="en-US" altLang="zh-TW" sz="2400" dirty="0"/>
+              <a:t>if (</a:t>
+            </a:r>
+            <a:r>
+              <a:rPr lang="zh-TW" altLang="en-US" sz="2400" dirty="0"/>
+              <a:t>檢查是否達到最佳解或達到最佳次數</a:t>
+            </a:r>
+            <a:r>
+              <a:rPr lang="en-US" altLang="zh-TW" sz="2400" dirty="0"/>
+              <a:t>) break</a:t>
+            </a:r>
+          </a:p>
+          <a:p>
+            <a:pPr marL="1371600" lvl="3" indent="0">
+              <a:buNone/>
+            </a:pPr>
+            <a:r>
+              <a:rPr lang="en-US" altLang="zh-TW" sz="2400" dirty="0"/>
+              <a:t>else  repeat to step2.</a:t>
+            </a:r>
+          </a:p>
+          <a:p>
+            <a:endParaRPr lang="en-US" altLang="zh-TW" dirty="0"/>
+          </a:p>
+          <a:p>
+            <a:endParaRPr lang="en-US" altLang="zh-TW" dirty="0"/>
+          </a:p>
+          <a:p>
             <a:endParaRPr lang="zh-TW" altLang="en-US" dirty="0"/>
           </a:p>
         </p:txBody>
       </p:sp>
+      <p:pic>
+        <p:nvPicPr>
+          <p:cNvPr id="7" name="圖片 6">
+            <a:extLst>
+              <a:ext uri="{FF2B5EF4-FFF2-40B4-BE49-F238E27FC236}">
+                <a16:creationId xmlns:a16="http://schemas.microsoft.com/office/drawing/2014/main" id="{7DEC4C58-36F0-4F32-B424-322523808B86}"/>
+              </a:ext>
+            </a:extLst>
+          </p:cNvPr>
+          <p:cNvPicPr>
+            <a:picLocks noChangeAspect="1"/>
+          </p:cNvPicPr>
+          <p:nvPr/>
+        </p:nvPicPr>
+        <p:blipFill>
+          <a:blip r:embed="rId2">
+            <a:extLst>
+              <a:ext uri="{28A0092B-C50C-407E-A947-70E740481C1C}">
+                <a14:useLocalDpi xmlns:a14="http://schemas.microsoft.com/office/drawing/2010/main" val="0"/>
+              </a:ext>
+            </a:extLst>
+          </a:blip>
+          <a:stretch>
+            <a:fillRect/>
+          </a:stretch>
+        </p:blipFill>
+        <p:spPr>
+          <a:xfrm>
+            <a:off x="838200" y="4176835"/>
+            <a:ext cx="10213731" cy="2553433"/>
+          </a:xfrm>
+          <a:prstGeom prst="rect">
+            <a:avLst/>
+          </a:prstGeom>
+        </p:spPr>
+      </p:pic>
     </p:spTree>
     <p:extLst>
       <p:ext uri="{BB962C8B-B14F-4D97-AF65-F5344CB8AC3E}">
-        <p14:creationId xmlns:p14="http://schemas.microsoft.com/office/powerpoint/2010/main" val="1257359293"/>
+        <p14:creationId xmlns:p14="http://schemas.microsoft.com/office/powerpoint/2010/main" val="1566281743"/>
       </p:ext>
     </p:extLst>
   </p:cSld>
@@ -4718,7 +4713,7 @@
 </p:sld>
 </file>
 
-<file path=ppt/slides/slide9.xml><?xml version="1.0" encoding="utf-8"?>
+<file path=ppt/slides/slide5.xml><?xml version="1.0" encoding="utf-8"?>
 <p:sld xmlns:a="http://schemas.openxmlformats.org/drawingml/2006/main" xmlns:r="http://schemas.openxmlformats.org/officeDocument/2006/relationships" xmlns:p="http://schemas.openxmlformats.org/presentationml/2006/main">
   <p:cSld>
     <p:spTree>
@@ -4757,9 +4752,142 @@
           <a:lstStyle/>
           <a:p>
             <a:r>
+              <a:rPr lang="en-US" altLang="zh-TW" b="1" dirty="0"/>
+              <a:t>Example</a:t>
+            </a:r>
+            <a:r>
+              <a:rPr lang="en-US" altLang="zh-TW" dirty="0"/>
+              <a:t>: Travel Salesperson Problem</a:t>
+            </a:r>
+            <a:endParaRPr lang="zh-TW" altLang="en-US" dirty="0"/>
+          </a:p>
+        </p:txBody>
+      </p:sp>
+      <p:pic>
+        <p:nvPicPr>
+          <p:cNvPr id="9" name="內容版面配置區 8">
+            <a:extLst>
+              <a:ext uri="{FF2B5EF4-FFF2-40B4-BE49-F238E27FC236}">
+                <a16:creationId xmlns:a16="http://schemas.microsoft.com/office/drawing/2014/main" id="{9C975B7E-368B-405C-A6A3-1DA2128945A2}"/>
+              </a:ext>
+            </a:extLst>
+          </p:cNvPr>
+          <p:cNvPicPr>
+            <a:picLocks noGrp="1" noChangeAspect="1"/>
+          </p:cNvPicPr>
+          <p:nvPr>
+            <p:ph idx="1"/>
+          </p:nvPr>
+        </p:nvPicPr>
+        <p:blipFill>
+          <a:blip r:embed="rId2">
+            <a:extLst>
+              <a:ext uri="{28A0092B-C50C-407E-A947-70E740481C1C}">
+                <a14:useLocalDpi xmlns:a14="http://schemas.microsoft.com/office/drawing/2010/main" val="0"/>
+              </a:ext>
+            </a:extLst>
+          </a:blip>
+          <a:stretch>
+            <a:fillRect/>
+          </a:stretch>
+        </p:blipFill>
+        <p:spPr>
+          <a:xfrm>
+            <a:off x="1093966" y="4546083"/>
+            <a:ext cx="10515600" cy="1857756"/>
+          </a:xfrm>
+        </p:spPr>
+      </p:pic>
+      <p:pic>
+        <p:nvPicPr>
+          <p:cNvPr id="11" name="圖片 10">
+            <a:extLst>
+              <a:ext uri="{FF2B5EF4-FFF2-40B4-BE49-F238E27FC236}">
+                <a16:creationId xmlns:a16="http://schemas.microsoft.com/office/drawing/2014/main" id="{8E1F4920-C05A-4F0A-8686-F75EA906BA4D}"/>
+              </a:ext>
+            </a:extLst>
+          </p:cNvPr>
+          <p:cNvPicPr>
+            <a:picLocks noChangeAspect="1"/>
+          </p:cNvPicPr>
+          <p:nvPr/>
+        </p:nvPicPr>
+        <p:blipFill>
+          <a:blip r:embed="rId3"/>
+          <a:stretch>
+            <a:fillRect/>
+          </a:stretch>
+        </p:blipFill>
+        <p:spPr>
+          <a:xfrm>
+            <a:off x="3233729" y="1754869"/>
+            <a:ext cx="5101173" cy="2650078"/>
+          </a:xfrm>
+          <a:prstGeom prst="rect">
+            <a:avLst/>
+          </a:prstGeom>
+        </p:spPr>
+      </p:pic>
+    </p:spTree>
+    <p:extLst>
+      <p:ext uri="{BB962C8B-B14F-4D97-AF65-F5344CB8AC3E}">
+        <p14:creationId xmlns:p14="http://schemas.microsoft.com/office/powerpoint/2010/main" val="1262246082"/>
+      </p:ext>
+    </p:extLst>
+  </p:cSld>
+  <p:clrMapOvr>
+    <a:masterClrMapping/>
+  </p:clrMapOvr>
+</p:sld>
+</file>
+
+<file path=ppt/slides/slide6.xml><?xml version="1.0" encoding="utf-8"?>
+<p:sld xmlns:a="http://schemas.openxmlformats.org/drawingml/2006/main" xmlns:r="http://schemas.openxmlformats.org/officeDocument/2006/relationships" xmlns:p="http://schemas.openxmlformats.org/presentationml/2006/main">
+  <p:cSld>
+    <p:spTree>
+      <p:nvGrpSpPr>
+        <p:cNvPr id="1" name=""/>
+        <p:cNvGrpSpPr/>
+        <p:nvPr/>
+      </p:nvGrpSpPr>
+      <p:grpSpPr>
+        <a:xfrm>
+          <a:off x="0" y="0"/>
+          <a:ext cx="0" cy="0"/>
+          <a:chOff x="0" y="0"/>
+          <a:chExt cx="0" cy="0"/>
+        </a:xfrm>
+      </p:grpSpPr>
+      <p:sp>
+        <p:nvSpPr>
+          <p:cNvPr id="2" name="標題 1">
+            <a:extLst>
+              <a:ext uri="{FF2B5EF4-FFF2-40B4-BE49-F238E27FC236}">
+                <a16:creationId xmlns:a16="http://schemas.microsoft.com/office/drawing/2014/main" id="{2278CC2D-D3D1-4482-BB0E-8434BF7C4D3C}"/>
+              </a:ext>
+            </a:extLst>
+          </p:cNvPr>
+          <p:cNvSpPr>
+            <a:spLocks noGrp="1"/>
+          </p:cNvSpPr>
+          <p:nvPr>
+            <p:ph type="title"/>
+          </p:nvPr>
+        </p:nvSpPr>
+        <p:spPr/>
+        <p:txBody>
+          <a:bodyPr/>
+          <a:lstStyle/>
+          <a:p>
+            <a:r>
               <a:rPr lang="zh-TW" altLang="en-US" dirty="0"/>
-              <a:t>分析</a:t>
-            </a:r>
+              <a:t>實作</a:t>
+            </a:r>
+            <a:r>
+              <a:rPr lang="en-US" altLang="zh-TW"/>
+              <a:t>:TSP</a:t>
+            </a:r>
+            <a:endParaRPr lang="zh-TW" altLang="en-US" dirty="0"/>
           </a:p>
         </p:txBody>
       </p:sp>
@@ -4794,6 +4922,19 @@
             <a:pPr marL="0" indent="0">
               <a:buNone/>
             </a:pPr>
+            <a:r>
+              <a:rPr lang="en-US" altLang="zh-TW" dirty="0"/>
+              <a:t>Hamiltonian tour with minimum cost. </a:t>
+            </a:r>
+          </a:p>
+          <a:p>
+            <a:pPr marL="0" indent="0">
+              <a:buNone/>
+            </a:pPr>
+            <a:r>
+              <a:rPr lang="en-US" altLang="zh-TW" dirty="0"/>
+              <a:t>preferred path</a:t>
+            </a:r>
             <a:endParaRPr lang="zh-TW" altLang="en-US" dirty="0"/>
           </a:p>
         </p:txBody>
@@ -4801,7 +4942,7 @@
     </p:spTree>
     <p:extLst>
       <p:ext uri="{BB962C8B-B14F-4D97-AF65-F5344CB8AC3E}">
-        <p14:creationId xmlns:p14="http://schemas.microsoft.com/office/powerpoint/2010/main" val="1262246082"/>
+        <p14:creationId xmlns:p14="http://schemas.microsoft.com/office/powerpoint/2010/main" val="4067465942"/>
       </p:ext>
     </p:extLst>
   </p:cSld>

--- a/高等演算法報告.pptx
+++ b/高等演算法報告.pptx
@@ -5,7 +5,7 @@
     <p:sldMasterId id="2147483648" r:id="rId1"/>
   </p:sldMasterIdLst>
   <p:notesMasterIdLst>
-    <p:notesMasterId r:id="rId39"/>
+    <p:notesMasterId r:id="rId42"/>
   </p:notesMasterIdLst>
   <p:sldIdLst>
     <p:sldId id="256" r:id="rId2"/>
@@ -41,10 +41,13 @@
     <p:sldId id="265" r:id="rId32"/>
     <p:sldId id="294" r:id="rId33"/>
     <p:sldId id="295" r:id="rId34"/>
-    <p:sldId id="268" r:id="rId35"/>
-    <p:sldId id="296" r:id="rId36"/>
-    <p:sldId id="297" r:id="rId37"/>
-    <p:sldId id="298" r:id="rId38"/>
+    <p:sldId id="301" r:id="rId35"/>
+    <p:sldId id="268" r:id="rId36"/>
+    <p:sldId id="296" r:id="rId37"/>
+    <p:sldId id="297" r:id="rId38"/>
+    <p:sldId id="298" r:id="rId39"/>
+    <p:sldId id="302" r:id="rId40"/>
+    <p:sldId id="299" r:id="rId41"/>
   </p:sldIdLst>
   <p:sldSz cx="12192000" cy="6858000"/>
   <p:notesSz cx="6858000" cy="9144000"/>
@@ -151,6 +154,478 @@
 </p:presentation>
 </file>
 
+<file path=ppt/changesInfos/changesInfo1.xml><?xml version="1.0" encoding="utf-8"?>
+<pc:chgInfo xmlns:a="http://schemas.openxmlformats.org/drawingml/2006/main" xmlns:r="http://schemas.openxmlformats.org/officeDocument/2006/relationships" xmlns:ac="http://schemas.microsoft.com/office/drawing/2013/main/command" xmlns:pc="http://schemas.microsoft.com/office/powerpoint/2013/main/command">
+  <pc:docChgLst>
+    <pc:chgData name="M11302149" userId="8216dd93-2662-4fcb-b25f-19201f4a478b" providerId="ADAL" clId="{6DD3EB06-16A2-41E0-814F-83096F6D58AF}"/>
+    <pc:docChg chg="undo redo custSel addSld delSld modSld">
+      <pc:chgData name="M11302149" userId="8216dd93-2662-4fcb-b25f-19201f4a478b" providerId="ADAL" clId="{6DD3EB06-16A2-41E0-814F-83096F6D58AF}" dt="2024-11-28T08:50:36.577" v="1176" actId="12"/>
+      <pc:docMkLst>
+        <pc:docMk/>
+      </pc:docMkLst>
+      <pc:sldChg chg="modSp mod">
+        <pc:chgData name="M11302149" userId="8216dd93-2662-4fcb-b25f-19201f4a478b" providerId="ADAL" clId="{6DD3EB06-16A2-41E0-814F-83096F6D58AF}" dt="2024-11-28T08:06:12.140" v="892" actId="20577"/>
+        <pc:sldMkLst>
+          <pc:docMk/>
+          <pc:sldMk cId="2638221137" sldId="257"/>
+        </pc:sldMkLst>
+        <pc:spChg chg="mod">
+          <ac:chgData name="M11302149" userId="8216dd93-2662-4fcb-b25f-19201f4a478b" providerId="ADAL" clId="{6DD3EB06-16A2-41E0-814F-83096F6D58AF}" dt="2024-11-28T08:06:12.140" v="892" actId="20577"/>
+          <ac:spMkLst>
+            <pc:docMk/>
+            <pc:sldMk cId="2638221137" sldId="257"/>
+            <ac:spMk id="3" creationId="{D30900F2-D1CE-4C6B-9389-86710234E896}"/>
+          </ac:spMkLst>
+        </pc:spChg>
+        <pc:picChg chg="mod">
+          <ac:chgData name="M11302149" userId="8216dd93-2662-4fcb-b25f-19201f4a478b" providerId="ADAL" clId="{6DD3EB06-16A2-41E0-814F-83096F6D58AF}" dt="2024-11-28T08:05:33.271" v="834" actId="1076"/>
+          <ac:picMkLst>
+            <pc:docMk/>
+            <pc:sldMk cId="2638221137" sldId="257"/>
+            <ac:picMk id="4" creationId="{64690503-D347-4B1C-8A9D-F42A47DABCC9}"/>
+          </ac:picMkLst>
+        </pc:picChg>
+        <pc:picChg chg="mod">
+          <ac:chgData name="M11302149" userId="8216dd93-2662-4fcb-b25f-19201f4a478b" providerId="ADAL" clId="{6DD3EB06-16A2-41E0-814F-83096F6D58AF}" dt="2024-11-28T08:05:36.519" v="835" actId="1076"/>
+          <ac:picMkLst>
+            <pc:docMk/>
+            <pc:sldMk cId="2638221137" sldId="257"/>
+            <ac:picMk id="1026" creationId="{17ECD93A-1C1A-404F-9A50-66A87B370312}"/>
+          </ac:picMkLst>
+        </pc:picChg>
+      </pc:sldChg>
+      <pc:sldChg chg="modSp mod">
+        <pc:chgData name="M11302149" userId="8216dd93-2662-4fcb-b25f-19201f4a478b" providerId="ADAL" clId="{6DD3EB06-16A2-41E0-814F-83096F6D58AF}" dt="2024-11-28T02:57:15.037" v="282" actId="20577"/>
+        <pc:sldMkLst>
+          <pc:docMk/>
+          <pc:sldMk cId="1709399412" sldId="258"/>
+        </pc:sldMkLst>
+        <pc:spChg chg="mod">
+          <ac:chgData name="M11302149" userId="8216dd93-2662-4fcb-b25f-19201f4a478b" providerId="ADAL" clId="{6DD3EB06-16A2-41E0-814F-83096F6D58AF}" dt="2024-11-28T02:56:52.598" v="274" actId="404"/>
+          <ac:spMkLst>
+            <pc:docMk/>
+            <pc:sldMk cId="1709399412" sldId="258"/>
+            <ac:spMk id="2" creationId="{0FF8BBC4-870E-44CD-84CA-76449BBFA71F}"/>
+          </ac:spMkLst>
+        </pc:spChg>
+        <pc:spChg chg="mod">
+          <ac:chgData name="M11302149" userId="8216dd93-2662-4fcb-b25f-19201f4a478b" providerId="ADAL" clId="{6DD3EB06-16A2-41E0-814F-83096F6D58AF}" dt="2024-11-28T02:57:15.037" v="282" actId="20577"/>
+          <ac:spMkLst>
+            <pc:docMk/>
+            <pc:sldMk cId="1709399412" sldId="258"/>
+            <ac:spMk id="3" creationId="{50383171-8B2E-4861-9C13-E1D2F0E2F10C}"/>
+          </ac:spMkLst>
+        </pc:spChg>
+      </pc:sldChg>
+      <pc:sldChg chg="modSp mod">
+        <pc:chgData name="M11302149" userId="8216dd93-2662-4fcb-b25f-19201f4a478b" providerId="ADAL" clId="{6DD3EB06-16A2-41E0-814F-83096F6D58AF}" dt="2024-11-28T08:02:14.039" v="833" actId="20577"/>
+        <pc:sldMkLst>
+          <pc:docMk/>
+          <pc:sldMk cId="484302824" sldId="263"/>
+        </pc:sldMkLst>
+        <pc:spChg chg="mod">
+          <ac:chgData name="M11302149" userId="8216dd93-2662-4fcb-b25f-19201f4a478b" providerId="ADAL" clId="{6DD3EB06-16A2-41E0-814F-83096F6D58AF}" dt="2024-11-28T08:02:14.039" v="833" actId="20577"/>
+          <ac:spMkLst>
+            <pc:docMk/>
+            <pc:sldMk cId="484302824" sldId="263"/>
+            <ac:spMk id="5" creationId="{694F714B-CC21-4C85-9C26-5B12E28B689B}"/>
+          </ac:spMkLst>
+        </pc:spChg>
+      </pc:sldChg>
+      <pc:sldChg chg="modSp mod">
+        <pc:chgData name="M11302149" userId="8216dd93-2662-4fcb-b25f-19201f4a478b" providerId="ADAL" clId="{6DD3EB06-16A2-41E0-814F-83096F6D58AF}" dt="2024-11-28T02:20:47.884" v="258" actId="1076"/>
+        <pc:sldMkLst>
+          <pc:docMk/>
+          <pc:sldMk cId="1262246082" sldId="264"/>
+        </pc:sldMkLst>
+        <pc:spChg chg="mod">
+          <ac:chgData name="M11302149" userId="8216dd93-2662-4fcb-b25f-19201f4a478b" providerId="ADAL" clId="{6DD3EB06-16A2-41E0-814F-83096F6D58AF}" dt="2024-11-28T02:20:40.031" v="257" actId="20577"/>
+          <ac:spMkLst>
+            <pc:docMk/>
+            <pc:sldMk cId="1262246082" sldId="264"/>
+            <ac:spMk id="3" creationId="{095B49BC-E66B-4ECD-BFA2-C1F3ED1E9436}"/>
+          </ac:spMkLst>
+        </pc:spChg>
+        <pc:picChg chg="mod">
+          <ac:chgData name="M11302149" userId="8216dd93-2662-4fcb-b25f-19201f4a478b" providerId="ADAL" clId="{6DD3EB06-16A2-41E0-814F-83096F6D58AF}" dt="2024-11-28T02:20:47.884" v="258" actId="1076"/>
+          <ac:picMkLst>
+            <pc:docMk/>
+            <pc:sldMk cId="1262246082" sldId="264"/>
+            <ac:picMk id="6" creationId="{9B5E3898-FCD7-440E-90EF-0748DC436BD0}"/>
+          </ac:picMkLst>
+        </pc:picChg>
+      </pc:sldChg>
+      <pc:sldChg chg="modSp mod">
+        <pc:chgData name="M11302149" userId="8216dd93-2662-4fcb-b25f-19201f4a478b" providerId="ADAL" clId="{6DD3EB06-16A2-41E0-814F-83096F6D58AF}" dt="2024-11-28T08:26:36.678" v="1110" actId="20577"/>
+        <pc:sldMkLst>
+          <pc:docMk/>
+          <pc:sldMk cId="3479112078" sldId="268"/>
+        </pc:sldMkLst>
+        <pc:spChg chg="mod">
+          <ac:chgData name="M11302149" userId="8216dd93-2662-4fcb-b25f-19201f4a478b" providerId="ADAL" clId="{6DD3EB06-16A2-41E0-814F-83096F6D58AF}" dt="2024-11-28T08:26:36.678" v="1110" actId="20577"/>
+          <ac:spMkLst>
+            <pc:docMk/>
+            <pc:sldMk cId="3479112078" sldId="268"/>
+            <ac:spMk id="4" creationId="{F14129AE-32F7-4C1C-ABFB-F72C1E4B56F4}"/>
+          </ac:spMkLst>
+        </pc:spChg>
+      </pc:sldChg>
+      <pc:sldChg chg="modSp mod">
+        <pc:chgData name="M11302149" userId="8216dd93-2662-4fcb-b25f-19201f4a478b" providerId="ADAL" clId="{6DD3EB06-16A2-41E0-814F-83096F6D58AF}" dt="2024-11-28T02:13:35.503" v="28" actId="20577"/>
+        <pc:sldMkLst>
+          <pc:docMk/>
+          <pc:sldMk cId="1566281743" sldId="293"/>
+        </pc:sldMkLst>
+        <pc:spChg chg="mod">
+          <ac:chgData name="M11302149" userId="8216dd93-2662-4fcb-b25f-19201f4a478b" providerId="ADAL" clId="{6DD3EB06-16A2-41E0-814F-83096F6D58AF}" dt="2024-11-28T02:13:35.503" v="28" actId="20577"/>
+          <ac:spMkLst>
+            <pc:docMk/>
+            <pc:sldMk cId="1566281743" sldId="293"/>
+            <ac:spMk id="3" creationId="{10002C90-86D5-4C0A-8A31-D887C8B8D26D}"/>
+          </ac:spMkLst>
+        </pc:spChg>
+      </pc:sldChg>
+      <pc:sldChg chg="addSp modSp mod">
+        <pc:chgData name="M11302149" userId="8216dd93-2662-4fcb-b25f-19201f4a478b" providerId="ADAL" clId="{6DD3EB06-16A2-41E0-814F-83096F6D58AF}" dt="2024-11-28T07:21:38.901" v="636" actId="1076"/>
+        <pc:sldMkLst>
+          <pc:docMk/>
+          <pc:sldMk cId="1988096800" sldId="295"/>
+        </pc:sldMkLst>
+        <pc:spChg chg="add mod ord">
+          <ac:chgData name="M11302149" userId="8216dd93-2662-4fcb-b25f-19201f4a478b" providerId="ADAL" clId="{6DD3EB06-16A2-41E0-814F-83096F6D58AF}" dt="2024-11-28T07:21:38.901" v="636" actId="1076"/>
+          <ac:spMkLst>
+            <pc:docMk/>
+            <pc:sldMk cId="1988096800" sldId="295"/>
+            <ac:spMk id="3" creationId="{F8688621-FC56-4AC8-BE3B-60B0D0DF93DC}"/>
+          </ac:spMkLst>
+        </pc:spChg>
+        <pc:spChg chg="mod">
+          <ac:chgData name="M11302149" userId="8216dd93-2662-4fcb-b25f-19201f4a478b" providerId="ADAL" clId="{6DD3EB06-16A2-41E0-814F-83096F6D58AF}" dt="2024-11-28T07:21:31.717" v="634" actId="1076"/>
+          <ac:spMkLst>
+            <pc:docMk/>
+            <pc:sldMk cId="1988096800" sldId="295"/>
+            <ac:spMk id="9" creationId="{8832DCA6-D365-4034-9E72-7D07B759EF13}"/>
+          </ac:spMkLst>
+        </pc:spChg>
+      </pc:sldChg>
+      <pc:sldChg chg="modSp mod">
+        <pc:chgData name="M11302149" userId="8216dd93-2662-4fcb-b25f-19201f4a478b" providerId="ADAL" clId="{6DD3EB06-16A2-41E0-814F-83096F6D58AF}" dt="2024-11-28T08:50:36.577" v="1176" actId="12"/>
+        <pc:sldMkLst>
+          <pc:docMk/>
+          <pc:sldMk cId="2288710242" sldId="297"/>
+        </pc:sldMkLst>
+        <pc:spChg chg="mod">
+          <ac:chgData name="M11302149" userId="8216dd93-2662-4fcb-b25f-19201f4a478b" providerId="ADAL" clId="{6DD3EB06-16A2-41E0-814F-83096F6D58AF}" dt="2024-11-28T08:50:36.577" v="1176" actId="12"/>
+          <ac:spMkLst>
+            <pc:docMk/>
+            <pc:sldMk cId="2288710242" sldId="297"/>
+            <ac:spMk id="4" creationId="{2AAE8956-2327-41CE-B8C6-9259B2907514}"/>
+          </ac:spMkLst>
+        </pc:spChg>
+      </pc:sldChg>
+      <pc:sldChg chg="addSp modSp mod">
+        <pc:chgData name="M11302149" userId="8216dd93-2662-4fcb-b25f-19201f4a478b" providerId="ADAL" clId="{6DD3EB06-16A2-41E0-814F-83096F6D58AF}" dt="2024-11-28T08:36:56.494" v="1173" actId="1076"/>
+        <pc:sldMkLst>
+          <pc:docMk/>
+          <pc:sldMk cId="2506950635" sldId="298"/>
+        </pc:sldMkLst>
+        <pc:spChg chg="add mod">
+          <ac:chgData name="M11302149" userId="8216dd93-2662-4fcb-b25f-19201f4a478b" providerId="ADAL" clId="{6DD3EB06-16A2-41E0-814F-83096F6D58AF}" dt="2024-11-28T08:36:56.494" v="1173" actId="1076"/>
+          <ac:spMkLst>
+            <pc:docMk/>
+            <pc:sldMk cId="2506950635" sldId="298"/>
+            <ac:spMk id="3" creationId="{1C7C4B3B-97CE-4BEA-ACCC-45F97A7C3A25}"/>
+          </ac:spMkLst>
+        </pc:spChg>
+        <pc:spChg chg="mod">
+          <ac:chgData name="M11302149" userId="8216dd93-2662-4fcb-b25f-19201f4a478b" providerId="ADAL" clId="{6DD3EB06-16A2-41E0-814F-83096F6D58AF}" dt="2024-11-28T08:36:36.846" v="1169" actId="20577"/>
+          <ac:spMkLst>
+            <pc:docMk/>
+            <pc:sldMk cId="2506950635" sldId="298"/>
+            <ac:spMk id="5" creationId="{5FF5C53E-1146-42F5-95EC-79A70CB7E12E}"/>
+          </ac:spMkLst>
+        </pc:spChg>
+      </pc:sldChg>
+      <pc:sldChg chg="modSp new mod">
+        <pc:chgData name="M11302149" userId="8216dd93-2662-4fcb-b25f-19201f4a478b" providerId="ADAL" clId="{6DD3EB06-16A2-41E0-814F-83096F6D58AF}" dt="2024-11-28T07:58:37.924" v="776" actId="20577"/>
+        <pc:sldMkLst>
+          <pc:docMk/>
+          <pc:sldMk cId="1241378409" sldId="299"/>
+        </pc:sldMkLst>
+        <pc:spChg chg="mod">
+          <ac:chgData name="M11302149" userId="8216dd93-2662-4fcb-b25f-19201f4a478b" providerId="ADAL" clId="{6DD3EB06-16A2-41E0-814F-83096F6D58AF}" dt="2024-11-28T07:58:37.924" v="776" actId="20577"/>
+          <ac:spMkLst>
+            <pc:docMk/>
+            <pc:sldMk cId="1241378409" sldId="299"/>
+            <ac:spMk id="2" creationId="{FA49C5E8-84FD-4690-A389-5B20F809FD10}"/>
+          </ac:spMkLst>
+        </pc:spChg>
+        <pc:spChg chg="mod">
+          <ac:chgData name="M11302149" userId="8216dd93-2662-4fcb-b25f-19201f4a478b" providerId="ADAL" clId="{6DD3EB06-16A2-41E0-814F-83096F6D58AF}" dt="2024-11-28T03:05:41.947" v="300"/>
+          <ac:spMkLst>
+            <pc:docMk/>
+            <pc:sldMk cId="1241378409" sldId="299"/>
+            <ac:spMk id="3" creationId="{E86B9909-FB1C-4F9C-BC49-4B808B136CE6}"/>
+          </ac:spMkLst>
+        </pc:spChg>
+      </pc:sldChg>
+      <pc:sldChg chg="addSp delSp modSp new del mod">
+        <pc:chgData name="M11302149" userId="8216dd93-2662-4fcb-b25f-19201f4a478b" providerId="ADAL" clId="{6DD3EB06-16A2-41E0-814F-83096F6D58AF}" dt="2024-11-28T03:31:51.730" v="358" actId="47"/>
+        <pc:sldMkLst>
+          <pc:docMk/>
+          <pc:sldMk cId="3072518846" sldId="300"/>
+        </pc:sldMkLst>
+        <pc:graphicFrameChg chg="add del mod">
+          <ac:chgData name="M11302149" userId="8216dd93-2662-4fcb-b25f-19201f4a478b" providerId="ADAL" clId="{6DD3EB06-16A2-41E0-814F-83096F6D58AF}" dt="2024-11-28T03:25:03.116" v="309"/>
+          <ac:graphicFrameMkLst>
+            <pc:docMk/>
+            <pc:sldMk cId="3072518846" sldId="300"/>
+            <ac:graphicFrameMk id="2" creationId="{E69427F9-E446-412B-86BA-B78A583BD39C}"/>
+          </ac:graphicFrameMkLst>
+        </pc:graphicFrameChg>
+        <pc:graphicFrameChg chg="add del mod">
+          <ac:chgData name="M11302149" userId="8216dd93-2662-4fcb-b25f-19201f4a478b" providerId="ADAL" clId="{6DD3EB06-16A2-41E0-814F-83096F6D58AF}" dt="2024-11-28T03:25:03.116" v="309"/>
+          <ac:graphicFrameMkLst>
+            <pc:docMk/>
+            <pc:sldMk cId="3072518846" sldId="300"/>
+            <ac:graphicFrameMk id="3" creationId="{E24B2D1A-6E9A-4B6E-8E56-2777FAF22BA8}"/>
+          </ac:graphicFrameMkLst>
+        </pc:graphicFrameChg>
+        <pc:graphicFrameChg chg="add del mod">
+          <ac:chgData name="M11302149" userId="8216dd93-2662-4fcb-b25f-19201f4a478b" providerId="ADAL" clId="{6DD3EB06-16A2-41E0-814F-83096F6D58AF}" dt="2024-11-28T03:25:03.116" v="309"/>
+          <ac:graphicFrameMkLst>
+            <pc:docMk/>
+            <pc:sldMk cId="3072518846" sldId="300"/>
+            <ac:graphicFrameMk id="4" creationId="{E6974FCD-631B-44FF-9EC7-FDD983551E83}"/>
+          </ac:graphicFrameMkLst>
+        </pc:graphicFrameChg>
+        <pc:graphicFrameChg chg="add del mod">
+          <ac:chgData name="M11302149" userId="8216dd93-2662-4fcb-b25f-19201f4a478b" providerId="ADAL" clId="{6DD3EB06-16A2-41E0-814F-83096F6D58AF}" dt="2024-11-28T03:25:03.116" v="309"/>
+          <ac:graphicFrameMkLst>
+            <pc:docMk/>
+            <pc:sldMk cId="3072518846" sldId="300"/>
+            <ac:graphicFrameMk id="5" creationId="{5693DA3D-EA69-4A78-AA29-D1190B153A64}"/>
+          </ac:graphicFrameMkLst>
+        </pc:graphicFrameChg>
+        <pc:graphicFrameChg chg="add del mod">
+          <ac:chgData name="M11302149" userId="8216dd93-2662-4fcb-b25f-19201f4a478b" providerId="ADAL" clId="{6DD3EB06-16A2-41E0-814F-83096F6D58AF}" dt="2024-11-28T03:25:03.116" v="309"/>
+          <ac:graphicFrameMkLst>
+            <pc:docMk/>
+            <pc:sldMk cId="3072518846" sldId="300"/>
+            <ac:graphicFrameMk id="6" creationId="{655E0336-BE24-4F6E-AAF6-7B7AE641D263}"/>
+          </ac:graphicFrameMkLst>
+        </pc:graphicFrameChg>
+        <pc:graphicFrameChg chg="add del mod">
+          <ac:chgData name="M11302149" userId="8216dd93-2662-4fcb-b25f-19201f4a478b" providerId="ADAL" clId="{6DD3EB06-16A2-41E0-814F-83096F6D58AF}" dt="2024-11-28T03:25:13.868" v="311"/>
+          <ac:graphicFrameMkLst>
+            <pc:docMk/>
+            <pc:sldMk cId="3072518846" sldId="300"/>
+            <ac:graphicFrameMk id="7" creationId="{BFD23F42-4D7B-43ED-B69D-1780CC6C45D8}"/>
+          </ac:graphicFrameMkLst>
+        </pc:graphicFrameChg>
+        <pc:graphicFrameChg chg="add del mod">
+          <ac:chgData name="M11302149" userId="8216dd93-2662-4fcb-b25f-19201f4a478b" providerId="ADAL" clId="{6DD3EB06-16A2-41E0-814F-83096F6D58AF}" dt="2024-11-28T03:25:13.868" v="311"/>
+          <ac:graphicFrameMkLst>
+            <pc:docMk/>
+            <pc:sldMk cId="3072518846" sldId="300"/>
+            <ac:graphicFrameMk id="8" creationId="{7F804815-5C89-4CB4-85BD-95926BBA4A79}"/>
+          </ac:graphicFrameMkLst>
+        </pc:graphicFrameChg>
+        <pc:graphicFrameChg chg="add del mod">
+          <ac:chgData name="M11302149" userId="8216dd93-2662-4fcb-b25f-19201f4a478b" providerId="ADAL" clId="{6DD3EB06-16A2-41E0-814F-83096F6D58AF}" dt="2024-11-28T03:25:13.868" v="311"/>
+          <ac:graphicFrameMkLst>
+            <pc:docMk/>
+            <pc:sldMk cId="3072518846" sldId="300"/>
+            <ac:graphicFrameMk id="9" creationId="{F6003543-5408-4391-9AC7-C48F67FE1C40}"/>
+          </ac:graphicFrameMkLst>
+        </pc:graphicFrameChg>
+        <pc:graphicFrameChg chg="add del mod">
+          <ac:chgData name="M11302149" userId="8216dd93-2662-4fcb-b25f-19201f4a478b" providerId="ADAL" clId="{6DD3EB06-16A2-41E0-814F-83096F6D58AF}" dt="2024-11-28T03:25:13.868" v="311"/>
+          <ac:graphicFrameMkLst>
+            <pc:docMk/>
+            <pc:sldMk cId="3072518846" sldId="300"/>
+            <ac:graphicFrameMk id="10" creationId="{74EE5DEC-8C91-4043-83BE-9DB2B423E5C0}"/>
+          </ac:graphicFrameMkLst>
+        </pc:graphicFrameChg>
+        <pc:graphicFrameChg chg="add del mod">
+          <ac:chgData name="M11302149" userId="8216dd93-2662-4fcb-b25f-19201f4a478b" providerId="ADAL" clId="{6DD3EB06-16A2-41E0-814F-83096F6D58AF}" dt="2024-11-28T03:25:13.868" v="311"/>
+          <ac:graphicFrameMkLst>
+            <pc:docMk/>
+            <pc:sldMk cId="3072518846" sldId="300"/>
+            <ac:graphicFrameMk id="11" creationId="{557461DA-8684-444D-92C1-8B55B9D21867}"/>
+          </ac:graphicFrameMkLst>
+        </pc:graphicFrameChg>
+        <pc:graphicFrameChg chg="add del mod modGraphic">
+          <ac:chgData name="M11302149" userId="8216dd93-2662-4fcb-b25f-19201f4a478b" providerId="ADAL" clId="{6DD3EB06-16A2-41E0-814F-83096F6D58AF}" dt="2024-11-28T03:26:53.697" v="329" actId="478"/>
+          <ac:graphicFrameMkLst>
+            <pc:docMk/>
+            <pc:sldMk cId="3072518846" sldId="300"/>
+            <ac:graphicFrameMk id="12" creationId="{7EC6E46A-9674-4836-AA98-E4D777C9F522}"/>
+          </ac:graphicFrameMkLst>
+        </pc:graphicFrameChg>
+        <pc:graphicFrameChg chg="add del mod modGraphic">
+          <ac:chgData name="M11302149" userId="8216dd93-2662-4fcb-b25f-19201f4a478b" providerId="ADAL" clId="{6DD3EB06-16A2-41E0-814F-83096F6D58AF}" dt="2024-11-28T03:30:15.327" v="355" actId="21"/>
+          <ac:graphicFrameMkLst>
+            <pc:docMk/>
+            <pc:sldMk cId="3072518846" sldId="300"/>
+            <ac:graphicFrameMk id="13" creationId="{1C149843-F106-41C0-A614-E0980BC6302B}"/>
+          </ac:graphicFrameMkLst>
+        </pc:graphicFrameChg>
+      </pc:sldChg>
+      <pc:sldChg chg="addSp delSp modSp new mod">
+        <pc:chgData name="M11302149" userId="8216dd93-2662-4fcb-b25f-19201f4a478b" providerId="ADAL" clId="{6DD3EB06-16A2-41E0-814F-83096F6D58AF}" dt="2024-11-28T08:17:36.304" v="926" actId="207"/>
+        <pc:sldMkLst>
+          <pc:docMk/>
+          <pc:sldMk cId="2974250481" sldId="301"/>
+        </pc:sldMkLst>
+        <pc:spChg chg="mod">
+          <ac:chgData name="M11302149" userId="8216dd93-2662-4fcb-b25f-19201f4a478b" providerId="ADAL" clId="{6DD3EB06-16A2-41E0-814F-83096F6D58AF}" dt="2024-11-28T07:12:51.779" v="597" actId="20577"/>
+          <ac:spMkLst>
+            <pc:docMk/>
+            <pc:sldMk cId="2974250481" sldId="301"/>
+            <ac:spMk id="2" creationId="{A4D3289F-CAAC-4CAE-9DEA-6794C5EDB77E}"/>
+          </ac:spMkLst>
+        </pc:spChg>
+        <pc:spChg chg="del">
+          <ac:chgData name="M11302149" userId="8216dd93-2662-4fcb-b25f-19201f4a478b" providerId="ADAL" clId="{6DD3EB06-16A2-41E0-814F-83096F6D58AF}" dt="2024-11-28T03:30:18.110" v="356"/>
+          <ac:spMkLst>
+            <pc:docMk/>
+            <pc:sldMk cId="2974250481" sldId="301"/>
+            <ac:spMk id="3" creationId="{F8BDB645-F54E-43FD-B727-5931C706BBC5}"/>
+          </ac:spMkLst>
+        </pc:spChg>
+        <pc:spChg chg="add del mod">
+          <ac:chgData name="M11302149" userId="8216dd93-2662-4fcb-b25f-19201f4a478b" providerId="ADAL" clId="{6DD3EB06-16A2-41E0-814F-83096F6D58AF}" dt="2024-11-28T07:43:57.752" v="694" actId="478"/>
+          <ac:spMkLst>
+            <pc:docMk/>
+            <pc:sldMk cId="2974250481" sldId="301"/>
+            <ac:spMk id="6" creationId="{B48F99B9-87DC-4216-A713-BC761C16D986}"/>
+          </ac:spMkLst>
+        </pc:spChg>
+        <pc:spChg chg="add mod">
+          <ac:chgData name="M11302149" userId="8216dd93-2662-4fcb-b25f-19201f4a478b" providerId="ADAL" clId="{6DD3EB06-16A2-41E0-814F-83096F6D58AF}" dt="2024-11-28T07:38:38.360" v="689" actId="1076"/>
+          <ac:spMkLst>
+            <pc:docMk/>
+            <pc:sldMk cId="2974250481" sldId="301"/>
+            <ac:spMk id="7" creationId="{417D55DC-D0AD-47AD-91BC-044CF8819EA5}"/>
+          </ac:spMkLst>
+        </pc:spChg>
+        <pc:spChg chg="add mod">
+          <ac:chgData name="M11302149" userId="8216dd93-2662-4fcb-b25f-19201f4a478b" providerId="ADAL" clId="{6DD3EB06-16A2-41E0-814F-83096F6D58AF}" dt="2024-11-28T07:38:34.815" v="688" actId="1076"/>
+          <ac:spMkLst>
+            <pc:docMk/>
+            <pc:sldMk cId="2974250481" sldId="301"/>
+            <ac:spMk id="8" creationId="{1934C283-DB3F-4152-8F21-D1F33C98F6C8}"/>
+          </ac:spMkLst>
+        </pc:spChg>
+        <pc:spChg chg="add del mod">
+          <ac:chgData name="M11302149" userId="8216dd93-2662-4fcb-b25f-19201f4a478b" providerId="ADAL" clId="{6DD3EB06-16A2-41E0-814F-83096F6D58AF}" dt="2024-11-28T07:44:00.913" v="695" actId="478"/>
+          <ac:spMkLst>
+            <pc:docMk/>
+            <pc:sldMk cId="2974250481" sldId="301"/>
+            <ac:spMk id="9" creationId="{CE4C4B65-261B-42CB-9B22-2CF405FDBA44}"/>
+          </ac:spMkLst>
+        </pc:spChg>
+        <pc:graphicFrameChg chg="add mod modGraphic">
+          <ac:chgData name="M11302149" userId="8216dd93-2662-4fcb-b25f-19201f4a478b" providerId="ADAL" clId="{6DD3EB06-16A2-41E0-814F-83096F6D58AF}" dt="2024-11-28T08:17:36.304" v="926" actId="207"/>
+          <ac:graphicFrameMkLst>
+            <pc:docMk/>
+            <pc:sldMk cId="2974250481" sldId="301"/>
+            <ac:graphicFrameMk id="4" creationId="{350B2F88-4DFF-41A7-A916-41A53E0CBEE1}"/>
+          </ac:graphicFrameMkLst>
+        </pc:graphicFrameChg>
+        <pc:graphicFrameChg chg="add del mod">
+          <ac:chgData name="M11302149" userId="8216dd93-2662-4fcb-b25f-19201f4a478b" providerId="ADAL" clId="{6DD3EB06-16A2-41E0-814F-83096F6D58AF}" dt="2024-11-28T03:34:27.373" v="368"/>
+          <ac:graphicFrameMkLst>
+            <pc:docMk/>
+            <pc:sldMk cId="2974250481" sldId="301"/>
+            <ac:graphicFrameMk id="5" creationId="{06032FDF-FE6C-4476-8A49-2E5852B0DC55}"/>
+          </ac:graphicFrameMkLst>
+        </pc:graphicFrameChg>
+        <pc:graphicFrameChg chg="add del">
+          <ac:chgData name="M11302149" userId="8216dd93-2662-4fcb-b25f-19201f4a478b" providerId="ADAL" clId="{6DD3EB06-16A2-41E0-814F-83096F6D58AF}" dt="2024-11-28T07:38:14.832" v="684"/>
+          <ac:graphicFrameMkLst>
+            <pc:docMk/>
+            <pc:sldMk cId="2974250481" sldId="301"/>
+            <ac:graphicFrameMk id="10" creationId="{17DE0F43-FEB0-4BFE-A61A-AA0CC99E78D4}"/>
+          </ac:graphicFrameMkLst>
+        </pc:graphicFrameChg>
+        <pc:picChg chg="add mod">
+          <ac:chgData name="M11302149" userId="8216dd93-2662-4fcb-b25f-19201f4a478b" providerId="ADAL" clId="{6DD3EB06-16A2-41E0-814F-83096F6D58AF}" dt="2024-11-28T07:44:04.797" v="696" actId="1076"/>
+          <ac:picMkLst>
+            <pc:docMk/>
+            <pc:sldMk cId="2974250481" sldId="301"/>
+            <ac:picMk id="12" creationId="{2A369378-C978-4D24-95CA-9C22DB555EBA}"/>
+          </ac:picMkLst>
+        </pc:picChg>
+      </pc:sldChg>
+      <pc:sldChg chg="addSp delSp modSp new mod">
+        <pc:chgData name="M11302149" userId="8216dd93-2662-4fcb-b25f-19201f4a478b" providerId="ADAL" clId="{6DD3EB06-16A2-41E0-814F-83096F6D58AF}" dt="2024-11-28T08:35:03.634" v="1168" actId="6549"/>
+        <pc:sldMkLst>
+          <pc:docMk/>
+          <pc:sldMk cId="1383831053" sldId="302"/>
+        </pc:sldMkLst>
+        <pc:spChg chg="mod">
+          <ac:chgData name="M11302149" userId="8216dd93-2662-4fcb-b25f-19201f4a478b" providerId="ADAL" clId="{6DD3EB06-16A2-41E0-814F-83096F6D58AF}" dt="2024-11-28T08:11:26.016" v="908" actId="20577"/>
+          <ac:spMkLst>
+            <pc:docMk/>
+            <pc:sldMk cId="1383831053" sldId="302"/>
+            <ac:spMk id="2" creationId="{780E74E2-3E6D-4603-A2C7-0BD935C68CDE}"/>
+          </ac:spMkLst>
+        </pc:spChg>
+        <pc:spChg chg="mod">
+          <ac:chgData name="M11302149" userId="8216dd93-2662-4fcb-b25f-19201f4a478b" providerId="ADAL" clId="{6DD3EB06-16A2-41E0-814F-83096F6D58AF}" dt="2024-11-28T08:17:17.245" v="923" actId="14100"/>
+          <ac:spMkLst>
+            <pc:docMk/>
+            <pc:sldMk cId="1383831053" sldId="302"/>
+            <ac:spMk id="3" creationId="{0FCDE9D2-1E6C-4F6C-A0B4-FA20C9BD719B}"/>
+          </ac:spMkLst>
+        </pc:spChg>
+        <pc:spChg chg="add del mod">
+          <ac:chgData name="M11302149" userId="8216dd93-2662-4fcb-b25f-19201f4a478b" providerId="ADAL" clId="{6DD3EB06-16A2-41E0-814F-83096F6D58AF}" dt="2024-11-28T08:34:50.091" v="1167" actId="1076"/>
+          <ac:spMkLst>
+            <pc:docMk/>
+            <pc:sldMk cId="1383831053" sldId="302"/>
+            <ac:spMk id="4" creationId="{7BA4BEEE-F8B3-4881-BD87-288DE006D815}"/>
+          </ac:spMkLst>
+        </pc:spChg>
+        <pc:spChg chg="mod">
+          <ac:chgData name="M11302149" userId="8216dd93-2662-4fcb-b25f-19201f4a478b" providerId="ADAL" clId="{6DD3EB06-16A2-41E0-814F-83096F6D58AF}" dt="2024-11-28T08:17:22.582" v="924" actId="14100"/>
+          <ac:spMkLst>
+            <pc:docMk/>
+            <pc:sldMk cId="1383831053" sldId="302"/>
+            <ac:spMk id="5" creationId="{9434C39C-E12B-4582-9956-BCC2765B8A16}"/>
+          </ac:spMkLst>
+        </pc:spChg>
+        <pc:spChg chg="mod">
+          <ac:chgData name="M11302149" userId="8216dd93-2662-4fcb-b25f-19201f4a478b" providerId="ADAL" clId="{6DD3EB06-16A2-41E0-814F-83096F6D58AF}" dt="2024-11-28T08:35:03.634" v="1168" actId="6549"/>
+          <ac:spMkLst>
+            <pc:docMk/>
+            <pc:sldMk cId="1383831053" sldId="302"/>
+            <ac:spMk id="6" creationId="{6241D825-DE89-4408-802D-9EE65A91C7F2}"/>
+          </ac:spMkLst>
+        </pc:spChg>
+        <pc:spChg chg="add del mod">
+          <ac:chgData name="M11302149" userId="8216dd93-2662-4fcb-b25f-19201f4a478b" providerId="ADAL" clId="{6DD3EB06-16A2-41E0-814F-83096F6D58AF}" dt="2024-11-28T08:18:29.165" v="928"/>
+          <ac:spMkLst>
+            <pc:docMk/>
+            <pc:sldMk cId="1383831053" sldId="302"/>
+            <ac:spMk id="7" creationId="{F0473A75-F649-4530-B9D3-778C8DC5394A}"/>
+          </ac:spMkLst>
+        </pc:spChg>
+      </pc:sldChg>
+      <pc:sldChg chg="new del">
+        <pc:chgData name="M11302149" userId="8216dd93-2662-4fcb-b25f-19201f4a478b" providerId="ADAL" clId="{6DD3EB06-16A2-41E0-814F-83096F6D58AF}" dt="2024-11-28T08:11:10.645" v="894" actId="47"/>
+        <pc:sldMkLst>
+          <pc:docMk/>
+          <pc:sldMk cId="4110371067" sldId="302"/>
+        </pc:sldMkLst>
+      </pc:sldChg>
+    </pc:docChg>
+  </pc:docChgLst>
+</pc:chgInfo>
+</file>
+
 <file path=ppt/notesMasters/notesMaster1.xml><?xml version="1.0" encoding="utf-8"?>
 <p:notesMaster xmlns:a="http://schemas.openxmlformats.org/drawingml/2006/main" xmlns:r="http://schemas.openxmlformats.org/officeDocument/2006/relationships" xmlns:p="http://schemas.openxmlformats.org/presentationml/2006/main">
   <p:cSld>
@@ -233,7 +708,7 @@
           <a:p>
             <a:fld id="{A97E21AB-3AF3-490B-BF71-1F32134D1D14}" type="datetimeFigureOut">
               <a:rPr lang="zh-TW" altLang="en-US" smtClean="0"/>
-              <a:t>2024/11/26</a:t>
+              <a:t>2024/11/28</a:t>
             </a:fld>
             <a:endParaRPr lang="zh-TW" altLang="en-US"/>
           </a:p>
@@ -1176,7 +1651,7 @@
           <a:p>
             <a:fld id="{5BAA63ED-9FD8-4A40-BE25-3D9BFE964A37}" type="slidenum">
               <a:rPr lang="zh-TW" altLang="en-US" smtClean="0"/>
-              <a:t>34</a:t>
+              <a:t>35</a:t>
             </a:fld>
             <a:endParaRPr lang="zh-TW" altLang="en-US"/>
           </a:p>
@@ -1260,7 +1735,7 @@
           <a:p>
             <a:fld id="{5BAA63ED-9FD8-4A40-BE25-3D9BFE964A37}" type="slidenum">
               <a:rPr lang="zh-TW" altLang="en-US" smtClean="0"/>
-              <a:t>35</a:t>
+              <a:t>36</a:t>
             </a:fld>
             <a:endParaRPr lang="zh-TW" altLang="en-US"/>
           </a:p>
@@ -1426,7 +1901,7 @@
           <a:p>
             <a:fld id="{64FC9679-BD23-4B8A-9A5A-2990B7CDDDC8}" type="datetimeFigureOut">
               <a:rPr lang="zh-TW" altLang="en-US" smtClean="0"/>
-              <a:t>2024/11/26</a:t>
+              <a:t>2024/11/28</a:t>
             </a:fld>
             <a:endParaRPr lang="zh-TW" altLang="en-US"/>
           </a:p>
@@ -1624,7 +2099,7 @@
           <a:p>
             <a:fld id="{64FC9679-BD23-4B8A-9A5A-2990B7CDDDC8}" type="datetimeFigureOut">
               <a:rPr lang="zh-TW" altLang="en-US" smtClean="0"/>
-              <a:t>2024/11/26</a:t>
+              <a:t>2024/11/28</a:t>
             </a:fld>
             <a:endParaRPr lang="zh-TW" altLang="en-US"/>
           </a:p>
@@ -1832,7 +2307,7 @@
           <a:p>
             <a:fld id="{64FC9679-BD23-4B8A-9A5A-2990B7CDDDC8}" type="datetimeFigureOut">
               <a:rPr lang="zh-TW" altLang="en-US" smtClean="0"/>
-              <a:t>2024/11/26</a:t>
+              <a:t>2024/11/28</a:t>
             </a:fld>
             <a:endParaRPr lang="zh-TW" altLang="en-US"/>
           </a:p>
@@ -2030,7 +2505,7 @@
           <a:p>
             <a:fld id="{64FC9679-BD23-4B8A-9A5A-2990B7CDDDC8}" type="datetimeFigureOut">
               <a:rPr lang="zh-TW" altLang="en-US" smtClean="0"/>
-              <a:t>2024/11/26</a:t>
+              <a:t>2024/11/28</a:t>
             </a:fld>
             <a:endParaRPr lang="zh-TW" altLang="en-US"/>
           </a:p>
@@ -2305,7 +2780,7 @@
           <a:p>
             <a:fld id="{64FC9679-BD23-4B8A-9A5A-2990B7CDDDC8}" type="datetimeFigureOut">
               <a:rPr lang="zh-TW" altLang="en-US" smtClean="0"/>
-              <a:t>2024/11/26</a:t>
+              <a:t>2024/11/28</a:t>
             </a:fld>
             <a:endParaRPr lang="zh-TW" altLang="en-US"/>
           </a:p>
@@ -2570,7 +3045,7 @@
           <a:p>
             <a:fld id="{64FC9679-BD23-4B8A-9A5A-2990B7CDDDC8}" type="datetimeFigureOut">
               <a:rPr lang="zh-TW" altLang="en-US" smtClean="0"/>
-              <a:t>2024/11/26</a:t>
+              <a:t>2024/11/28</a:t>
             </a:fld>
             <a:endParaRPr lang="zh-TW" altLang="en-US"/>
           </a:p>
@@ -2982,7 +3457,7 @@
           <a:p>
             <a:fld id="{64FC9679-BD23-4B8A-9A5A-2990B7CDDDC8}" type="datetimeFigureOut">
               <a:rPr lang="zh-TW" altLang="en-US" smtClean="0"/>
-              <a:t>2024/11/26</a:t>
+              <a:t>2024/11/28</a:t>
             </a:fld>
             <a:endParaRPr lang="zh-TW" altLang="en-US"/>
           </a:p>
@@ -3123,7 +3598,7 @@
           <a:p>
             <a:fld id="{64FC9679-BD23-4B8A-9A5A-2990B7CDDDC8}" type="datetimeFigureOut">
               <a:rPr lang="zh-TW" altLang="en-US" smtClean="0"/>
-              <a:t>2024/11/26</a:t>
+              <a:t>2024/11/28</a:t>
             </a:fld>
             <a:endParaRPr lang="zh-TW" altLang="en-US"/>
           </a:p>
@@ -3236,7 +3711,7 @@
           <a:p>
             <a:fld id="{64FC9679-BD23-4B8A-9A5A-2990B7CDDDC8}" type="datetimeFigureOut">
               <a:rPr lang="zh-TW" altLang="en-US" smtClean="0"/>
-              <a:t>2024/11/26</a:t>
+              <a:t>2024/11/28</a:t>
             </a:fld>
             <a:endParaRPr lang="zh-TW" altLang="en-US"/>
           </a:p>
@@ -3547,7 +4022,7 @@
           <a:p>
             <a:fld id="{64FC9679-BD23-4B8A-9A5A-2990B7CDDDC8}" type="datetimeFigureOut">
               <a:rPr lang="zh-TW" altLang="en-US" smtClean="0"/>
-              <a:t>2024/11/26</a:t>
+              <a:t>2024/11/28</a:t>
             </a:fld>
             <a:endParaRPr lang="zh-TW" altLang="en-US"/>
           </a:p>
@@ -3835,7 +4310,7 @@
           <a:p>
             <a:fld id="{64FC9679-BD23-4B8A-9A5A-2990B7CDDDC8}" type="datetimeFigureOut">
               <a:rPr lang="zh-TW" altLang="en-US" smtClean="0"/>
-              <a:t>2024/11/26</a:t>
+              <a:t>2024/11/28</a:t>
             </a:fld>
             <a:endParaRPr lang="zh-TW" altLang="en-US"/>
           </a:p>
@@ -4076,7 +4551,7 @@
           <a:p>
             <a:fld id="{64FC9679-BD23-4B8A-9A5A-2990B7CDDDC8}" type="datetimeFigureOut">
               <a:rPr lang="zh-TW" altLang="en-US" smtClean="0"/>
-              <a:t>2024/11/26</a:t>
+              <a:t>2024/11/28</a:t>
             </a:fld>
             <a:endParaRPr lang="zh-TW" altLang="en-US"/>
           </a:p>
@@ -12957,9 +13432,17 @@
           <a:lstStyle/>
           <a:p>
             <a:r>
-              <a:rPr lang="zh-TW" altLang="en-US" dirty="0"/>
+              <a:rPr lang="en-US" altLang="zh-TW" sz="5400" dirty="0"/>
+              <a:t>Artificial Bee Colony Optimization Algorithm</a:t>
+            </a:r>
+            <a:br>
+              <a:rPr lang="en-US" altLang="zh-TW" sz="5400" dirty="0"/>
+            </a:br>
+            <a:r>
+              <a:rPr lang="zh-TW" altLang="en-US" sz="4000" dirty="0"/>
               <a:t>蜂群演算法</a:t>
             </a:r>
+            <a:endParaRPr lang="zh-TW" altLang="en-US" dirty="0"/>
           </a:p>
         </p:txBody>
       </p:sp>
@@ -12984,13 +13467,16 @@
           <a:bodyPr/>
           <a:lstStyle/>
           <a:p>
+            <a:endParaRPr lang="en-US" altLang="zh-TW" dirty="0"/>
+          </a:p>
+          <a:p>
             <a:r>
               <a:rPr lang="en-US" altLang="zh-TW" dirty="0"/>
               <a:t>M11302149</a:t>
             </a:r>
             <a:r>
               <a:rPr lang="zh-TW" altLang="en-US" dirty="0"/>
-              <a:t> 電子甲碩 趙孟哲</a:t>
+              <a:t> 電子甲碩一 趙孟哲</a:t>
             </a:r>
           </a:p>
           <a:p>
@@ -13078,6 +13564,24 @@
           <a:lstStyle/>
           <a:p>
             <a:r>
+              <a:rPr lang="en-US" altLang="zh-TW" dirty="0" err="1"/>
+              <a:t>Dervis</a:t>
+            </a:r>
+            <a:r>
+              <a:rPr lang="en-US" altLang="zh-TW" dirty="0"/>
+              <a:t> </a:t>
+            </a:r>
+            <a:r>
+              <a:rPr lang="en-US" altLang="zh-TW" dirty="0" err="1"/>
+              <a:t>Karaboga</a:t>
+            </a:r>
+            <a:r>
+              <a:rPr lang="en-US" altLang="zh-TW" dirty="0"/>
+              <a:t>,</a:t>
+            </a:r>
+          </a:p>
+          <a:p>
+            <a:r>
               <a:rPr lang="zh-TW" altLang="en-US" dirty="0"/>
               <a:t>通過多個「人工蜜蜂」的協同搜索來找到問題的最佳解。</a:t>
             </a:r>
@@ -13086,7 +13590,7 @@
           <a:p>
             <a:r>
               <a:rPr lang="zh-TW" altLang="en-US" dirty="0"/>
-              <a:t>模擬蜜蜂在尋找食物過程中，根據位置的食物品質去選擇下一步行動，並且有隨機探索的步驟。</a:t>
+              <a:t>模擬蜜蜂在尋找食物過程中，根據位置的食物品質去選擇下一步行動，並且模擬隨機探索、跳舞溝通的行為。</a:t>
             </a:r>
             <a:endParaRPr lang="en-US" altLang="zh-TW" dirty="0"/>
           </a:p>
@@ -13121,7 +13625,7 @@
         </p:blipFill>
         <p:spPr bwMode="auto">
           <a:xfrm>
-            <a:off x="6013816" y="3822618"/>
+            <a:off x="5943478" y="4272309"/>
             <a:ext cx="3810000" cy="1485900"/>
           </a:xfrm>
           <a:prstGeom prst="rect">
@@ -13161,7 +13665,7 @@
         </p:blipFill>
         <p:spPr>
           <a:xfrm>
-            <a:off x="1502202" y="3582540"/>
+            <a:off x="1335148" y="3853556"/>
             <a:ext cx="3279002" cy="2323407"/>
           </a:xfrm>
           <a:prstGeom prst="rect">
@@ -13311,6 +13815,20 @@
               <a:tabLst/>
             </a:pPr>
             <a:r>
+              <a:rPr kumimoji="0" lang="en-US" altLang="zh-TW" sz="2000" b="1" i="0" u="none" strike="noStrike" cap="none" normalizeH="0" baseline="0" dirty="0">
+                <a:ln>
+                  <a:noFill/>
+                </a:ln>
+                <a:solidFill>
+                  <a:schemeClr val="tx1"/>
+                </a:solidFill>
+                <a:effectLst/>
+                <a:latin typeface="新細明體" panose="02020500000000000000" pitchFamily="18" charset="-120"/>
+                <a:ea typeface="新細明體" panose="02020500000000000000" pitchFamily="18" charset="-120"/>
+              </a:rPr>
+              <a:t>Source Number</a:t>
+            </a:r>
+            <a:r>
               <a:rPr kumimoji="0" lang="zh-TW" altLang="zh-TW" sz="2000" b="1" i="0" u="none" strike="noStrike" cap="none" normalizeH="0" baseline="0" dirty="0">
                 <a:ln>
                   <a:noFill/>
@@ -13322,7 +13840,7 @@
                 <a:latin typeface="新細明體" panose="02020500000000000000" pitchFamily="18" charset="-120"/>
                 <a:ea typeface="新細明體" panose="02020500000000000000" pitchFamily="18" charset="-120"/>
               </a:rPr>
-              <a:t>食物源數量（SN）</a:t>
+              <a:t>（SN）</a:t>
             </a:r>
             <a:r>
               <a:rPr kumimoji="0" lang="zh-TW" altLang="zh-TW" sz="2000" b="0" i="0" u="none" strike="noStrike" cap="none" normalizeH="0" baseline="0" dirty="0">
@@ -13454,6 +13972,20 @@
               <a:tabLst/>
             </a:pPr>
             <a:r>
+              <a:rPr kumimoji="0" lang="en-US" altLang="zh-TW" sz="2000" b="1" i="0" u="none" strike="noStrike" cap="none" normalizeH="0" baseline="0" dirty="0">
+                <a:ln>
+                  <a:noFill/>
+                </a:ln>
+                <a:solidFill>
+                  <a:schemeClr val="tx1"/>
+                </a:solidFill>
+                <a:effectLst/>
+                <a:latin typeface="新細明體" panose="02020500000000000000" pitchFamily="18" charset="-120"/>
+                <a:ea typeface="新細明體" panose="02020500000000000000" pitchFamily="18" charset="-120"/>
+              </a:rPr>
+              <a:t>Maximum Cycle Number (</a:t>
+            </a:r>
+            <a:r>
               <a:rPr kumimoji="0" lang="zh-TW" altLang="zh-TW" sz="2000" b="1" i="0" u="none" strike="noStrike" cap="none" normalizeH="0" baseline="0" dirty="0">
                 <a:ln>
                   <a:noFill/>
@@ -13465,7 +13997,21 @@
                 <a:latin typeface="新細明體" panose="02020500000000000000" pitchFamily="18" charset="-120"/>
                 <a:ea typeface="新細明體" panose="02020500000000000000" pitchFamily="18" charset="-120"/>
               </a:rPr>
-              <a:t>最大迭代次數（MCN）</a:t>
+              <a:t>MCN</a:t>
+            </a:r>
+            <a:r>
+              <a:rPr kumimoji="0" lang="en-US" altLang="zh-TW" sz="2000" b="1" i="0" u="none" strike="noStrike" cap="none" normalizeH="0" baseline="0" dirty="0">
+                <a:ln>
+                  <a:noFill/>
+                </a:ln>
+                <a:solidFill>
+                  <a:schemeClr val="tx1"/>
+                </a:solidFill>
+                <a:effectLst/>
+                <a:latin typeface="新細明體" panose="02020500000000000000" pitchFamily="18" charset="-120"/>
+                <a:ea typeface="新細明體" panose="02020500000000000000" pitchFamily="18" charset="-120"/>
+              </a:rPr>
+              <a:t>)</a:t>
             </a:r>
             <a:r>
               <a:rPr kumimoji="0" lang="zh-TW" altLang="zh-TW" sz="2000" b="0" i="0" u="none" strike="noStrike" cap="none" normalizeH="0" baseline="0" dirty="0">
@@ -13595,6 +14141,10 @@
               <a:tabLst/>
             </a:pPr>
             <a:r>
+              <a:rPr lang="en-US" altLang="zh-TW" sz="2000" dirty="0"/>
+              <a:t> Scout Threshold (</a:t>
+            </a:r>
+            <a:r>
               <a:rPr kumimoji="0" lang="zh-TW" altLang="zh-TW" sz="2000" b="1" i="0" u="none" strike="noStrike" cap="none" normalizeH="0" baseline="0" dirty="0">
                 <a:ln>
                   <a:noFill/>
@@ -13606,7 +14156,14 @@
                 <a:latin typeface="新細明體" panose="02020500000000000000" pitchFamily="18" charset="-120"/>
                 <a:ea typeface="新細明體" panose="02020500000000000000" pitchFamily="18" charset="-120"/>
               </a:rPr>
-              <a:t>偵查蜂次數限制（limit）</a:t>
+              <a:t>limit</a:t>
+            </a:r>
+            <a:r>
+              <a:rPr lang="en-US" altLang="zh-TW" sz="2000" b="1" dirty="0">
+                <a:latin typeface="新細明體" panose="02020500000000000000" pitchFamily="18" charset="-120"/>
+                <a:ea typeface="新細明體" panose="02020500000000000000" pitchFamily="18" charset="-120"/>
+              </a:rPr>
+              <a:t>)</a:t>
             </a:r>
             <a:r>
               <a:rPr kumimoji="0" lang="zh-TW" altLang="zh-TW" sz="2000" b="0" i="0" u="none" strike="noStrike" cap="none" normalizeH="0" baseline="0" dirty="0">
@@ -14137,7 +14694,7 @@
             </a:r>
             <a:r>
               <a:rPr lang="zh-TW" altLang="en-US" sz="2400" dirty="0"/>
-              <a:t>檢查是否達到最佳解或達到最佳次數</a:t>
+              <a:t>檢查是否達到最佳解或達到迭代上限</a:t>
             </a:r>
             <a:r>
               <a:rPr lang="en-US" altLang="zh-TW" sz="2400" dirty="0"/>
@@ -14515,8 +15072,8 @@
         </p:nvSpPr>
         <p:spPr>
           <a:xfrm>
-            <a:off x="827249" y="1786399"/>
-            <a:ext cx="5468049" cy="2308324"/>
+            <a:off x="767446" y="1786399"/>
+            <a:ext cx="5582604" cy="4524315"/>
           </a:xfrm>
           <a:prstGeom prst="rect">
             <a:avLst/>
@@ -14535,7 +15092,7 @@
             </a:pPr>
             <a:r>
               <a:rPr lang="en-US" altLang="zh-TW" sz="2400" dirty="0"/>
-              <a:t>Cities = 10 </a:t>
+              <a:t>Given a group of cities an their location, find the shortest route to visit each city and back to the origin city.</a:t>
             </a:r>
           </a:p>
           <a:p>
@@ -14543,10 +15100,7 @@
               <a:buFont typeface="Arial" panose="020B0604020202020204" pitchFamily="34" charset="0"/>
               <a:buChar char="•"/>
             </a:pPr>
-            <a:r>
-              <a:rPr lang="en-US" altLang="zh-TW" sz="2400" dirty="0"/>
-              <a:t>Permutation = 10!</a:t>
-            </a:r>
+            <a:endParaRPr lang="en-US" altLang="zh-TW" sz="2400" dirty="0"/>
           </a:p>
           <a:p>
             <a:pPr marL="342900" indent="-342900">
@@ -14555,15 +15109,7 @@
             </a:pPr>
             <a:r>
               <a:rPr lang="en-US" altLang="zh-TW" sz="2400" dirty="0"/>
-              <a:t>Number of Bees = 3*cities</a:t>
-            </a:r>
-            <a:r>
-              <a:rPr lang="zh-TW" altLang="en-US" sz="2400" dirty="0"/>
-              <a:t> </a:t>
-            </a:r>
-            <a:r>
-              <a:rPr lang="en-US" altLang="zh-TW" sz="2400" dirty="0"/>
-              <a:t>=30</a:t>
+              <a:t>Cities = 10 </a:t>
             </a:r>
           </a:p>
           <a:p>
@@ -14573,6 +15119,51 @@
             </a:pPr>
             <a:r>
               <a:rPr lang="en-US" altLang="zh-TW" sz="2400" dirty="0"/>
+              <a:t>Permutation = 10! = 3628800</a:t>
+            </a:r>
+          </a:p>
+          <a:p>
+            <a:pPr marL="342900" indent="-342900">
+              <a:buFont typeface="Arial" panose="020B0604020202020204" pitchFamily="34" charset="0"/>
+              <a:buChar char="•"/>
+            </a:pPr>
+            <a:endParaRPr lang="en-US" altLang="zh-TW" sz="2400" dirty="0"/>
+          </a:p>
+          <a:p>
+            <a:pPr marL="342900" indent="-342900">
+              <a:buFont typeface="Arial" panose="020B0604020202020204" pitchFamily="34" charset="0"/>
+              <a:buChar char="•"/>
+            </a:pPr>
+            <a:r>
+              <a:rPr lang="en-US" altLang="zh-TW" sz="2400" dirty="0"/>
+              <a:t>Parameter:</a:t>
+            </a:r>
+          </a:p>
+          <a:p>
+            <a:pPr marL="800100" lvl="1" indent="-342900">
+              <a:buFont typeface="Arial" panose="020B0604020202020204" pitchFamily="34" charset="0"/>
+              <a:buChar char="•"/>
+            </a:pPr>
+            <a:r>
+              <a:rPr lang="en-US" altLang="zh-TW" sz="2400" dirty="0"/>
+              <a:t>Number of Bees = 3*cities</a:t>
+            </a:r>
+            <a:r>
+              <a:rPr lang="zh-TW" altLang="en-US" sz="2400" dirty="0"/>
+              <a:t> </a:t>
+            </a:r>
+            <a:r>
+              <a:rPr lang="en-US" altLang="zh-TW" sz="2400" dirty="0"/>
+              <a:t>=30</a:t>
+            </a:r>
+          </a:p>
+          <a:p>
+            <a:pPr marL="800100" lvl="1" indent="-342900">
+              <a:buFont typeface="Arial" panose="020B0604020202020204" pitchFamily="34" charset="0"/>
+              <a:buChar char="•"/>
+            </a:pPr>
+            <a:r>
+              <a:rPr lang="en-US" altLang="zh-TW" sz="2400" dirty="0"/>
               <a:t>Scout Threshold = </a:t>
             </a:r>
           </a:p>
@@ -14583,7 +15174,7 @@
             </a:r>
             <a:r>
               <a:rPr lang="en-US" altLang="zh-TW" sz="2400" dirty="0"/>
-              <a:t>Number of Bees /2</a:t>
+              <a:t>	Number of Bees /2</a:t>
             </a:r>
             <a:r>
               <a:rPr lang="zh-TW" altLang="en-US" sz="2400" dirty="0"/>
@@ -14603,7 +15194,7 @@
             </a:r>
           </a:p>
           <a:p>
-            <a:pPr marL="342900" indent="-342900">
+            <a:pPr marL="800100" lvl="1" indent="-342900">
               <a:buFont typeface="Arial" panose="020B0604020202020204" pitchFamily="34" charset="0"/>
               <a:buChar char="•"/>
             </a:pPr>
@@ -14643,8 +15234,8 @@
         </p:blipFill>
         <p:spPr bwMode="auto">
           <a:xfrm>
-            <a:off x="6096001" y="1502019"/>
-            <a:ext cx="5468048" cy="4278567"/>
+            <a:off x="6350050" y="1786399"/>
+            <a:ext cx="5311914" cy="4156397"/>
           </a:xfrm>
           <a:prstGeom prst="rect">
             <a:avLst/>
@@ -14732,8 +15323,8 @@
           </a:p>
         </p:txBody>
       </p:sp>
-      <mc:AlternateContent xmlns:mc="http://schemas.openxmlformats.org/markup-compatibility/2006">
-        <mc:Choice xmlns:a14="http://schemas.microsoft.com/office/drawing/2010/main" Requires="a14">
+      <mc:AlternateContent xmlns:mc="http://schemas.openxmlformats.org/markup-compatibility/2006" xmlns:a14="http://schemas.microsoft.com/office/drawing/2010/main">
+        <mc:Choice Requires="a14">
           <p:sp>
             <p:nvSpPr>
               <p:cNvPr id="3" name="內容版面配置區 2">
@@ -14956,7 +15547,7 @@
             </p:txBody>
           </p:sp>
         </mc:Choice>
-        <mc:Fallback>
+        <mc:Fallback xmlns="">
           <p:sp>
             <p:nvSpPr>
               <p:cNvPr id="3" name="內容版面配置區 2">
@@ -15370,7 +15961,7 @@
         </p:nvSpPr>
         <p:spPr>
           <a:xfrm>
-            <a:off x="838200" y="1597051"/>
+            <a:off x="838200" y="1564049"/>
             <a:ext cx="5257800" cy="4790083"/>
           </a:xfrm>
         </p:spPr>
@@ -15398,20 +15989,43 @@
             </a:r>
           </a:p>
           <a:p>
-            <a:endParaRPr lang="en-US" altLang="zh-TW" dirty="0"/>
-          </a:p>
-          <a:p>
             <a:r>
               <a:rPr lang="en-US" altLang="zh-TW" dirty="0"/>
               <a:t>Ex. Bee1’s new route</a:t>
             </a:r>
+          </a:p>
+          <a:p>
             <a:endParaRPr lang="en-US" altLang="zh-TW" sz="1800" dirty="0"/>
           </a:p>
           <a:p>
             <a:pPr lvl="1"/>
             <a:r>
               <a:rPr lang="en-US" altLang="zh-TW" sz="2000" dirty="0"/>
-              <a:t>[A, E, F, K, B, J, C, I, H, D , G , L ]</a:t>
+              <a:t>[A, E, F, K, B, J, C, </a:t>
+            </a:r>
+            <a:r>
+              <a:rPr lang="en-US" altLang="zh-TW" sz="2000" dirty="0">
+                <a:solidFill>
+                  <a:srgbClr val="FF0000"/>
+                </a:solidFill>
+              </a:rPr>
+              <a:t>I</a:t>
+            </a:r>
+            <a:r>
+              <a:rPr lang="en-US" altLang="zh-TW" sz="2000" dirty="0"/>
+              <a:t>, H, </a:t>
+            </a:r>
+            <a:r>
+              <a:rPr lang="en-US" altLang="zh-TW" sz="2000" dirty="0">
+                <a:solidFill>
+                  <a:srgbClr val="FF0000"/>
+                </a:solidFill>
+              </a:rPr>
+              <a:t>D</a:t>
+            </a:r>
+            <a:r>
+              <a:rPr lang="en-US" altLang="zh-TW" sz="2000" dirty="0"/>
+              <a:t> , G , L ]</a:t>
             </a:r>
           </a:p>
           <a:p>
@@ -15585,6 +16199,65 @@
           </a:p>
         </p:txBody>
       </p:sp>
+      <p:sp>
+        <p:nvSpPr>
+          <p:cNvPr id="3" name="箭號: 圓形 2">
+            <a:extLst>
+              <a:ext uri="{FF2B5EF4-FFF2-40B4-BE49-F238E27FC236}">
+                <a16:creationId xmlns:a16="http://schemas.microsoft.com/office/drawing/2014/main" id="{F8688621-FC56-4AC8-BE3B-60B0D0DF93DC}"/>
+              </a:ext>
+            </a:extLst>
+          </p:cNvPr>
+          <p:cNvSpPr/>
+          <p:nvPr/>
+        </p:nvSpPr>
+        <p:spPr>
+          <a:xfrm>
+            <a:off x="3346445" y="4350625"/>
+            <a:ext cx="630115" cy="800100"/>
+          </a:xfrm>
+          <a:prstGeom prst="circularArrow">
+            <a:avLst>
+              <a:gd name="adj1" fmla="val 4243"/>
+              <a:gd name="adj2" fmla="val 1142319"/>
+              <a:gd name="adj3" fmla="val 20457680"/>
+              <a:gd name="adj4" fmla="val 10800000"/>
+              <a:gd name="adj5" fmla="val 12500"/>
+            </a:avLst>
+          </a:prstGeom>
+          <a:solidFill>
+            <a:srgbClr val="FF0000"/>
+          </a:solidFill>
+        </p:spPr>
+        <p:style>
+          <a:lnRef idx="2">
+            <a:schemeClr val="accent1">
+              <a:shade val="50000"/>
+            </a:schemeClr>
+          </a:lnRef>
+          <a:fillRef idx="1">
+            <a:schemeClr val="accent1"/>
+          </a:fillRef>
+          <a:effectRef idx="0">
+            <a:schemeClr val="accent1"/>
+          </a:effectRef>
+          <a:fontRef idx="minor">
+            <a:schemeClr val="lt1"/>
+          </a:fontRef>
+        </p:style>
+        <p:txBody>
+          <a:bodyPr rtlCol="0" anchor="ctr"/>
+          <a:lstStyle/>
+          <a:p>
+            <a:pPr algn="ctr"/>
+            <a:endParaRPr lang="zh-TW" altLang="en-US">
+              <a:solidFill>
+                <a:schemeClr val="tx1"/>
+              </a:solidFill>
+            </a:endParaRPr>
+          </a:p>
+        </p:txBody>
+      </p:sp>
     </p:spTree>
     <p:extLst>
       <p:ext uri="{BB962C8B-B14F-4D97-AF65-F5344CB8AC3E}">
@@ -15599,6 +16272,1265 @@
 </file>
 
 <file path=ppt/slides/slide34.xml><?xml version="1.0" encoding="utf-8"?>
+<p:sld xmlns:a="http://schemas.openxmlformats.org/drawingml/2006/main" xmlns:r="http://schemas.openxmlformats.org/officeDocument/2006/relationships" xmlns:p="http://schemas.openxmlformats.org/presentationml/2006/main">
+  <p:cSld>
+    <p:spTree>
+      <p:nvGrpSpPr>
+        <p:cNvPr id="1" name=""/>
+        <p:cNvGrpSpPr/>
+        <p:nvPr/>
+      </p:nvGrpSpPr>
+      <p:grpSpPr>
+        <a:xfrm>
+          <a:off x="0" y="0"/>
+          <a:ext cx="0" cy="0"/>
+          <a:chOff x="0" y="0"/>
+          <a:chExt cx="0" cy="0"/>
+        </a:xfrm>
+      </p:grpSpPr>
+      <p:sp>
+        <p:nvSpPr>
+          <p:cNvPr id="2" name="標題 1">
+            <a:extLst>
+              <a:ext uri="{FF2B5EF4-FFF2-40B4-BE49-F238E27FC236}">
+                <a16:creationId xmlns:a16="http://schemas.microsoft.com/office/drawing/2014/main" id="{A4D3289F-CAAC-4CAE-9DEA-6794C5EDB77E}"/>
+              </a:ext>
+            </a:extLst>
+          </p:cNvPr>
+          <p:cNvSpPr>
+            <a:spLocks noGrp="1"/>
+          </p:cNvSpPr>
+          <p:nvPr>
+            <p:ph type="title"/>
+          </p:nvPr>
+        </p:nvSpPr>
+        <p:spPr/>
+        <p:txBody>
+          <a:bodyPr/>
+          <a:lstStyle/>
+          <a:p>
+            <a:r>
+              <a:rPr lang="en-US" altLang="zh-TW" dirty="0"/>
+              <a:t>More example</a:t>
+            </a:r>
+            <a:endParaRPr lang="zh-TW" altLang="en-US" dirty="0"/>
+          </a:p>
+        </p:txBody>
+      </p:sp>
+      <p:graphicFrame>
+        <p:nvGraphicFramePr>
+          <p:cNvPr id="4" name="內容版面配置區 3">
+            <a:extLst>
+              <a:ext uri="{FF2B5EF4-FFF2-40B4-BE49-F238E27FC236}">
+                <a16:creationId xmlns:a16="http://schemas.microsoft.com/office/drawing/2014/main" id="{350B2F88-4DFF-41A7-A916-41A53E0CBEE1}"/>
+              </a:ext>
+            </a:extLst>
+          </p:cNvPr>
+          <p:cNvGraphicFramePr>
+            <a:graphicFrameLocks noGrp="1"/>
+          </p:cNvGraphicFramePr>
+          <p:nvPr>
+            <p:ph idx="1"/>
+            <p:extLst>
+              <p:ext uri="{D42A27DB-BD31-4B8C-83A1-F6EECF244321}">
+                <p14:modId xmlns:p14="http://schemas.microsoft.com/office/powerpoint/2010/main" val="2008953258"/>
+              </p:ext>
+            </p:extLst>
+          </p:nvPr>
+        </p:nvGraphicFramePr>
+        <p:xfrm>
+          <a:off x="838200" y="1825625"/>
+          <a:ext cx="10236196" cy="2933700"/>
+        </p:xfrm>
+        <a:graphic>
+          <a:graphicData uri="http://schemas.openxmlformats.org/drawingml/2006/table">
+            <a:tbl>
+              <a:tblPr>
+                <a:tableStyleId>{5940675A-B579-460E-94D1-54222C63F5DA}</a:tableStyleId>
+              </a:tblPr>
+              <a:tblGrid>
+                <a:gridCol w="817416">
+                  <a:extLst>
+                    <a:ext uri="{9D8B030D-6E8A-4147-A177-3AD203B41FA5}">
+                      <a16:colId xmlns:a16="http://schemas.microsoft.com/office/drawing/2014/main" val="2608290962"/>
+                    </a:ext>
+                  </a:extLst>
+                </a:gridCol>
+                <a:gridCol w="2825146">
+                  <a:extLst>
+                    <a:ext uri="{9D8B030D-6E8A-4147-A177-3AD203B41FA5}">
+                      <a16:colId xmlns:a16="http://schemas.microsoft.com/office/drawing/2014/main" val="2409740040"/>
+                    </a:ext>
+                  </a:extLst>
+                </a:gridCol>
+                <a:gridCol w="1775948">
+                  <a:extLst>
+                    <a:ext uri="{9D8B030D-6E8A-4147-A177-3AD203B41FA5}">
+                      <a16:colId xmlns:a16="http://schemas.microsoft.com/office/drawing/2014/main" val="3540324329"/>
+                    </a:ext>
+                  </a:extLst>
+                </a:gridCol>
+                <a:gridCol w="2825146">
+                  <a:extLst>
+                    <a:ext uri="{9D8B030D-6E8A-4147-A177-3AD203B41FA5}">
+                      <a16:colId xmlns:a16="http://schemas.microsoft.com/office/drawing/2014/main" val="1170924519"/>
+                    </a:ext>
+                  </a:extLst>
+                </a:gridCol>
+                <a:gridCol w="1070546">
+                  <a:extLst>
+                    <a:ext uri="{9D8B030D-6E8A-4147-A177-3AD203B41FA5}">
+                      <a16:colId xmlns:a16="http://schemas.microsoft.com/office/drawing/2014/main" val="1720377609"/>
+                    </a:ext>
+                  </a:extLst>
+                </a:gridCol>
+                <a:gridCol w="921994">
+                  <a:extLst>
+                    <a:ext uri="{9D8B030D-6E8A-4147-A177-3AD203B41FA5}">
+                      <a16:colId xmlns:a16="http://schemas.microsoft.com/office/drawing/2014/main" val="3851763855"/>
+                    </a:ext>
+                  </a:extLst>
+                </a:gridCol>
+              </a:tblGrid>
+              <a:tr h="419100">
+                <a:tc>
+                  <a:txBody>
+                    <a:bodyPr/>
+                    <a:lstStyle/>
+                    <a:p>
+                      <a:pPr algn="ctr" fontAlgn="ctr"/>
+                      <a:r>
+                        <a:rPr lang="en-US" sz="1600" u="none" strike="noStrike" dirty="0">
+                          <a:effectLst/>
+                        </a:rPr>
+                        <a:t>Bee ID</a:t>
+                      </a:r>
+                      <a:endParaRPr lang="en-US" sz="1600" b="1" i="0" u="none" strike="noStrike" dirty="0">
+                        <a:solidFill>
+                          <a:srgbClr val="000000"/>
+                        </a:solidFill>
+                        <a:effectLst/>
+                        <a:latin typeface="新細明體" panose="02020500000000000000" pitchFamily="18" charset="-120"/>
+                        <a:ea typeface="新細明體" panose="02020500000000000000" pitchFamily="18" charset="-120"/>
+                      </a:endParaRPr>
+                    </a:p>
+                  </a:txBody>
+                  <a:tcPr marL="9525" marR="9525" marT="9525" marB="0" anchor="ctr">
+                    <a:solidFill>
+                      <a:schemeClr val="accent1">
+                        <a:lumMod val="40000"/>
+                        <a:lumOff val="60000"/>
+                      </a:schemeClr>
+                    </a:solidFill>
+                  </a:tcPr>
+                </a:tc>
+                <a:tc>
+                  <a:txBody>
+                    <a:bodyPr/>
+                    <a:lstStyle/>
+                    <a:p>
+                      <a:pPr algn="ctr" fontAlgn="ctr"/>
+                      <a:r>
+                        <a:rPr lang="en-US" sz="1600" u="none" strike="noStrike" dirty="0">
+                          <a:effectLst/>
+                        </a:rPr>
+                        <a:t>Current Route</a:t>
+                      </a:r>
+                      <a:endParaRPr lang="en-US" sz="1600" b="1" i="0" u="none" strike="noStrike" dirty="0">
+                        <a:solidFill>
+                          <a:srgbClr val="000000"/>
+                        </a:solidFill>
+                        <a:effectLst/>
+                        <a:latin typeface="新細明體" panose="02020500000000000000" pitchFamily="18" charset="-120"/>
+                        <a:ea typeface="新細明體" panose="02020500000000000000" pitchFamily="18" charset="-120"/>
+                      </a:endParaRPr>
+                    </a:p>
+                  </a:txBody>
+                  <a:tcPr marL="9525" marR="9525" marT="9525" marB="0" anchor="ctr">
+                    <a:solidFill>
+                      <a:schemeClr val="accent1">
+                        <a:lumMod val="40000"/>
+                        <a:lumOff val="60000"/>
+                      </a:schemeClr>
+                    </a:solidFill>
+                  </a:tcPr>
+                </a:tc>
+                <a:tc>
+                  <a:txBody>
+                    <a:bodyPr/>
+                    <a:lstStyle/>
+                    <a:p>
+                      <a:pPr algn="ctr" fontAlgn="ctr"/>
+                      <a:r>
+                        <a:rPr lang="en-US" sz="1600" u="none" strike="noStrike" dirty="0">
+                          <a:effectLst/>
+                        </a:rPr>
+                        <a:t>Current Fitness</a:t>
+                      </a:r>
+                      <a:endParaRPr lang="en-US" sz="1600" b="1" i="0" u="none" strike="noStrike" dirty="0">
+                        <a:solidFill>
+                          <a:srgbClr val="000000"/>
+                        </a:solidFill>
+                        <a:effectLst/>
+                        <a:latin typeface="新細明體" panose="02020500000000000000" pitchFamily="18" charset="-120"/>
+                        <a:ea typeface="新細明體" panose="02020500000000000000" pitchFamily="18" charset="-120"/>
+                      </a:endParaRPr>
+                    </a:p>
+                  </a:txBody>
+                  <a:tcPr marL="9525" marR="9525" marT="9525" marB="0" anchor="ctr">
+                    <a:solidFill>
+                      <a:schemeClr val="accent1">
+                        <a:lumMod val="40000"/>
+                        <a:lumOff val="60000"/>
+                      </a:schemeClr>
+                    </a:solidFill>
+                  </a:tcPr>
+                </a:tc>
+                <a:tc>
+                  <a:txBody>
+                    <a:bodyPr/>
+                    <a:lstStyle/>
+                    <a:p>
+                      <a:pPr algn="ctr" fontAlgn="ctr"/>
+                      <a:r>
+                        <a:rPr lang="en-US" sz="1600" u="none" strike="noStrike" dirty="0">
+                          <a:effectLst/>
+                        </a:rPr>
+                        <a:t>New Route</a:t>
+                      </a:r>
+                      <a:endParaRPr lang="en-US" sz="1600" b="1" i="0" u="none" strike="noStrike" dirty="0">
+                        <a:solidFill>
+                          <a:srgbClr val="000000"/>
+                        </a:solidFill>
+                        <a:effectLst/>
+                        <a:latin typeface="新細明體" panose="02020500000000000000" pitchFamily="18" charset="-120"/>
+                        <a:ea typeface="新細明體" panose="02020500000000000000" pitchFamily="18" charset="-120"/>
+                      </a:endParaRPr>
+                    </a:p>
+                  </a:txBody>
+                  <a:tcPr marL="9525" marR="9525" marT="9525" marB="0" anchor="ctr">
+                    <a:solidFill>
+                      <a:schemeClr val="accent1">
+                        <a:lumMod val="40000"/>
+                        <a:lumOff val="60000"/>
+                      </a:schemeClr>
+                    </a:solidFill>
+                  </a:tcPr>
+                </a:tc>
+                <a:tc>
+                  <a:txBody>
+                    <a:bodyPr/>
+                    <a:lstStyle/>
+                    <a:p>
+                      <a:pPr algn="ctr" fontAlgn="ctr"/>
+                      <a:r>
+                        <a:rPr lang="en-US" sz="1600" u="none" strike="noStrike" dirty="0">
+                          <a:effectLst/>
+                        </a:rPr>
+                        <a:t>New Fitness</a:t>
+                      </a:r>
+                      <a:endParaRPr lang="en-US" sz="1600" b="1" i="0" u="none" strike="noStrike" dirty="0">
+                        <a:solidFill>
+                          <a:srgbClr val="000000"/>
+                        </a:solidFill>
+                        <a:effectLst/>
+                        <a:latin typeface="新細明體" panose="02020500000000000000" pitchFamily="18" charset="-120"/>
+                        <a:ea typeface="新細明體" panose="02020500000000000000" pitchFamily="18" charset="-120"/>
+                      </a:endParaRPr>
+                    </a:p>
+                  </a:txBody>
+                  <a:tcPr marL="9525" marR="9525" marT="9525" marB="0" anchor="ctr">
+                    <a:solidFill>
+                      <a:schemeClr val="accent1">
+                        <a:lumMod val="40000"/>
+                        <a:lumOff val="60000"/>
+                      </a:schemeClr>
+                    </a:solidFill>
+                  </a:tcPr>
+                </a:tc>
+                <a:tc>
+                  <a:txBody>
+                    <a:bodyPr/>
+                    <a:lstStyle/>
+                    <a:p>
+                      <a:pPr algn="ctr" fontAlgn="ctr"/>
+                      <a:r>
+                        <a:rPr lang="en-US" sz="1600" u="none" strike="noStrike" dirty="0">
+                          <a:effectLst/>
+                        </a:rPr>
+                        <a:t>Update</a:t>
+                      </a:r>
+                      <a:endParaRPr lang="en-US" sz="1600" b="1" i="0" u="none" strike="noStrike" dirty="0">
+                        <a:solidFill>
+                          <a:srgbClr val="000000"/>
+                        </a:solidFill>
+                        <a:effectLst/>
+                        <a:latin typeface="新細明體" panose="02020500000000000000" pitchFamily="18" charset="-120"/>
+                        <a:ea typeface="新細明體" panose="02020500000000000000" pitchFamily="18" charset="-120"/>
+                      </a:endParaRPr>
+                    </a:p>
+                  </a:txBody>
+                  <a:tcPr marL="9525" marR="9525" marT="9525" marB="0" anchor="ctr">
+                    <a:solidFill>
+                      <a:schemeClr val="accent1">
+                        <a:lumMod val="40000"/>
+                        <a:lumOff val="60000"/>
+                      </a:schemeClr>
+                    </a:solidFill>
+                  </a:tcPr>
+                </a:tc>
+                <a:extLst>
+                  <a:ext uri="{0D108BD9-81ED-4DB2-BD59-A6C34878D82A}">
+                    <a16:rowId xmlns:a16="http://schemas.microsoft.com/office/drawing/2014/main" val="741813270"/>
+                  </a:ext>
+                </a:extLst>
+              </a:tr>
+              <a:tr h="628650">
+                <a:tc>
+                  <a:txBody>
+                    <a:bodyPr/>
+                    <a:lstStyle/>
+                    <a:p>
+                      <a:pPr algn="ctr" fontAlgn="ctr"/>
+                      <a:r>
+                        <a:rPr lang="en-US" sz="1600" u="none" strike="noStrike">
+                          <a:effectLst/>
+                        </a:rPr>
+                        <a:t>Bee 2</a:t>
+                      </a:r>
+                      <a:endParaRPr lang="en-US" sz="1600" b="0" i="0" u="none" strike="noStrike">
+                        <a:solidFill>
+                          <a:srgbClr val="000000"/>
+                        </a:solidFill>
+                        <a:effectLst/>
+                        <a:latin typeface="新細明體" panose="02020500000000000000" pitchFamily="18" charset="-120"/>
+                        <a:ea typeface="新細明體" panose="02020500000000000000" pitchFamily="18" charset="-120"/>
+                      </a:endParaRPr>
+                    </a:p>
+                  </a:txBody>
+                  <a:tcPr marL="9525" marR="9525" marT="9525" marB="0" anchor="ctr"/>
+                </a:tc>
+                <a:tc>
+                  <a:txBody>
+                    <a:bodyPr/>
+                    <a:lstStyle/>
+                    <a:p>
+                      <a:pPr algn="ctr" fontAlgn="ctr"/>
+                      <a:r>
+                        <a:rPr lang="pt-BR" altLang="zh-TW" sz="1600" u="none" strike="noStrike" dirty="0">
+                          <a:effectLst/>
+                        </a:rPr>
+                        <a:t>A, I, K, H, B, E , </a:t>
+                      </a:r>
+                      <a:r>
+                        <a:rPr lang="en-US" altLang="zh-TW" sz="1600" u="none" strike="noStrike" dirty="0">
+                          <a:effectLst/>
+                        </a:rPr>
+                        <a:t>J</a:t>
+                      </a:r>
+                      <a:r>
+                        <a:rPr lang="pt-BR" altLang="zh-TW" sz="1600" u="none" strike="noStrike" dirty="0">
+                          <a:effectLst/>
+                        </a:rPr>
+                        <a:t>, D, F, G, C, L</a:t>
+                      </a:r>
+                      <a:endParaRPr lang="pt-BR" altLang="zh-TW" sz="1600" b="0" i="0" u="none" strike="noStrike" dirty="0">
+                        <a:solidFill>
+                          <a:srgbClr val="000000"/>
+                        </a:solidFill>
+                        <a:effectLst/>
+                        <a:latin typeface="新細明體" panose="02020500000000000000" pitchFamily="18" charset="-120"/>
+                        <a:ea typeface="+mn-ea"/>
+                      </a:endParaRPr>
+                    </a:p>
+                  </a:txBody>
+                  <a:tcPr marL="9525" marR="9525" marT="9525" marB="0" anchor="ctr"/>
+                </a:tc>
+                <a:tc>
+                  <a:txBody>
+                    <a:bodyPr/>
+                    <a:lstStyle/>
+                    <a:p>
+                      <a:pPr algn="ctr" fontAlgn="ctr"/>
+                      <a:r>
+                        <a:rPr lang="en-US" altLang="zh-TW" sz="1600" u="none" strike="noStrike" dirty="0">
+                          <a:effectLst/>
+                        </a:rPr>
+                        <a:t>0.001735</a:t>
+                      </a:r>
+                      <a:endParaRPr lang="en-US" altLang="zh-TW" sz="1600" b="0" i="0" u="none" strike="noStrike" dirty="0">
+                        <a:solidFill>
+                          <a:srgbClr val="000000"/>
+                        </a:solidFill>
+                        <a:effectLst/>
+                        <a:latin typeface="新細明體" panose="02020500000000000000" pitchFamily="18" charset="-120"/>
+                        <a:ea typeface="新細明體" panose="02020500000000000000" pitchFamily="18" charset="-120"/>
+                      </a:endParaRPr>
+                    </a:p>
+                  </a:txBody>
+                  <a:tcPr marL="9525" marR="9525" marT="9525" marB="0" anchor="ctr"/>
+                </a:tc>
+                <a:tc>
+                  <a:txBody>
+                    <a:bodyPr/>
+                    <a:lstStyle/>
+                    <a:p>
+                      <a:pPr algn="ctr" fontAlgn="ctr"/>
+                      <a:r>
+                        <a:rPr lang="pt-BR" altLang="zh-TW" sz="1600" u="none" strike="noStrike" dirty="0">
+                          <a:effectLst/>
+                        </a:rPr>
+                        <a:t>A, I, K, H, B, </a:t>
+                      </a:r>
+                      <a:r>
+                        <a:rPr lang="pt-BR" altLang="zh-TW" sz="1600" u="none" strike="noStrike" dirty="0">
+                          <a:solidFill>
+                            <a:srgbClr val="FF0000"/>
+                          </a:solidFill>
+                          <a:effectLst/>
+                        </a:rPr>
+                        <a:t>G</a:t>
+                      </a:r>
+                      <a:r>
+                        <a:rPr lang="pt-BR" altLang="zh-TW" sz="1600" u="none" strike="noStrike" dirty="0">
+                          <a:effectLst/>
+                        </a:rPr>
+                        <a:t> , </a:t>
+                      </a:r>
+                      <a:r>
+                        <a:rPr lang="en-US" altLang="zh-TW" sz="1600" u="none" strike="noStrike" dirty="0">
+                          <a:effectLst/>
+                        </a:rPr>
+                        <a:t>J</a:t>
+                      </a:r>
+                      <a:r>
+                        <a:rPr lang="pt-BR" altLang="zh-TW" sz="1600" u="none" strike="noStrike" dirty="0">
+                          <a:effectLst/>
+                        </a:rPr>
+                        <a:t>, D, F, </a:t>
+                      </a:r>
+                      <a:r>
+                        <a:rPr lang="pt-BR" altLang="zh-TW" sz="1600" u="none" strike="noStrike" dirty="0">
+                          <a:solidFill>
+                            <a:srgbClr val="FF0000"/>
+                          </a:solidFill>
+                          <a:effectLst/>
+                        </a:rPr>
+                        <a:t>E</a:t>
+                      </a:r>
+                      <a:r>
+                        <a:rPr lang="pt-BR" altLang="zh-TW" sz="1600" u="none" strike="noStrike" dirty="0">
+                          <a:effectLst/>
+                        </a:rPr>
+                        <a:t>, C, L</a:t>
+                      </a:r>
+                      <a:endParaRPr lang="pt-BR" altLang="zh-TW" sz="1600" b="0" i="0" u="none" strike="noStrike" dirty="0">
+                        <a:solidFill>
+                          <a:srgbClr val="000000"/>
+                        </a:solidFill>
+                        <a:effectLst/>
+                        <a:latin typeface="新細明體" panose="02020500000000000000" pitchFamily="18" charset="-120"/>
+                        <a:ea typeface="+mn-ea"/>
+                      </a:endParaRPr>
+                    </a:p>
+                  </a:txBody>
+                  <a:tcPr marL="9525" marR="9525" marT="9525" marB="0" anchor="ctr"/>
+                </a:tc>
+                <a:tc>
+                  <a:txBody>
+                    <a:bodyPr/>
+                    <a:lstStyle/>
+                    <a:p>
+                      <a:pPr algn="ctr" fontAlgn="ctr"/>
+                      <a:r>
+                        <a:rPr lang="en-US" altLang="zh-TW" sz="1600" u="none" strike="noStrike" dirty="0">
+                          <a:effectLst/>
+                        </a:rPr>
+                        <a:t>0.001578</a:t>
+                      </a:r>
+                      <a:endParaRPr lang="en-US" altLang="zh-TW" sz="1600" b="0" i="0" u="none" strike="noStrike" dirty="0">
+                        <a:solidFill>
+                          <a:srgbClr val="000000"/>
+                        </a:solidFill>
+                        <a:effectLst/>
+                        <a:latin typeface="新細明體" panose="02020500000000000000" pitchFamily="18" charset="-120"/>
+                        <a:ea typeface="新細明體" panose="02020500000000000000" pitchFamily="18" charset="-120"/>
+                      </a:endParaRPr>
+                    </a:p>
+                  </a:txBody>
+                  <a:tcPr marL="9525" marR="9525" marT="9525" marB="0" anchor="ctr"/>
+                </a:tc>
+                <a:tc>
+                  <a:txBody>
+                    <a:bodyPr/>
+                    <a:lstStyle/>
+                    <a:p>
+                      <a:pPr algn="ctr" fontAlgn="ctr"/>
+                      <a:r>
+                        <a:rPr lang="en-US" sz="1600" u="none" strike="noStrike" dirty="0">
+                          <a:effectLst/>
+                        </a:rPr>
+                        <a:t>Not updated</a:t>
+                      </a:r>
+                      <a:endParaRPr lang="en-US" sz="1600" b="0" i="0" u="none" strike="noStrike" dirty="0">
+                        <a:solidFill>
+                          <a:srgbClr val="000000"/>
+                        </a:solidFill>
+                        <a:effectLst/>
+                        <a:latin typeface="新細明體" panose="02020500000000000000" pitchFamily="18" charset="-120"/>
+                        <a:ea typeface="新細明體" panose="02020500000000000000" pitchFamily="18" charset="-120"/>
+                      </a:endParaRPr>
+                    </a:p>
+                  </a:txBody>
+                  <a:tcPr marL="9525" marR="9525" marT="9525" marB="0" anchor="ctr"/>
+                </a:tc>
+                <a:extLst>
+                  <a:ext uri="{0D108BD9-81ED-4DB2-BD59-A6C34878D82A}">
+                    <a16:rowId xmlns:a16="http://schemas.microsoft.com/office/drawing/2014/main" val="1843942492"/>
+                  </a:ext>
+                </a:extLst>
+              </a:tr>
+              <a:tr h="628650">
+                <a:tc>
+                  <a:txBody>
+                    <a:bodyPr/>
+                    <a:lstStyle/>
+                    <a:p>
+                      <a:pPr algn="ctr" fontAlgn="ctr"/>
+                      <a:r>
+                        <a:rPr lang="en-US" sz="1600" u="none" strike="noStrike">
+                          <a:effectLst/>
+                        </a:rPr>
+                        <a:t>Bee 3</a:t>
+                      </a:r>
+                      <a:endParaRPr lang="en-US" sz="1600" b="0" i="0" u="none" strike="noStrike">
+                        <a:solidFill>
+                          <a:srgbClr val="000000"/>
+                        </a:solidFill>
+                        <a:effectLst/>
+                        <a:latin typeface="新細明體" panose="02020500000000000000" pitchFamily="18" charset="-120"/>
+                        <a:ea typeface="新細明體" panose="02020500000000000000" pitchFamily="18" charset="-120"/>
+                      </a:endParaRPr>
+                    </a:p>
+                  </a:txBody>
+                  <a:tcPr marL="9525" marR="9525" marT="9525" marB="0" anchor="ctr"/>
+                </a:tc>
+                <a:tc>
+                  <a:txBody>
+                    <a:bodyPr/>
+                    <a:lstStyle/>
+                    <a:p>
+                      <a:pPr algn="ctr" fontAlgn="ctr"/>
+                      <a:r>
+                        <a:rPr lang="en-US" sz="1600" u="none" strike="noStrike" dirty="0">
+                          <a:effectLst/>
+                        </a:rPr>
+                        <a:t>A, J, F, D, I, E, K, B, G, C,  H, L</a:t>
+                      </a:r>
+                      <a:endParaRPr lang="en-US" sz="1600" b="0" i="0" u="none" strike="noStrike" dirty="0">
+                        <a:solidFill>
+                          <a:srgbClr val="000000"/>
+                        </a:solidFill>
+                        <a:effectLst/>
+                        <a:latin typeface="新細明體" panose="02020500000000000000" pitchFamily="18" charset="-120"/>
+                        <a:ea typeface="新細明體" panose="02020500000000000000" pitchFamily="18" charset="-120"/>
+                      </a:endParaRPr>
+                    </a:p>
+                  </a:txBody>
+                  <a:tcPr marL="9525" marR="9525" marT="9525" marB="0" anchor="ctr"/>
+                </a:tc>
+                <a:tc>
+                  <a:txBody>
+                    <a:bodyPr/>
+                    <a:lstStyle/>
+                    <a:p>
+                      <a:pPr algn="ctr" fontAlgn="ctr"/>
+                      <a:r>
+                        <a:rPr lang="en-US" altLang="zh-TW" sz="1600" u="none" strike="noStrike" dirty="0">
+                          <a:effectLst/>
+                        </a:rPr>
+                        <a:t>0.002106</a:t>
+                      </a:r>
+                      <a:endParaRPr lang="en-US" altLang="zh-TW" sz="1600" b="0" i="0" u="none" strike="noStrike" dirty="0">
+                        <a:solidFill>
+                          <a:srgbClr val="000000"/>
+                        </a:solidFill>
+                        <a:effectLst/>
+                        <a:latin typeface="新細明體" panose="02020500000000000000" pitchFamily="18" charset="-120"/>
+                        <a:ea typeface="新細明體" panose="02020500000000000000" pitchFamily="18" charset="-120"/>
+                      </a:endParaRPr>
+                    </a:p>
+                  </a:txBody>
+                  <a:tcPr marL="9525" marR="9525" marT="9525" marB="0" anchor="ctr"/>
+                </a:tc>
+                <a:tc>
+                  <a:txBody>
+                    <a:bodyPr/>
+                    <a:lstStyle/>
+                    <a:p>
+                      <a:pPr algn="ctr" fontAlgn="ctr"/>
+                      <a:r>
+                        <a:rPr lang="en-US" sz="1600" u="none" strike="noStrike" dirty="0">
+                          <a:effectLst/>
+                        </a:rPr>
+                        <a:t>A, J, F, D, </a:t>
+                      </a:r>
+                      <a:r>
+                        <a:rPr lang="en-US" sz="1600" u="none" strike="noStrike" dirty="0">
+                          <a:solidFill>
+                            <a:srgbClr val="FF0000"/>
+                          </a:solidFill>
+                          <a:effectLst/>
+                        </a:rPr>
+                        <a:t>H</a:t>
+                      </a:r>
+                      <a:r>
+                        <a:rPr lang="en-US" sz="1600" u="none" strike="noStrike" dirty="0">
+                          <a:effectLst/>
+                        </a:rPr>
+                        <a:t>, E, K, B, G, C,  </a:t>
+                      </a:r>
+                      <a:r>
+                        <a:rPr lang="en-US" sz="1600" u="none" strike="noStrike" dirty="0">
+                          <a:solidFill>
+                            <a:srgbClr val="FF0000"/>
+                          </a:solidFill>
+                          <a:effectLst/>
+                        </a:rPr>
+                        <a:t>I</a:t>
+                      </a:r>
+                      <a:r>
+                        <a:rPr lang="en-US" sz="1600" u="none" strike="noStrike" dirty="0">
+                          <a:effectLst/>
+                        </a:rPr>
+                        <a:t>, L</a:t>
+                      </a:r>
+                      <a:endParaRPr lang="en-US" sz="1600" b="0" i="0" u="none" strike="noStrike" dirty="0">
+                        <a:solidFill>
+                          <a:srgbClr val="000000"/>
+                        </a:solidFill>
+                        <a:effectLst/>
+                        <a:latin typeface="新細明體" panose="02020500000000000000" pitchFamily="18" charset="-120"/>
+                        <a:ea typeface="新細明體" panose="02020500000000000000" pitchFamily="18" charset="-120"/>
+                      </a:endParaRPr>
+                    </a:p>
+                  </a:txBody>
+                  <a:tcPr marL="9525" marR="9525" marT="9525" marB="0" anchor="ctr"/>
+                </a:tc>
+                <a:tc>
+                  <a:txBody>
+                    <a:bodyPr/>
+                    <a:lstStyle/>
+                    <a:p>
+                      <a:pPr algn="ctr" fontAlgn="ctr"/>
+                      <a:r>
+                        <a:rPr lang="en-US" altLang="zh-TW" sz="1600" u="none" strike="noStrike" dirty="0">
+                          <a:effectLst/>
+                        </a:rPr>
+                        <a:t>0.002034</a:t>
+                      </a:r>
+                      <a:endParaRPr lang="en-US" altLang="zh-TW" sz="1600" b="0" i="0" u="none" strike="noStrike" dirty="0">
+                        <a:solidFill>
+                          <a:srgbClr val="000000"/>
+                        </a:solidFill>
+                        <a:effectLst/>
+                        <a:latin typeface="新細明體" panose="02020500000000000000" pitchFamily="18" charset="-120"/>
+                        <a:ea typeface="新細明體" panose="02020500000000000000" pitchFamily="18" charset="-120"/>
+                      </a:endParaRPr>
+                    </a:p>
+                  </a:txBody>
+                  <a:tcPr marL="9525" marR="9525" marT="9525" marB="0" anchor="ctr"/>
+                </a:tc>
+                <a:tc>
+                  <a:txBody>
+                    <a:bodyPr/>
+                    <a:lstStyle/>
+                    <a:p>
+                      <a:pPr algn="ctr" fontAlgn="ctr"/>
+                      <a:r>
+                        <a:rPr lang="en-US" sz="1600" u="none" strike="noStrike">
+                          <a:effectLst/>
+                        </a:rPr>
+                        <a:t>Not updated</a:t>
+                      </a:r>
+                      <a:endParaRPr lang="en-US" sz="1600" b="0" i="0" u="none" strike="noStrike">
+                        <a:solidFill>
+                          <a:srgbClr val="000000"/>
+                        </a:solidFill>
+                        <a:effectLst/>
+                        <a:latin typeface="新細明體" panose="02020500000000000000" pitchFamily="18" charset="-120"/>
+                        <a:ea typeface="新細明體" panose="02020500000000000000" pitchFamily="18" charset="-120"/>
+                      </a:endParaRPr>
+                    </a:p>
+                  </a:txBody>
+                  <a:tcPr marL="9525" marR="9525" marT="9525" marB="0" anchor="ctr"/>
+                </a:tc>
+                <a:extLst>
+                  <a:ext uri="{0D108BD9-81ED-4DB2-BD59-A6C34878D82A}">
+                    <a16:rowId xmlns:a16="http://schemas.microsoft.com/office/drawing/2014/main" val="4160119185"/>
+                  </a:ext>
+                </a:extLst>
+              </a:tr>
+              <a:tr h="628650">
+                <a:tc>
+                  <a:txBody>
+                    <a:bodyPr/>
+                    <a:lstStyle/>
+                    <a:p>
+                      <a:pPr algn="ctr" fontAlgn="ctr"/>
+                      <a:r>
+                        <a:rPr lang="en-US" sz="1600" u="none" strike="noStrike">
+                          <a:effectLst/>
+                        </a:rPr>
+                        <a:t>Bee 4</a:t>
+                      </a:r>
+                      <a:endParaRPr lang="en-US" sz="1600" b="0" i="0" u="none" strike="noStrike">
+                        <a:solidFill>
+                          <a:srgbClr val="000000"/>
+                        </a:solidFill>
+                        <a:effectLst/>
+                        <a:latin typeface="新細明體" panose="02020500000000000000" pitchFamily="18" charset="-120"/>
+                        <a:ea typeface="新細明體" panose="02020500000000000000" pitchFamily="18" charset="-120"/>
+                      </a:endParaRPr>
+                    </a:p>
+                  </a:txBody>
+                  <a:tcPr marL="9525" marR="9525" marT="9525" marB="0" anchor="ctr"/>
+                </a:tc>
+                <a:tc>
+                  <a:txBody>
+                    <a:bodyPr/>
+                    <a:lstStyle/>
+                    <a:p>
+                      <a:pPr algn="ctr" fontAlgn="ctr"/>
+                      <a:r>
+                        <a:rPr lang="pt-BR" sz="1600" u="none" strike="noStrike" dirty="0">
+                          <a:effectLst/>
+                        </a:rPr>
+                        <a:t>A, D, H, B, E, J, C, G, I, F, K, L</a:t>
+                      </a:r>
+                      <a:endParaRPr lang="pt-BR" sz="1600" b="0" i="0" u="none" strike="noStrike" dirty="0">
+                        <a:solidFill>
+                          <a:srgbClr val="000000"/>
+                        </a:solidFill>
+                        <a:effectLst/>
+                        <a:latin typeface="新細明體" panose="02020500000000000000" pitchFamily="18" charset="-120"/>
+                        <a:ea typeface="新細明體" panose="02020500000000000000" pitchFamily="18" charset="-120"/>
+                      </a:endParaRPr>
+                    </a:p>
+                  </a:txBody>
+                  <a:tcPr marL="9525" marR="9525" marT="9525" marB="0" anchor="ctr"/>
+                </a:tc>
+                <a:tc>
+                  <a:txBody>
+                    <a:bodyPr/>
+                    <a:lstStyle/>
+                    <a:p>
+                      <a:pPr algn="ctr" fontAlgn="ctr"/>
+                      <a:r>
+                        <a:rPr lang="en-US" altLang="zh-TW" sz="1600" u="none" strike="noStrike" dirty="0">
+                          <a:effectLst/>
+                        </a:rPr>
+                        <a:t>0.002039</a:t>
+                      </a:r>
+                      <a:endParaRPr lang="en-US" altLang="zh-TW" sz="1600" b="0" i="0" u="none" strike="noStrike" dirty="0">
+                        <a:solidFill>
+                          <a:srgbClr val="000000"/>
+                        </a:solidFill>
+                        <a:effectLst/>
+                        <a:latin typeface="新細明體" panose="02020500000000000000" pitchFamily="18" charset="-120"/>
+                        <a:ea typeface="新細明體" panose="02020500000000000000" pitchFamily="18" charset="-120"/>
+                      </a:endParaRPr>
+                    </a:p>
+                  </a:txBody>
+                  <a:tcPr marL="9525" marR="9525" marT="9525" marB="0" anchor="ctr"/>
+                </a:tc>
+                <a:tc>
+                  <a:txBody>
+                    <a:bodyPr/>
+                    <a:lstStyle/>
+                    <a:p>
+                      <a:pPr algn="ctr" fontAlgn="ctr"/>
+                      <a:r>
+                        <a:rPr lang="pt-BR" sz="1600" u="none" strike="noStrike" dirty="0">
+                          <a:effectLst/>
+                        </a:rPr>
+                        <a:t>A, D, H, </a:t>
+                      </a:r>
+                      <a:r>
+                        <a:rPr lang="pt-BR" sz="1600" u="none" strike="noStrike" dirty="0">
+                          <a:solidFill>
+                            <a:srgbClr val="FF0000"/>
+                          </a:solidFill>
+                          <a:effectLst/>
+                        </a:rPr>
+                        <a:t>C</a:t>
+                      </a:r>
+                      <a:r>
+                        <a:rPr lang="pt-BR" sz="1600" u="none" strike="noStrike" dirty="0">
+                          <a:effectLst/>
+                        </a:rPr>
+                        <a:t>, E, J, </a:t>
+                      </a:r>
+                      <a:r>
+                        <a:rPr lang="pt-BR" sz="1600" u="none" strike="noStrike" dirty="0">
+                          <a:solidFill>
+                            <a:srgbClr val="FF0000"/>
+                          </a:solidFill>
+                          <a:effectLst/>
+                        </a:rPr>
+                        <a:t>B</a:t>
+                      </a:r>
+                      <a:r>
+                        <a:rPr lang="pt-BR" sz="1600" u="none" strike="noStrike" dirty="0">
+                          <a:effectLst/>
+                        </a:rPr>
+                        <a:t>, G, I, F, K, L</a:t>
+                      </a:r>
+                      <a:endParaRPr lang="pt-BR" sz="1600" b="0" i="0" u="none" strike="noStrike" dirty="0">
+                        <a:solidFill>
+                          <a:srgbClr val="000000"/>
+                        </a:solidFill>
+                        <a:effectLst/>
+                        <a:latin typeface="新細明體" panose="02020500000000000000" pitchFamily="18" charset="-120"/>
+                        <a:ea typeface="新細明體" panose="02020500000000000000" pitchFamily="18" charset="-120"/>
+                      </a:endParaRPr>
+                    </a:p>
+                  </a:txBody>
+                  <a:tcPr marL="9525" marR="9525" marT="9525" marB="0" anchor="ctr"/>
+                </a:tc>
+                <a:tc>
+                  <a:txBody>
+                    <a:bodyPr/>
+                    <a:lstStyle/>
+                    <a:p>
+                      <a:pPr algn="ctr" fontAlgn="ctr"/>
+                      <a:r>
+                        <a:rPr lang="en-US" altLang="zh-TW" sz="1600" u="none" strike="noStrike" dirty="0">
+                          <a:effectLst/>
+                        </a:rPr>
+                        <a:t>0.001927</a:t>
+                      </a:r>
+                      <a:endParaRPr lang="en-US" altLang="zh-TW" sz="1600" b="0" i="0" u="none" strike="noStrike" dirty="0">
+                        <a:solidFill>
+                          <a:srgbClr val="000000"/>
+                        </a:solidFill>
+                        <a:effectLst/>
+                        <a:latin typeface="新細明體" panose="02020500000000000000" pitchFamily="18" charset="-120"/>
+                        <a:ea typeface="新細明體" panose="02020500000000000000" pitchFamily="18" charset="-120"/>
+                      </a:endParaRPr>
+                    </a:p>
+                  </a:txBody>
+                  <a:tcPr marL="9525" marR="9525" marT="9525" marB="0" anchor="ctr"/>
+                </a:tc>
+                <a:tc>
+                  <a:txBody>
+                    <a:bodyPr/>
+                    <a:lstStyle/>
+                    <a:p>
+                      <a:pPr algn="ctr" fontAlgn="ctr"/>
+                      <a:r>
+                        <a:rPr lang="en-US" sz="1600" u="none" strike="noStrike">
+                          <a:effectLst/>
+                        </a:rPr>
+                        <a:t>Not updated</a:t>
+                      </a:r>
+                      <a:endParaRPr lang="en-US" sz="1600" b="0" i="0" u="none" strike="noStrike">
+                        <a:solidFill>
+                          <a:srgbClr val="000000"/>
+                        </a:solidFill>
+                        <a:effectLst/>
+                        <a:latin typeface="新細明體" panose="02020500000000000000" pitchFamily="18" charset="-120"/>
+                        <a:ea typeface="新細明體" panose="02020500000000000000" pitchFamily="18" charset="-120"/>
+                      </a:endParaRPr>
+                    </a:p>
+                  </a:txBody>
+                  <a:tcPr marL="9525" marR="9525" marT="9525" marB="0" anchor="ctr"/>
+                </a:tc>
+                <a:extLst>
+                  <a:ext uri="{0D108BD9-81ED-4DB2-BD59-A6C34878D82A}">
+                    <a16:rowId xmlns:a16="http://schemas.microsoft.com/office/drawing/2014/main" val="1780394616"/>
+                  </a:ext>
+                </a:extLst>
+              </a:tr>
+              <a:tr h="628650">
+                <a:tc>
+                  <a:txBody>
+                    <a:bodyPr/>
+                    <a:lstStyle/>
+                    <a:p>
+                      <a:pPr algn="ctr" fontAlgn="ctr"/>
+                      <a:r>
+                        <a:rPr lang="en-US" sz="1600" u="none" strike="noStrike">
+                          <a:effectLst/>
+                        </a:rPr>
+                        <a:t>Bee 7</a:t>
+                      </a:r>
+                      <a:endParaRPr lang="en-US" sz="1600" b="0" i="0" u="none" strike="noStrike">
+                        <a:solidFill>
+                          <a:srgbClr val="000000"/>
+                        </a:solidFill>
+                        <a:effectLst/>
+                        <a:latin typeface="新細明體" panose="02020500000000000000" pitchFamily="18" charset="-120"/>
+                        <a:ea typeface="新細明體" panose="02020500000000000000" pitchFamily="18" charset="-120"/>
+                      </a:endParaRPr>
+                    </a:p>
+                  </a:txBody>
+                  <a:tcPr marL="9525" marR="9525" marT="9525" marB="0" anchor="ctr"/>
+                </a:tc>
+                <a:tc>
+                  <a:txBody>
+                    <a:bodyPr/>
+                    <a:lstStyle/>
+                    <a:p>
+                      <a:pPr algn="ctr" fontAlgn="ctr"/>
+                      <a:r>
+                        <a:rPr lang="pt-BR" sz="1600" u="none" strike="noStrike" dirty="0">
+                          <a:effectLst/>
+                        </a:rPr>
+                        <a:t>A, G, F, J, H, B, K, D, E, C, I, L</a:t>
+                      </a:r>
+                      <a:endParaRPr lang="pt-BR" sz="1600" b="0" i="0" u="none" strike="noStrike" dirty="0">
+                        <a:solidFill>
+                          <a:srgbClr val="000000"/>
+                        </a:solidFill>
+                        <a:effectLst/>
+                        <a:latin typeface="新細明體" panose="02020500000000000000" pitchFamily="18" charset="-120"/>
+                        <a:ea typeface="新細明體" panose="02020500000000000000" pitchFamily="18" charset="-120"/>
+                      </a:endParaRPr>
+                    </a:p>
+                  </a:txBody>
+                  <a:tcPr marL="9525" marR="9525" marT="9525" marB="0" anchor="ctr"/>
+                </a:tc>
+                <a:tc>
+                  <a:txBody>
+                    <a:bodyPr/>
+                    <a:lstStyle/>
+                    <a:p>
+                      <a:pPr algn="ctr" fontAlgn="ctr"/>
+                      <a:r>
+                        <a:rPr lang="en-US" altLang="zh-TW" sz="1600" u="none" strike="noStrike" dirty="0">
+                          <a:effectLst/>
+                        </a:rPr>
+                        <a:t>0.001665</a:t>
+                      </a:r>
+                      <a:endParaRPr lang="en-US" altLang="zh-TW" sz="1600" b="0" i="0" u="none" strike="noStrike" dirty="0">
+                        <a:solidFill>
+                          <a:srgbClr val="000000"/>
+                        </a:solidFill>
+                        <a:effectLst/>
+                        <a:latin typeface="新細明體" panose="02020500000000000000" pitchFamily="18" charset="-120"/>
+                        <a:ea typeface="新細明體" panose="02020500000000000000" pitchFamily="18" charset="-120"/>
+                      </a:endParaRPr>
+                    </a:p>
+                  </a:txBody>
+                  <a:tcPr marL="9525" marR="9525" marT="9525" marB="0" anchor="ctr"/>
+                </a:tc>
+                <a:tc>
+                  <a:txBody>
+                    <a:bodyPr/>
+                    <a:lstStyle/>
+                    <a:p>
+                      <a:pPr algn="ctr" fontAlgn="ctr"/>
+                      <a:r>
+                        <a:rPr lang="pt-BR" sz="1600" u="none" strike="noStrike" dirty="0">
+                          <a:effectLst/>
+                        </a:rPr>
+                        <a:t>A, G, F, J, </a:t>
+                      </a:r>
+                      <a:r>
+                        <a:rPr lang="pt-BR" sz="1600" u="none" strike="noStrike" dirty="0">
+                          <a:solidFill>
+                            <a:srgbClr val="FF0000"/>
+                          </a:solidFill>
+                          <a:effectLst/>
+                        </a:rPr>
+                        <a:t>E</a:t>
+                      </a:r>
+                      <a:r>
+                        <a:rPr lang="pt-BR" sz="1600" u="none" strike="noStrike" dirty="0">
+                          <a:effectLst/>
+                        </a:rPr>
+                        <a:t>, B, K, D, </a:t>
+                      </a:r>
+                      <a:r>
+                        <a:rPr lang="pt-BR" sz="1600" u="none" strike="noStrike" dirty="0">
+                          <a:solidFill>
+                            <a:srgbClr val="FF0000"/>
+                          </a:solidFill>
+                          <a:effectLst/>
+                        </a:rPr>
+                        <a:t>H</a:t>
+                      </a:r>
+                      <a:r>
+                        <a:rPr lang="pt-BR" sz="1600" u="none" strike="noStrike" dirty="0">
+                          <a:effectLst/>
+                        </a:rPr>
+                        <a:t>, C, I, L</a:t>
+                      </a:r>
+                      <a:endParaRPr lang="pt-BR" sz="1600" b="0" i="0" u="none" strike="noStrike" dirty="0">
+                        <a:solidFill>
+                          <a:srgbClr val="000000"/>
+                        </a:solidFill>
+                        <a:effectLst/>
+                        <a:latin typeface="新細明體" panose="02020500000000000000" pitchFamily="18" charset="-120"/>
+                        <a:ea typeface="新細明體" panose="02020500000000000000" pitchFamily="18" charset="-120"/>
+                      </a:endParaRPr>
+                    </a:p>
+                  </a:txBody>
+                  <a:tcPr marL="9525" marR="9525" marT="9525" marB="0" anchor="ctr"/>
+                </a:tc>
+                <a:tc>
+                  <a:txBody>
+                    <a:bodyPr/>
+                    <a:lstStyle/>
+                    <a:p>
+                      <a:pPr algn="ctr" fontAlgn="ctr"/>
+                      <a:r>
+                        <a:rPr lang="en-US" altLang="zh-TW" sz="1600" u="none" strike="noStrike" dirty="0">
+                          <a:effectLst/>
+                        </a:rPr>
+                        <a:t>0.001932</a:t>
+                      </a:r>
+                      <a:endParaRPr lang="en-US" altLang="zh-TW" sz="1600" b="0" i="0" u="none" strike="noStrike" dirty="0">
+                        <a:solidFill>
+                          <a:srgbClr val="000000"/>
+                        </a:solidFill>
+                        <a:effectLst/>
+                        <a:latin typeface="新細明體" panose="02020500000000000000" pitchFamily="18" charset="-120"/>
+                        <a:ea typeface="新細明體" panose="02020500000000000000" pitchFamily="18" charset="-120"/>
+                      </a:endParaRPr>
+                    </a:p>
+                  </a:txBody>
+                  <a:tcPr marL="9525" marR="9525" marT="9525" marB="0" anchor="ctr"/>
+                </a:tc>
+                <a:tc>
+                  <a:txBody>
+                    <a:bodyPr/>
+                    <a:lstStyle/>
+                    <a:p>
+                      <a:pPr algn="ctr" fontAlgn="ctr"/>
+                      <a:r>
+                        <a:rPr lang="en-US" sz="1600" u="none" strike="noStrike" dirty="0">
+                          <a:solidFill>
+                            <a:srgbClr val="FF0000"/>
+                          </a:solidFill>
+                          <a:effectLst/>
+                        </a:rPr>
+                        <a:t>Updated</a:t>
+                      </a:r>
+                      <a:endParaRPr lang="en-US" sz="1600" b="0" i="0" u="none" strike="noStrike" dirty="0">
+                        <a:solidFill>
+                          <a:srgbClr val="FF0000"/>
+                        </a:solidFill>
+                        <a:effectLst/>
+                        <a:latin typeface="新細明體" panose="02020500000000000000" pitchFamily="18" charset="-120"/>
+                        <a:ea typeface="新細明體" panose="02020500000000000000" pitchFamily="18" charset="-120"/>
+                      </a:endParaRPr>
+                    </a:p>
+                  </a:txBody>
+                  <a:tcPr marL="9525" marR="9525" marT="9525" marB="0" anchor="ctr"/>
+                </a:tc>
+                <a:extLst>
+                  <a:ext uri="{0D108BD9-81ED-4DB2-BD59-A6C34878D82A}">
+                    <a16:rowId xmlns:a16="http://schemas.microsoft.com/office/drawing/2014/main" val="972946604"/>
+                  </a:ext>
+                </a:extLst>
+              </a:tr>
+            </a:tbl>
+          </a:graphicData>
+        </a:graphic>
+      </p:graphicFrame>
+      <p:sp>
+        <p:nvSpPr>
+          <p:cNvPr id="6" name="L 圖案 5">
+            <a:extLst>
+              <a:ext uri="{FF2B5EF4-FFF2-40B4-BE49-F238E27FC236}">
+                <a16:creationId xmlns:a16="http://schemas.microsoft.com/office/drawing/2014/main" id="{B48F99B9-87DC-4216-A713-BC761C16D986}"/>
+              </a:ext>
+            </a:extLst>
+          </p:cNvPr>
+          <p:cNvSpPr/>
+          <p:nvPr/>
+        </p:nvSpPr>
+        <p:spPr>
+          <a:xfrm rot="18654277">
+            <a:off x="1716457" y="2440394"/>
+            <a:ext cx="180709" cy="87734"/>
+          </a:xfrm>
+          <a:prstGeom prst="corner">
+            <a:avLst>
+              <a:gd name="adj1" fmla="val 20028"/>
+              <a:gd name="adj2" fmla="val 15712"/>
+            </a:avLst>
+          </a:prstGeom>
+        </p:spPr>
+        <p:style>
+          <a:lnRef idx="2">
+            <a:schemeClr val="accent1">
+              <a:shade val="50000"/>
+            </a:schemeClr>
+          </a:lnRef>
+          <a:fillRef idx="1">
+            <a:schemeClr val="accent1"/>
+          </a:fillRef>
+          <a:effectRef idx="0">
+            <a:schemeClr val="accent1"/>
+          </a:effectRef>
+          <a:fontRef idx="minor">
+            <a:schemeClr val="lt1"/>
+          </a:fontRef>
+        </p:style>
+        <p:txBody>
+          <a:bodyPr rtlCol="0" anchor="ctr"/>
+          <a:lstStyle/>
+          <a:p>
+            <a:pPr algn="ctr"/>
+            <a:endParaRPr lang="zh-TW" altLang="en-US"/>
+          </a:p>
+        </p:txBody>
+      </p:sp>
+      <p:sp>
+        <p:nvSpPr>
+          <p:cNvPr id="7" name="L 圖案 6">
+            <a:extLst>
+              <a:ext uri="{FF2B5EF4-FFF2-40B4-BE49-F238E27FC236}">
+                <a16:creationId xmlns:a16="http://schemas.microsoft.com/office/drawing/2014/main" id="{417D55DC-D0AD-47AD-91BC-044CF8819EA5}"/>
+              </a:ext>
+            </a:extLst>
+          </p:cNvPr>
+          <p:cNvSpPr/>
+          <p:nvPr/>
+        </p:nvSpPr>
+        <p:spPr>
+          <a:xfrm rot="18654277">
+            <a:off x="1716457" y="3006773"/>
+            <a:ext cx="180709" cy="87734"/>
+          </a:xfrm>
+          <a:prstGeom prst="corner">
+            <a:avLst>
+              <a:gd name="adj1" fmla="val 20028"/>
+              <a:gd name="adj2" fmla="val 15712"/>
+            </a:avLst>
+          </a:prstGeom>
+        </p:spPr>
+        <p:style>
+          <a:lnRef idx="2">
+            <a:schemeClr val="accent1">
+              <a:shade val="50000"/>
+            </a:schemeClr>
+          </a:lnRef>
+          <a:fillRef idx="1">
+            <a:schemeClr val="accent1"/>
+          </a:fillRef>
+          <a:effectRef idx="0">
+            <a:schemeClr val="accent1"/>
+          </a:effectRef>
+          <a:fontRef idx="minor">
+            <a:schemeClr val="lt1"/>
+          </a:fontRef>
+        </p:style>
+        <p:txBody>
+          <a:bodyPr rtlCol="0" anchor="ctr"/>
+          <a:lstStyle/>
+          <a:p>
+            <a:pPr algn="ctr"/>
+            <a:endParaRPr lang="zh-TW" altLang="en-US"/>
+          </a:p>
+        </p:txBody>
+      </p:sp>
+      <p:sp>
+        <p:nvSpPr>
+          <p:cNvPr id="8" name="L 圖案 7">
+            <a:extLst>
+              <a:ext uri="{FF2B5EF4-FFF2-40B4-BE49-F238E27FC236}">
+                <a16:creationId xmlns:a16="http://schemas.microsoft.com/office/drawing/2014/main" id="{1934C283-DB3F-4152-8F21-D1F33C98F6C8}"/>
+              </a:ext>
+            </a:extLst>
+          </p:cNvPr>
+          <p:cNvSpPr/>
+          <p:nvPr/>
+        </p:nvSpPr>
+        <p:spPr>
+          <a:xfrm rot="18654277">
+            <a:off x="1716458" y="3659947"/>
+            <a:ext cx="180709" cy="87734"/>
+          </a:xfrm>
+          <a:prstGeom prst="corner">
+            <a:avLst>
+              <a:gd name="adj1" fmla="val 20028"/>
+              <a:gd name="adj2" fmla="val 15712"/>
+            </a:avLst>
+          </a:prstGeom>
+        </p:spPr>
+        <p:style>
+          <a:lnRef idx="2">
+            <a:schemeClr val="accent1">
+              <a:shade val="50000"/>
+            </a:schemeClr>
+          </a:lnRef>
+          <a:fillRef idx="1">
+            <a:schemeClr val="accent1"/>
+          </a:fillRef>
+          <a:effectRef idx="0">
+            <a:schemeClr val="accent1"/>
+          </a:effectRef>
+          <a:fontRef idx="minor">
+            <a:schemeClr val="lt1"/>
+          </a:fontRef>
+        </p:style>
+        <p:txBody>
+          <a:bodyPr rtlCol="0" anchor="ctr"/>
+          <a:lstStyle/>
+          <a:p>
+            <a:pPr algn="ctr"/>
+            <a:endParaRPr lang="zh-TW" altLang="en-US"/>
+          </a:p>
+        </p:txBody>
+      </p:sp>
+      <p:pic>
+        <p:nvPicPr>
+          <p:cNvPr id="12" name="圖片 11">
+            <a:extLst>
+              <a:ext uri="{FF2B5EF4-FFF2-40B4-BE49-F238E27FC236}">
+                <a16:creationId xmlns:a16="http://schemas.microsoft.com/office/drawing/2014/main" id="{2A369378-C978-4D24-95CA-9C22DB555EBA}"/>
+              </a:ext>
+            </a:extLst>
+          </p:cNvPr>
+          <p:cNvPicPr>
+            <a:picLocks noChangeAspect="1"/>
+          </p:cNvPicPr>
+          <p:nvPr/>
+        </p:nvPicPr>
+        <p:blipFill>
+          <a:blip r:embed="rId2"/>
+          <a:stretch>
+            <a:fillRect/>
+          </a:stretch>
+        </p:blipFill>
+        <p:spPr>
+          <a:xfrm>
+            <a:off x="6342917" y="4200159"/>
+            <a:ext cx="209550" cy="180975"/>
+          </a:xfrm>
+          <a:prstGeom prst="rect">
+            <a:avLst/>
+          </a:prstGeom>
+        </p:spPr>
+      </p:pic>
+    </p:spTree>
+    <p:extLst>
+      <p:ext uri="{BB962C8B-B14F-4D97-AF65-F5344CB8AC3E}">
+        <p14:creationId xmlns:p14="http://schemas.microsoft.com/office/powerpoint/2010/main" val="2974250481"/>
+      </p:ext>
+    </p:extLst>
+  </p:cSld>
+  <p:clrMapOvr>
+    <a:masterClrMapping/>
+  </p:clrMapOvr>
+</p:sld>
+</file>
+
+<file path=ppt/slides/slide35.xml><?xml version="1.0" encoding="utf-8"?>
 <p:sld xmlns:a="http://schemas.openxmlformats.org/drawingml/2006/main" xmlns:r="http://schemas.openxmlformats.org/officeDocument/2006/relationships" xmlns:p="http://schemas.openxmlformats.org/presentationml/2006/main">
   <p:cSld>
     <p:spTree>
@@ -15852,7 +17784,7 @@
               <a:p>
                 <a:r>
                   <a:rPr lang="en-US" altLang="zh-TW" dirty="0"/>
-                  <a:t>Using Roulette wheel selection to choose a solution.</a:t>
+                  <a:t>Using Roulette-wheel-selection to choose a solution.</a:t>
                 </a:r>
               </a:p>
               <a:p>
@@ -15903,7 +17835,7 @@
               <a:blipFill>
                 <a:blip r:embed="rId3"/>
                 <a:stretch>
-                  <a:fillRect l="-2004" t="-2241"/>
+                  <a:fillRect l="-2004" t="-2241" r="-445"/>
                 </a:stretch>
               </a:blipFill>
             </p:spPr>
@@ -15965,7 +17897,7 @@
 </p:sld>
 </file>
 
-<file path=ppt/slides/slide35.xml><?xml version="1.0" encoding="utf-8"?>
+<file path=ppt/slides/slide36.xml><?xml version="1.0" encoding="utf-8"?>
 <p:sld xmlns:a="http://schemas.openxmlformats.org/drawingml/2006/main" xmlns:r="http://schemas.openxmlformats.org/officeDocument/2006/relationships" xmlns:p="http://schemas.openxmlformats.org/presentationml/2006/main">
   <p:cSld>
     <p:spTree>
@@ -16187,7 +18119,7 @@
 </p:sld>
 </file>
 
-<file path=ppt/slides/slide36.xml><?xml version="1.0" encoding="utf-8"?>
+<file path=ppt/slides/slide37.xml><?xml version="1.0" encoding="utf-8"?>
 <p:sld xmlns:a="http://schemas.openxmlformats.org/drawingml/2006/main" xmlns:r="http://schemas.openxmlformats.org/officeDocument/2006/relationships" xmlns:p="http://schemas.openxmlformats.org/presentationml/2006/main">
   <p:cSld>
     <p:spTree>
@@ -16268,8 +18200,8 @@
         </p:nvSpPr>
         <p:spPr>
           <a:xfrm>
-            <a:off x="1035267" y="1795792"/>
-            <a:ext cx="11156733" cy="4351338"/>
+            <a:off x="1035267" y="1795791"/>
+            <a:ext cx="11156733" cy="4697083"/>
           </a:xfrm>
         </p:spPr>
         <p:txBody>
@@ -16287,15 +18219,14 @@
             </a:pPr>
             <a:r>
               <a:rPr lang="en-US" altLang="zh-TW" dirty="0"/>
-              <a:t>	</a:t>
-            </a:r>
-            <a:r>
-              <a:rPr lang="en-US" altLang="zh-TW" i="1" dirty="0"/>
-              <a:t>IF</a:t>
-            </a:r>
-            <a:r>
-              <a:rPr lang="en-US" altLang="zh-TW" dirty="0"/>
-              <a:t> stagnation times &gt; threshold,</a:t>
+              <a:t>	IF </a:t>
+            </a:r>
+            <a:r>
+              <a:rPr lang="en-US" altLang="zh-TW" i="1" dirty="0">
+                <a:latin typeface="Times New Roman" panose="02020603050405020304" pitchFamily="18" charset="0"/>
+                <a:cs typeface="Times New Roman" panose="02020603050405020304" pitchFamily="18" charset="0"/>
+              </a:rPr>
+              <a:t>stagnation times &gt; threshold</a:t>
             </a:r>
           </a:p>
           <a:p>
@@ -16304,15 +18235,14 @@
             </a:pPr>
             <a:r>
               <a:rPr lang="en-US" altLang="zh-TW" dirty="0"/>
-              <a:t>   	</a:t>
-            </a:r>
-            <a:r>
-              <a:rPr lang="en-US" altLang="zh-TW" i="1" dirty="0"/>
-              <a:t>THEN</a:t>
-            </a:r>
-            <a:r>
-              <a:rPr lang="en-US" altLang="zh-TW" dirty="0"/>
-              <a:t> replace the solution by a new random ones</a:t>
+              <a:t>   		THEN </a:t>
+            </a:r>
+            <a:r>
+              <a:rPr lang="en-US" altLang="zh-TW" i="1" dirty="0">
+                <a:latin typeface="Times New Roman" panose="02020603050405020304" pitchFamily="18" charset="0"/>
+                <a:cs typeface="Times New Roman" panose="02020603050405020304" pitchFamily="18" charset="0"/>
+              </a:rPr>
+              <a:t>replace the solution by a new random ones</a:t>
             </a:r>
           </a:p>
           <a:p>
@@ -16325,22 +18255,61 @@
             </a:r>
           </a:p>
           <a:p>
+            <a:r>
+              <a:rPr lang="en-US" altLang="zh-TW" dirty="0"/>
+              <a:t>It is like a employed bee gives up a source and try to find a better one.</a:t>
+            </a:r>
+          </a:p>
+          <a:p>
+            <a:r>
+              <a:rPr lang="en-US" altLang="zh-TW" dirty="0"/>
+              <a:t>IF </a:t>
+            </a:r>
+            <a:r>
+              <a:rPr lang="en-US" altLang="zh-TW" i="1" dirty="0">
+                <a:latin typeface="Times New Roman" panose="02020603050405020304" pitchFamily="18" charset="0"/>
+                <a:cs typeface="Times New Roman" panose="02020603050405020304" pitchFamily="18" charset="0"/>
+              </a:rPr>
+              <a:t>iteration times &gt;= MCN</a:t>
+            </a:r>
+          </a:p>
+          <a:p>
             <a:pPr marL="0" indent="0">
               <a:buNone/>
             </a:pPr>
+            <a:r>
+              <a:rPr lang="en-US" altLang="zh-TW" dirty="0"/>
+              <a:t>   	THEN </a:t>
+            </a:r>
+            <a:r>
+              <a:rPr lang="en-US" altLang="zh-TW" i="1" dirty="0">
+                <a:latin typeface="Times New Roman" panose="02020603050405020304" pitchFamily="18" charset="0"/>
+                <a:cs typeface="Times New Roman" panose="02020603050405020304" pitchFamily="18" charset="0"/>
+              </a:rPr>
+              <a:t>stop</a:t>
+            </a:r>
+          </a:p>
+          <a:p>
+            <a:pPr marL="0" indent="0">
+              <a:buNone/>
+            </a:pPr>
+            <a:r>
+              <a:rPr lang="en-US" altLang="zh-TW" dirty="0">
+                <a:latin typeface="Times New Roman" panose="02020603050405020304" pitchFamily="18" charset="0"/>
+                <a:cs typeface="Times New Roman" panose="02020603050405020304" pitchFamily="18" charset="0"/>
+              </a:rPr>
+              <a:t>  Else </a:t>
+            </a:r>
+            <a:r>
+              <a:rPr lang="en-US" altLang="zh-TW" i="1" dirty="0">
+                <a:latin typeface="Times New Roman" panose="02020603050405020304" pitchFamily="18" charset="0"/>
+                <a:cs typeface="Times New Roman" panose="02020603050405020304" pitchFamily="18" charset="0"/>
+              </a:rPr>
+              <a:t>repeat to step2</a:t>
+            </a:r>
+          </a:p>
+          <a:p>
             <a:endParaRPr lang="en-US" altLang="zh-TW" dirty="0"/>
-          </a:p>
-          <a:p>
-            <a:r>
-              <a:rPr lang="en-US" altLang="zh-TW" dirty="0"/>
-              <a:t>It is like a employed bee gives up a source and try to find a better one.</a:t>
-            </a:r>
-          </a:p>
-          <a:p>
-            <a:r>
-              <a:rPr lang="en-US" altLang="zh-TW" dirty="0"/>
-              <a:t>Repeat to Step2.</a:t>
-            </a:r>
           </a:p>
         </p:txBody>
       </p:sp>
@@ -16357,7 +18326,7 @@
 </p:sld>
 </file>
 
-<file path=ppt/slides/slide37.xml><?xml version="1.0" encoding="utf-8"?>
+<file path=ppt/slides/slide38.xml><?xml version="1.0" encoding="utf-8"?>
 <p:sld xmlns:a="http://schemas.openxmlformats.org/drawingml/2006/main" xmlns:r="http://schemas.openxmlformats.org/officeDocument/2006/relationships" xmlns:p="http://schemas.openxmlformats.org/presentationml/2006/main">
   <p:cSld>
     <p:spTree>
@@ -16444,7 +18413,7 @@
           <a:p>
             <a:r>
               <a:rPr lang="en-US" altLang="zh-TW" sz="2400" dirty="0"/>
-              <a:t>Iteration times:91</a:t>
+              <a:t>Iteration times: 91</a:t>
             </a:r>
           </a:p>
           <a:p>
@@ -16534,10 +18503,310 @@
           </a:prstGeom>
         </p:spPr>
       </p:pic>
+      <p:sp>
+        <p:nvSpPr>
+          <p:cNvPr id="3" name="橢圓 2">
+            <a:extLst>
+              <a:ext uri="{FF2B5EF4-FFF2-40B4-BE49-F238E27FC236}">
+                <a16:creationId xmlns:a16="http://schemas.microsoft.com/office/drawing/2014/main" id="{1C7C4B3B-97CE-4BEA-ACCC-45F97A7C3A25}"/>
+              </a:ext>
+            </a:extLst>
+          </p:cNvPr>
+          <p:cNvSpPr/>
+          <p:nvPr/>
+        </p:nvSpPr>
+        <p:spPr>
+          <a:xfrm>
+            <a:off x="1656410" y="6090293"/>
+            <a:ext cx="107076" cy="93306"/>
+          </a:xfrm>
+          <a:prstGeom prst="ellipse">
+            <a:avLst/>
+          </a:prstGeom>
+          <a:solidFill>
+            <a:srgbClr val="FF0000"/>
+          </a:solidFill>
+        </p:spPr>
+        <p:style>
+          <a:lnRef idx="2">
+            <a:schemeClr val="accent1">
+              <a:shade val="50000"/>
+            </a:schemeClr>
+          </a:lnRef>
+          <a:fillRef idx="1">
+            <a:schemeClr val="accent1"/>
+          </a:fillRef>
+          <a:effectRef idx="0">
+            <a:schemeClr val="accent1"/>
+          </a:effectRef>
+          <a:fontRef idx="minor">
+            <a:schemeClr val="lt1"/>
+          </a:fontRef>
+        </p:style>
+        <p:txBody>
+          <a:bodyPr rtlCol="0" anchor="ctr"/>
+          <a:lstStyle/>
+          <a:p>
+            <a:pPr algn="ctr"/>
+            <a:endParaRPr lang="zh-TW" altLang="en-US"/>
+          </a:p>
+        </p:txBody>
+      </p:sp>
     </p:spTree>
     <p:extLst>
       <p:ext uri="{BB962C8B-B14F-4D97-AF65-F5344CB8AC3E}">
         <p14:creationId xmlns:p14="http://schemas.microsoft.com/office/powerpoint/2010/main" val="2506950635"/>
+      </p:ext>
+    </p:extLst>
+  </p:cSld>
+  <p:clrMapOvr>
+    <a:masterClrMapping/>
+  </p:clrMapOvr>
+</p:sld>
+</file>
+
+<file path=ppt/slides/slide39.xml><?xml version="1.0" encoding="utf-8"?>
+<p:sld xmlns:a="http://schemas.openxmlformats.org/drawingml/2006/main" xmlns:r="http://schemas.openxmlformats.org/officeDocument/2006/relationships" xmlns:p="http://schemas.openxmlformats.org/presentationml/2006/main">
+  <p:cSld>
+    <p:spTree>
+      <p:nvGrpSpPr>
+        <p:cNvPr id="1" name=""/>
+        <p:cNvGrpSpPr/>
+        <p:nvPr/>
+      </p:nvGrpSpPr>
+      <p:grpSpPr>
+        <a:xfrm>
+          <a:off x="0" y="0"/>
+          <a:ext cx="0" cy="0"/>
+          <a:chOff x="0" y="0"/>
+          <a:chExt cx="0" cy="0"/>
+        </a:xfrm>
+      </p:grpSpPr>
+      <p:sp>
+        <p:nvSpPr>
+          <p:cNvPr id="2" name="標題 1">
+            <a:extLst>
+              <a:ext uri="{FF2B5EF4-FFF2-40B4-BE49-F238E27FC236}">
+                <a16:creationId xmlns:a16="http://schemas.microsoft.com/office/drawing/2014/main" id="{780E74E2-3E6D-4603-A2C7-0BD935C68CDE}"/>
+              </a:ext>
+            </a:extLst>
+          </p:cNvPr>
+          <p:cNvSpPr>
+            <a:spLocks noGrp="1"/>
+          </p:cNvSpPr>
+          <p:nvPr>
+            <p:ph type="title"/>
+          </p:nvPr>
+        </p:nvSpPr>
+        <p:spPr/>
+        <p:txBody>
+          <a:bodyPr/>
+          <a:lstStyle/>
+          <a:p>
+            <a:r>
+              <a:rPr lang="en-US" altLang="zh-TW" dirty="0"/>
+              <a:t>Comparation</a:t>
+            </a:r>
+            <a:endParaRPr lang="zh-TW" altLang="en-US" dirty="0"/>
+          </a:p>
+        </p:txBody>
+      </p:sp>
+      <p:sp>
+        <p:nvSpPr>
+          <p:cNvPr id="3" name="文字版面配置區 2">
+            <a:extLst>
+              <a:ext uri="{FF2B5EF4-FFF2-40B4-BE49-F238E27FC236}">
+                <a16:creationId xmlns:a16="http://schemas.microsoft.com/office/drawing/2014/main" id="{0FCDE9D2-1E6C-4F6C-A0B4-FA20C9BD719B}"/>
+              </a:ext>
+            </a:extLst>
+          </p:cNvPr>
+          <p:cNvSpPr>
+            <a:spLocks noGrp="1"/>
+          </p:cNvSpPr>
+          <p:nvPr>
+            <p:ph type="body" idx="1"/>
+          </p:nvPr>
+        </p:nvSpPr>
+        <p:spPr>
+          <a:xfrm>
+            <a:off x="839788" y="1681163"/>
+            <a:ext cx="5157787" cy="683968"/>
+          </a:xfrm>
+        </p:spPr>
+        <p:txBody>
+          <a:bodyPr>
+            <a:normAutofit/>
+          </a:bodyPr>
+          <a:lstStyle/>
+          <a:p>
+            <a:r>
+              <a:rPr lang="en-US" altLang="zh-TW" sz="3600" dirty="0"/>
+              <a:t>GA</a:t>
+            </a:r>
+            <a:endParaRPr lang="zh-TW" altLang="en-US" sz="3600" dirty="0"/>
+          </a:p>
+        </p:txBody>
+      </p:sp>
+      <p:sp>
+        <p:nvSpPr>
+          <p:cNvPr id="4" name="內容版面配置區 3">
+            <a:extLst>
+              <a:ext uri="{FF2B5EF4-FFF2-40B4-BE49-F238E27FC236}">
+                <a16:creationId xmlns:a16="http://schemas.microsoft.com/office/drawing/2014/main" id="{7BA4BEEE-F8B3-4881-BD87-288DE006D815}"/>
+              </a:ext>
+            </a:extLst>
+          </p:cNvPr>
+          <p:cNvSpPr>
+            <a:spLocks noGrp="1"/>
+          </p:cNvSpPr>
+          <p:nvPr>
+            <p:ph sz="half" idx="2"/>
+          </p:nvPr>
+        </p:nvSpPr>
+        <p:spPr>
+          <a:xfrm>
+            <a:off x="919421" y="2365131"/>
+            <a:ext cx="4998519" cy="3824532"/>
+          </a:xfrm>
+        </p:spPr>
+        <p:txBody>
+          <a:bodyPr/>
+          <a:lstStyle/>
+          <a:p>
+            <a:r>
+              <a:rPr lang="en-US" altLang="zh-TW" dirty="0"/>
+              <a:t>Selection, Crossover, Mutation</a:t>
+            </a:r>
+          </a:p>
+          <a:p>
+            <a:r>
+              <a:rPr lang="en-US" altLang="zh-TW" dirty="0"/>
+              <a:t>Mutation</a:t>
+            </a:r>
+          </a:p>
+          <a:p>
+            <a:r>
+              <a:rPr lang="en-US" altLang="zh-TW" dirty="0"/>
+              <a:t>Fitness</a:t>
+            </a:r>
+          </a:p>
+          <a:p>
+            <a:r>
+              <a:rPr lang="en-US" altLang="zh-TW" dirty="0"/>
+              <a:t>Choose by fitness</a:t>
+            </a:r>
+          </a:p>
+          <a:p>
+            <a:r>
+              <a:rPr lang="en-US" altLang="zh-TW" dirty="0"/>
+              <a:t>Avoid local minimum (Mutation)</a:t>
+            </a:r>
+          </a:p>
+          <a:p>
+            <a:endParaRPr lang="zh-TW" altLang="en-US" dirty="0"/>
+          </a:p>
+        </p:txBody>
+      </p:sp>
+      <p:sp>
+        <p:nvSpPr>
+          <p:cNvPr id="5" name="文字版面配置區 4">
+            <a:extLst>
+              <a:ext uri="{FF2B5EF4-FFF2-40B4-BE49-F238E27FC236}">
+                <a16:creationId xmlns:a16="http://schemas.microsoft.com/office/drawing/2014/main" id="{9434C39C-E12B-4582-9956-BCC2765B8A16}"/>
+              </a:ext>
+            </a:extLst>
+          </p:cNvPr>
+          <p:cNvSpPr>
+            <a:spLocks noGrp="1"/>
+          </p:cNvSpPr>
+          <p:nvPr>
+            <p:ph type="body" sz="quarter" idx="3"/>
+          </p:nvPr>
+        </p:nvSpPr>
+        <p:spPr>
+          <a:xfrm>
+            <a:off x="6172200" y="1681163"/>
+            <a:ext cx="5183188" cy="683968"/>
+          </a:xfrm>
+        </p:spPr>
+        <p:txBody>
+          <a:bodyPr>
+            <a:normAutofit/>
+          </a:bodyPr>
+          <a:lstStyle/>
+          <a:p>
+            <a:r>
+              <a:rPr lang="en-US" altLang="zh-TW" sz="3600" dirty="0"/>
+              <a:t>BCO</a:t>
+            </a:r>
+            <a:endParaRPr lang="zh-TW" altLang="en-US" sz="3600" dirty="0"/>
+          </a:p>
+        </p:txBody>
+      </p:sp>
+      <p:sp>
+        <p:nvSpPr>
+          <p:cNvPr id="6" name="內容版面配置區 5">
+            <a:extLst>
+              <a:ext uri="{FF2B5EF4-FFF2-40B4-BE49-F238E27FC236}">
+                <a16:creationId xmlns:a16="http://schemas.microsoft.com/office/drawing/2014/main" id="{6241D825-DE89-4408-802D-9EE65A91C7F2}"/>
+              </a:ext>
+            </a:extLst>
+          </p:cNvPr>
+          <p:cNvSpPr>
+            <a:spLocks noGrp="1"/>
+          </p:cNvSpPr>
+          <p:nvPr>
+            <p:ph sz="quarter" idx="4"/>
+          </p:nvPr>
+        </p:nvSpPr>
+        <p:spPr>
+          <a:xfrm>
+            <a:off x="6172200" y="2365131"/>
+            <a:ext cx="5435082" cy="3824532"/>
+          </a:xfrm>
+        </p:spPr>
+        <p:txBody>
+          <a:bodyPr/>
+          <a:lstStyle/>
+          <a:p>
+            <a:r>
+              <a:rPr lang="en-US" altLang="zh-TW" dirty="0"/>
+              <a:t>Employed, Onlooker, Scout bees</a:t>
+            </a:r>
+          </a:p>
+          <a:p>
+            <a:r>
+              <a:rPr lang="en-US" altLang="zh-TW" dirty="0"/>
+              <a:t>Nearby food sources</a:t>
+            </a:r>
+          </a:p>
+          <a:p>
+            <a:r>
+              <a:rPr lang="en-US" altLang="zh-TW" dirty="0"/>
+              <a:t>Fitness</a:t>
+            </a:r>
+          </a:p>
+          <a:p>
+            <a:r>
+              <a:rPr lang="en-US" altLang="zh-TW" dirty="0"/>
+              <a:t>Roulette-wheel-selection</a:t>
+            </a:r>
+          </a:p>
+          <a:p>
+            <a:r>
+              <a:rPr lang="en-US" altLang="zh-TW" dirty="0"/>
+              <a:t>Avoid local minimum (scout bee)</a:t>
+            </a:r>
+          </a:p>
+          <a:p>
+            <a:endParaRPr lang="zh-TW" altLang="en-US" dirty="0"/>
+          </a:p>
+        </p:txBody>
+      </p:sp>
+    </p:spTree>
+    <p:extLst>
+      <p:ext uri="{BB962C8B-B14F-4D97-AF65-F5344CB8AC3E}">
+        <p14:creationId xmlns:p14="http://schemas.microsoft.com/office/powerpoint/2010/main" val="1383831053"/>
       </p:ext>
     </p:extLst>
   </p:cSld>
@@ -16982,6 +19251,135 @@
     <p:extLst>
       <p:ext uri="{BB962C8B-B14F-4D97-AF65-F5344CB8AC3E}">
         <p14:creationId xmlns:p14="http://schemas.microsoft.com/office/powerpoint/2010/main" val="4216609300"/>
+      </p:ext>
+    </p:extLst>
+  </p:cSld>
+  <p:clrMapOvr>
+    <a:masterClrMapping/>
+  </p:clrMapOvr>
+</p:sld>
+</file>
+
+<file path=ppt/slides/slide40.xml><?xml version="1.0" encoding="utf-8"?>
+<p:sld xmlns:a="http://schemas.openxmlformats.org/drawingml/2006/main" xmlns:r="http://schemas.openxmlformats.org/officeDocument/2006/relationships" xmlns:p="http://schemas.openxmlformats.org/presentationml/2006/main">
+  <p:cSld>
+    <p:spTree>
+      <p:nvGrpSpPr>
+        <p:cNvPr id="1" name=""/>
+        <p:cNvGrpSpPr/>
+        <p:nvPr/>
+      </p:nvGrpSpPr>
+      <p:grpSpPr>
+        <a:xfrm>
+          <a:off x="0" y="0"/>
+          <a:ext cx="0" cy="0"/>
+          <a:chOff x="0" y="0"/>
+          <a:chExt cx="0" cy="0"/>
+        </a:xfrm>
+      </p:grpSpPr>
+      <p:sp>
+        <p:nvSpPr>
+          <p:cNvPr id="2" name="標題 1">
+            <a:extLst>
+              <a:ext uri="{FF2B5EF4-FFF2-40B4-BE49-F238E27FC236}">
+                <a16:creationId xmlns:a16="http://schemas.microsoft.com/office/drawing/2014/main" id="{FA49C5E8-84FD-4690-A389-5B20F809FD10}"/>
+              </a:ext>
+            </a:extLst>
+          </p:cNvPr>
+          <p:cNvSpPr>
+            <a:spLocks noGrp="1"/>
+          </p:cNvSpPr>
+          <p:nvPr>
+            <p:ph type="title"/>
+          </p:nvPr>
+        </p:nvSpPr>
+        <p:spPr/>
+        <p:txBody>
+          <a:bodyPr/>
+          <a:lstStyle/>
+          <a:p>
+            <a:r>
+              <a:rPr lang="en-US" altLang="zh-TW" dirty="0"/>
+              <a:t>Citation</a:t>
+            </a:r>
+            <a:endParaRPr lang="zh-TW" altLang="en-US" dirty="0"/>
+          </a:p>
+        </p:txBody>
+      </p:sp>
+      <p:sp>
+        <p:nvSpPr>
+          <p:cNvPr id="3" name="內容版面配置區 2">
+            <a:extLst>
+              <a:ext uri="{FF2B5EF4-FFF2-40B4-BE49-F238E27FC236}">
+                <a16:creationId xmlns:a16="http://schemas.microsoft.com/office/drawing/2014/main" id="{E86B9909-FB1C-4F9C-BC49-4B808B136CE6}"/>
+              </a:ext>
+            </a:extLst>
+          </p:cNvPr>
+          <p:cNvSpPr>
+            <a:spLocks noGrp="1"/>
+          </p:cNvSpPr>
+          <p:nvPr>
+            <p:ph idx="1"/>
+          </p:nvPr>
+        </p:nvSpPr>
+        <p:spPr/>
+        <p:txBody>
+          <a:bodyPr/>
+          <a:lstStyle/>
+          <a:p>
+            <a:r>
+              <a:rPr lang="en-US" altLang="zh-TW" dirty="0"/>
+              <a:t>D. </a:t>
+            </a:r>
+            <a:r>
+              <a:rPr lang="en-US" altLang="zh-TW" dirty="0" err="1"/>
+              <a:t>Karaboga</a:t>
+            </a:r>
+            <a:r>
+              <a:rPr lang="en-US" altLang="zh-TW" dirty="0"/>
+              <a:t> and B. </a:t>
+            </a:r>
+            <a:r>
+              <a:rPr lang="en-US" altLang="zh-TW" dirty="0" err="1"/>
+              <a:t>Basturk</a:t>
+            </a:r>
+            <a:r>
+              <a:rPr lang="en-US" altLang="zh-TW" dirty="0"/>
+              <a:t>, "Artificial Bee Colony (ABC) Optimization Algorithm for Solving Constrained Optimization Problems," in </a:t>
+            </a:r>
+            <a:r>
+              <a:rPr lang="en-US" altLang="zh-TW" i="1" dirty="0"/>
+              <a:t>Foundations of Fuzzy Logic and Soft Computing</a:t>
+            </a:r>
+            <a:r>
+              <a:rPr lang="en-US" altLang="zh-TW" dirty="0"/>
+              <a:t>, Lecture Notes in Computer Science, vol. 4529, 2007, pp. 789-798.</a:t>
+            </a:r>
+          </a:p>
+          <a:p>
+            <a:endParaRPr lang="en-US" altLang="zh-TW" dirty="0"/>
+          </a:p>
+          <a:p>
+            <a:r>
+              <a:rPr lang="en-US" altLang="zh-TW" dirty="0"/>
+              <a:t>L.-P. Wong, M. Y. H. Low, and C. S. Chong, "A Bee Colony Optimization Algorithm for Traveling Salesman Problem," in </a:t>
+            </a:r>
+            <a:r>
+              <a:rPr lang="en-US" altLang="zh-TW" i="1" dirty="0"/>
+              <a:t>Proceedings of the 2nd Asia International Conference on Modelling and Simulation (AMS 2008)</a:t>
+            </a:r>
+            <a:r>
+              <a:rPr lang="en-US" altLang="zh-TW" dirty="0"/>
+              <a:t>, Kuala Lumpur, Malaysia, May 2008, pp. 818-823</a:t>
+            </a:r>
+            <a:endParaRPr lang="zh-TW" altLang="en-US" dirty="0"/>
+          </a:p>
+        </p:txBody>
+      </p:sp>
+    </p:spTree>
+    <p:extLst>
+      <p:ext uri="{BB962C8B-B14F-4D97-AF65-F5344CB8AC3E}">
+        <p14:creationId xmlns:p14="http://schemas.microsoft.com/office/powerpoint/2010/main" val="1241378409"/>
       </p:ext>
     </p:extLst>
   </p:cSld>
